--- a/Business Intelligence(BI).pptx
+++ b/Business Intelligence(BI).pptx
@@ -2,15 +2,42 @@
 <file path=ppt/presentation.xml><?xml version="1.0" encoding="utf-8"?>
 <p:presentation xmlns:a="http://schemas.openxmlformats.org/drawingml/2006/main" xmlns:r="http://schemas.openxmlformats.org/officeDocument/2006/relationships" xmlns:p="http://schemas.openxmlformats.org/presentationml/2006/main" saveSubsetFonts="1">
   <p:sldMasterIdLst>
-    <p:sldMasterId id="2147483648" r:id="rId1"/>
+    <p:sldMasterId id="2147483660" r:id="rId1"/>
   </p:sldMasterIdLst>
+  <p:notesMasterIdLst>
+    <p:notesMasterId r:id="rId32"/>
+  </p:notesMasterIdLst>
   <p:sldIdLst>
     <p:sldId id="256" r:id="rId2"/>
     <p:sldId id="257" r:id="rId3"/>
     <p:sldId id="258" r:id="rId4"/>
-    <p:sldId id="259" r:id="rId5"/>
-    <p:sldId id="260" r:id="rId6"/>
-    <p:sldId id="261" r:id="rId7"/>
+    <p:sldId id="262" r:id="rId5"/>
+    <p:sldId id="259" r:id="rId6"/>
+    <p:sldId id="260" r:id="rId7"/>
+    <p:sldId id="261" r:id="rId8"/>
+    <p:sldId id="281" r:id="rId9"/>
+    <p:sldId id="282" r:id="rId10"/>
+    <p:sldId id="283" r:id="rId11"/>
+    <p:sldId id="284" r:id="rId12"/>
+    <p:sldId id="285" r:id="rId13"/>
+    <p:sldId id="286" r:id="rId14"/>
+    <p:sldId id="287" r:id="rId15"/>
+    <p:sldId id="263" r:id="rId16"/>
+    <p:sldId id="264" r:id="rId17"/>
+    <p:sldId id="267" r:id="rId18"/>
+    <p:sldId id="268" r:id="rId19"/>
+    <p:sldId id="269" r:id="rId20"/>
+    <p:sldId id="270" r:id="rId21"/>
+    <p:sldId id="271" r:id="rId22"/>
+    <p:sldId id="272" r:id="rId23"/>
+    <p:sldId id="273" r:id="rId24"/>
+    <p:sldId id="274" r:id="rId25"/>
+    <p:sldId id="275" r:id="rId26"/>
+    <p:sldId id="276" r:id="rId27"/>
+    <p:sldId id="277" r:id="rId28"/>
+    <p:sldId id="278" r:id="rId29"/>
+    <p:sldId id="279" r:id="rId30"/>
+    <p:sldId id="280" r:id="rId31"/>
   </p:sldIdLst>
   <p:sldSz cx="12192000" cy="6858000"/>
   <p:notesSz cx="6858000" cy="9144000"/>
@@ -18,7 +45,7 @@
     <a:defPPr>
       <a:defRPr lang="en-US"/>
     </a:defPPr>
-    <a:lvl1pPr marL="0" algn="l" defTabSz="914400" rtl="0" eaLnBrk="1" latinLnBrk="0" hangingPunct="1">
+    <a:lvl1pPr marL="0" algn="l" defTabSz="457200" rtl="0" eaLnBrk="1" latinLnBrk="0" hangingPunct="1">
       <a:defRPr sz="1800" kern="1200">
         <a:solidFill>
           <a:schemeClr val="tx1"/>
@@ -28,7 +55,7 @@
         <a:cs typeface="+mn-cs"/>
       </a:defRPr>
     </a:lvl1pPr>
-    <a:lvl2pPr marL="457200" algn="l" defTabSz="914400" rtl="0" eaLnBrk="1" latinLnBrk="0" hangingPunct="1">
+    <a:lvl2pPr marL="457200" algn="l" defTabSz="457200" rtl="0" eaLnBrk="1" latinLnBrk="0" hangingPunct="1">
       <a:defRPr sz="1800" kern="1200">
         <a:solidFill>
           <a:schemeClr val="tx1"/>
@@ -38,7 +65,7 @@
         <a:cs typeface="+mn-cs"/>
       </a:defRPr>
     </a:lvl2pPr>
-    <a:lvl3pPr marL="914400" algn="l" defTabSz="914400" rtl="0" eaLnBrk="1" latinLnBrk="0" hangingPunct="1">
+    <a:lvl3pPr marL="914400" algn="l" defTabSz="457200" rtl="0" eaLnBrk="1" latinLnBrk="0" hangingPunct="1">
       <a:defRPr sz="1800" kern="1200">
         <a:solidFill>
           <a:schemeClr val="tx1"/>
@@ -48,7 +75,7 @@
         <a:cs typeface="+mn-cs"/>
       </a:defRPr>
     </a:lvl3pPr>
-    <a:lvl4pPr marL="1371600" algn="l" defTabSz="914400" rtl="0" eaLnBrk="1" latinLnBrk="0" hangingPunct="1">
+    <a:lvl4pPr marL="1371600" algn="l" defTabSz="457200" rtl="0" eaLnBrk="1" latinLnBrk="0" hangingPunct="1">
       <a:defRPr sz="1800" kern="1200">
         <a:solidFill>
           <a:schemeClr val="tx1"/>
@@ -58,7 +85,7 @@
         <a:cs typeface="+mn-cs"/>
       </a:defRPr>
     </a:lvl4pPr>
-    <a:lvl5pPr marL="1828800" algn="l" defTabSz="914400" rtl="0" eaLnBrk="1" latinLnBrk="0" hangingPunct="1">
+    <a:lvl5pPr marL="1828800" algn="l" defTabSz="457200" rtl="0" eaLnBrk="1" latinLnBrk="0" hangingPunct="1">
       <a:defRPr sz="1800" kern="1200">
         <a:solidFill>
           <a:schemeClr val="tx1"/>
@@ -68,7 +95,7 @@
         <a:cs typeface="+mn-cs"/>
       </a:defRPr>
     </a:lvl5pPr>
-    <a:lvl6pPr marL="2286000" algn="l" defTabSz="914400" rtl="0" eaLnBrk="1" latinLnBrk="0" hangingPunct="1">
+    <a:lvl6pPr marL="2286000" algn="l" defTabSz="457200" rtl="0" eaLnBrk="1" latinLnBrk="0" hangingPunct="1">
       <a:defRPr sz="1800" kern="1200">
         <a:solidFill>
           <a:schemeClr val="tx1"/>
@@ -78,7 +105,7 @@
         <a:cs typeface="+mn-cs"/>
       </a:defRPr>
     </a:lvl6pPr>
-    <a:lvl7pPr marL="2743200" algn="l" defTabSz="914400" rtl="0" eaLnBrk="1" latinLnBrk="0" hangingPunct="1">
+    <a:lvl7pPr marL="2743200" algn="l" defTabSz="457200" rtl="0" eaLnBrk="1" latinLnBrk="0" hangingPunct="1">
       <a:defRPr sz="1800" kern="1200">
         <a:solidFill>
           <a:schemeClr val="tx1"/>
@@ -88,7 +115,7 @@
         <a:cs typeface="+mn-cs"/>
       </a:defRPr>
     </a:lvl7pPr>
-    <a:lvl8pPr marL="3200400" algn="l" defTabSz="914400" rtl="0" eaLnBrk="1" latinLnBrk="0" hangingPunct="1">
+    <a:lvl8pPr marL="3200400" algn="l" defTabSz="457200" rtl="0" eaLnBrk="1" latinLnBrk="0" hangingPunct="1">
       <a:defRPr sz="1800" kern="1200">
         <a:solidFill>
           <a:schemeClr val="tx1"/>
@@ -98,7 +125,7 @@
         <a:cs typeface="+mn-cs"/>
       </a:defRPr>
     </a:lvl8pPr>
-    <a:lvl9pPr marL="3657600" algn="l" defTabSz="914400" rtl="0" eaLnBrk="1" latinLnBrk="0" hangingPunct="1">
+    <a:lvl9pPr marL="3657600" algn="l" defTabSz="457200" rtl="0" eaLnBrk="1" latinLnBrk="0" hangingPunct="1">
       <a:defRPr sz="1800" kern="1200">
         <a:solidFill>
           <a:schemeClr val="tx1"/>
@@ -109,7 +136,1404 @@
       </a:defRPr>
     </a:lvl9pPr>
   </p:defaultTextStyle>
+  <p:extLst>
+    <p:ext uri="{EFAFB233-063F-42B5-8137-9DF3F51BA10A}">
+      <p15:sldGuideLst xmlns:p15="http://schemas.microsoft.com/office/powerpoint/2012/main"/>
+    </p:ext>
+  </p:extLst>
 </p:presentation>
+</file>
+
+<file path=ppt/notesMasters/notesMaster1.xml><?xml version="1.0" encoding="utf-8"?>
+<p:notesMaster xmlns:a="http://schemas.openxmlformats.org/drawingml/2006/main" xmlns:r="http://schemas.openxmlformats.org/officeDocument/2006/relationships" xmlns:p="http://schemas.openxmlformats.org/presentationml/2006/main">
+  <p:cSld>
+    <p:bg>
+      <p:bgRef idx="1001">
+        <a:schemeClr val="bg1"/>
+      </p:bgRef>
+    </p:bg>
+    <p:spTree>
+      <p:nvGrpSpPr>
+        <p:cNvPr id="1" name=""/>
+        <p:cNvGrpSpPr/>
+        <p:nvPr/>
+      </p:nvGrpSpPr>
+      <p:grpSpPr>
+        <a:xfrm>
+          <a:off x="0" y="0"/>
+          <a:ext cx="0" cy="0"/>
+          <a:chOff x="0" y="0"/>
+          <a:chExt cx="0" cy="0"/>
+        </a:xfrm>
+      </p:grpSpPr>
+      <p:sp>
+        <p:nvSpPr>
+          <p:cNvPr id="2" name="Header Placeholder 1"/>
+          <p:cNvSpPr>
+            <a:spLocks noGrp="1"/>
+          </p:cNvSpPr>
+          <p:nvPr>
+            <p:ph type="hdr" sz="quarter"/>
+          </p:nvPr>
+        </p:nvSpPr>
+        <p:spPr>
+          <a:xfrm>
+            <a:off x="0" y="0"/>
+            <a:ext cx="2971800" cy="458788"/>
+          </a:xfrm>
+          <a:prstGeom prst="rect">
+            <a:avLst/>
+          </a:prstGeom>
+        </p:spPr>
+        <p:txBody>
+          <a:bodyPr vert="horz" lIns="91440" tIns="45720" rIns="91440" bIns="45720" rtlCol="0"/>
+          <a:lstStyle>
+            <a:lvl1pPr algn="l">
+              <a:defRPr sz="1200"/>
+            </a:lvl1pPr>
+          </a:lstStyle>
+          <a:p>
+            <a:endParaRPr lang="en-IN"/>
+          </a:p>
+        </p:txBody>
+      </p:sp>
+      <p:sp>
+        <p:nvSpPr>
+          <p:cNvPr id="3" name="Date Placeholder 2"/>
+          <p:cNvSpPr>
+            <a:spLocks noGrp="1"/>
+          </p:cNvSpPr>
+          <p:nvPr>
+            <p:ph type="dt" idx="1"/>
+          </p:nvPr>
+        </p:nvSpPr>
+        <p:spPr>
+          <a:xfrm>
+            <a:off x="3884613" y="0"/>
+            <a:ext cx="2971800" cy="458788"/>
+          </a:xfrm>
+          <a:prstGeom prst="rect">
+            <a:avLst/>
+          </a:prstGeom>
+        </p:spPr>
+        <p:txBody>
+          <a:bodyPr vert="horz" lIns="91440" tIns="45720" rIns="91440" bIns="45720" rtlCol="0"/>
+          <a:lstStyle>
+            <a:lvl1pPr algn="r">
+              <a:defRPr sz="1200"/>
+            </a:lvl1pPr>
+          </a:lstStyle>
+          <a:p>
+            <a:fld id="{500C6F65-39E3-4162-B008-791F263F2D37}" type="datetimeFigureOut">
+              <a:rPr lang="en-IN" smtClean="0"/>
+              <a:t>08-08-2019</a:t>
+            </a:fld>
+            <a:endParaRPr lang="en-IN"/>
+          </a:p>
+        </p:txBody>
+      </p:sp>
+      <p:sp>
+        <p:nvSpPr>
+          <p:cNvPr id="4" name="Slide Image Placeholder 3"/>
+          <p:cNvSpPr>
+            <a:spLocks noGrp="1" noRot="1" noChangeAspect="1"/>
+          </p:cNvSpPr>
+          <p:nvPr>
+            <p:ph type="sldImg" idx="2"/>
+          </p:nvPr>
+        </p:nvSpPr>
+        <p:spPr>
+          <a:xfrm>
+            <a:off x="685800" y="1143000"/>
+            <a:ext cx="5486400" cy="3086100"/>
+          </a:xfrm>
+          <a:prstGeom prst="rect">
+            <a:avLst/>
+          </a:prstGeom>
+          <a:noFill/>
+          <a:ln w="12700">
+            <a:solidFill>
+              <a:prstClr val="black"/>
+            </a:solidFill>
+          </a:ln>
+        </p:spPr>
+        <p:txBody>
+          <a:bodyPr vert="horz" lIns="91440" tIns="45720" rIns="91440" bIns="45720" rtlCol="0" anchor="ctr"/>
+          <a:lstStyle/>
+          <a:p>
+            <a:endParaRPr lang="en-IN"/>
+          </a:p>
+        </p:txBody>
+      </p:sp>
+      <p:sp>
+        <p:nvSpPr>
+          <p:cNvPr id="5" name="Notes Placeholder 4"/>
+          <p:cNvSpPr>
+            <a:spLocks noGrp="1"/>
+          </p:cNvSpPr>
+          <p:nvPr>
+            <p:ph type="body" sz="quarter" idx="3"/>
+          </p:nvPr>
+        </p:nvSpPr>
+        <p:spPr>
+          <a:xfrm>
+            <a:off x="685800" y="4400550"/>
+            <a:ext cx="5486400" cy="3600450"/>
+          </a:xfrm>
+          <a:prstGeom prst="rect">
+            <a:avLst/>
+          </a:prstGeom>
+        </p:spPr>
+        <p:txBody>
+          <a:bodyPr vert="horz" lIns="91440" tIns="45720" rIns="91440" bIns="45720" rtlCol="0"/>
+          <a:lstStyle/>
+          <a:p>
+            <a:pPr lvl="0"/>
+            <a:r>
+              <a:rPr lang="en-US"/>
+              <a:t>Click to edit Master text styles</a:t>
+            </a:r>
+          </a:p>
+          <a:p>
+            <a:pPr lvl="1"/>
+            <a:r>
+              <a:rPr lang="en-US"/>
+              <a:t>Second level</a:t>
+            </a:r>
+          </a:p>
+          <a:p>
+            <a:pPr lvl="2"/>
+            <a:r>
+              <a:rPr lang="en-US"/>
+              <a:t>Third level</a:t>
+            </a:r>
+          </a:p>
+          <a:p>
+            <a:pPr lvl="3"/>
+            <a:r>
+              <a:rPr lang="en-US"/>
+              <a:t>Fourth level</a:t>
+            </a:r>
+          </a:p>
+          <a:p>
+            <a:pPr lvl="4"/>
+            <a:r>
+              <a:rPr lang="en-US"/>
+              <a:t>Fifth level</a:t>
+            </a:r>
+            <a:endParaRPr lang="en-IN"/>
+          </a:p>
+        </p:txBody>
+      </p:sp>
+      <p:sp>
+        <p:nvSpPr>
+          <p:cNvPr id="6" name="Footer Placeholder 5"/>
+          <p:cNvSpPr>
+            <a:spLocks noGrp="1"/>
+          </p:cNvSpPr>
+          <p:nvPr>
+            <p:ph type="ftr" sz="quarter" idx="4"/>
+          </p:nvPr>
+        </p:nvSpPr>
+        <p:spPr>
+          <a:xfrm>
+            <a:off x="0" y="8685213"/>
+            <a:ext cx="2971800" cy="458787"/>
+          </a:xfrm>
+          <a:prstGeom prst="rect">
+            <a:avLst/>
+          </a:prstGeom>
+        </p:spPr>
+        <p:txBody>
+          <a:bodyPr vert="horz" lIns="91440" tIns="45720" rIns="91440" bIns="45720" rtlCol="0" anchor="b"/>
+          <a:lstStyle>
+            <a:lvl1pPr algn="l">
+              <a:defRPr sz="1200"/>
+            </a:lvl1pPr>
+          </a:lstStyle>
+          <a:p>
+            <a:endParaRPr lang="en-IN"/>
+          </a:p>
+        </p:txBody>
+      </p:sp>
+      <p:sp>
+        <p:nvSpPr>
+          <p:cNvPr id="7" name="Slide Number Placeholder 6"/>
+          <p:cNvSpPr>
+            <a:spLocks noGrp="1"/>
+          </p:cNvSpPr>
+          <p:nvPr>
+            <p:ph type="sldNum" sz="quarter" idx="5"/>
+          </p:nvPr>
+        </p:nvSpPr>
+        <p:spPr>
+          <a:xfrm>
+            <a:off x="3884613" y="8685213"/>
+            <a:ext cx="2971800" cy="458787"/>
+          </a:xfrm>
+          <a:prstGeom prst="rect">
+            <a:avLst/>
+          </a:prstGeom>
+        </p:spPr>
+        <p:txBody>
+          <a:bodyPr vert="horz" lIns="91440" tIns="45720" rIns="91440" bIns="45720" rtlCol="0" anchor="b"/>
+          <a:lstStyle>
+            <a:lvl1pPr algn="r">
+              <a:defRPr sz="1200"/>
+            </a:lvl1pPr>
+          </a:lstStyle>
+          <a:p>
+            <a:fld id="{840BEBB9-66CA-4B79-A368-184679A82DC5}" type="slidenum">
+              <a:rPr lang="en-IN" smtClean="0"/>
+              <a:t>‹#›</a:t>
+            </a:fld>
+            <a:endParaRPr lang="en-IN"/>
+          </a:p>
+        </p:txBody>
+      </p:sp>
+    </p:spTree>
+    <p:extLst>
+      <p:ext uri="{BB962C8B-B14F-4D97-AF65-F5344CB8AC3E}">
+        <p14:creationId xmlns:p14="http://schemas.microsoft.com/office/powerpoint/2010/main" val="190382041"/>
+      </p:ext>
+    </p:extLst>
+  </p:cSld>
+  <p:clrMap bg1="lt1" tx1="dk1" bg2="lt2" tx2="dk2" accent1="accent1" accent2="accent2" accent3="accent3" accent4="accent4" accent5="accent5" accent6="accent6" hlink="hlink" folHlink="folHlink"/>
+  <p:notesStyle>
+    <a:lvl1pPr marL="0" algn="l" defTabSz="914400" rtl="0" eaLnBrk="1" latinLnBrk="0" hangingPunct="1">
+      <a:defRPr sz="1200" kern="1200">
+        <a:solidFill>
+          <a:schemeClr val="tx1"/>
+        </a:solidFill>
+        <a:latin typeface="+mn-lt"/>
+        <a:ea typeface="+mn-ea"/>
+        <a:cs typeface="+mn-cs"/>
+      </a:defRPr>
+    </a:lvl1pPr>
+    <a:lvl2pPr marL="457200" algn="l" defTabSz="914400" rtl="0" eaLnBrk="1" latinLnBrk="0" hangingPunct="1">
+      <a:defRPr sz="1200" kern="1200">
+        <a:solidFill>
+          <a:schemeClr val="tx1"/>
+        </a:solidFill>
+        <a:latin typeface="+mn-lt"/>
+        <a:ea typeface="+mn-ea"/>
+        <a:cs typeface="+mn-cs"/>
+      </a:defRPr>
+    </a:lvl2pPr>
+    <a:lvl3pPr marL="914400" algn="l" defTabSz="914400" rtl="0" eaLnBrk="1" latinLnBrk="0" hangingPunct="1">
+      <a:defRPr sz="1200" kern="1200">
+        <a:solidFill>
+          <a:schemeClr val="tx1"/>
+        </a:solidFill>
+        <a:latin typeface="+mn-lt"/>
+        <a:ea typeface="+mn-ea"/>
+        <a:cs typeface="+mn-cs"/>
+      </a:defRPr>
+    </a:lvl3pPr>
+    <a:lvl4pPr marL="1371600" algn="l" defTabSz="914400" rtl="0" eaLnBrk="1" latinLnBrk="0" hangingPunct="1">
+      <a:defRPr sz="1200" kern="1200">
+        <a:solidFill>
+          <a:schemeClr val="tx1"/>
+        </a:solidFill>
+        <a:latin typeface="+mn-lt"/>
+        <a:ea typeface="+mn-ea"/>
+        <a:cs typeface="+mn-cs"/>
+      </a:defRPr>
+    </a:lvl4pPr>
+    <a:lvl5pPr marL="1828800" algn="l" defTabSz="914400" rtl="0" eaLnBrk="1" latinLnBrk="0" hangingPunct="1">
+      <a:defRPr sz="1200" kern="1200">
+        <a:solidFill>
+          <a:schemeClr val="tx1"/>
+        </a:solidFill>
+        <a:latin typeface="+mn-lt"/>
+        <a:ea typeface="+mn-ea"/>
+        <a:cs typeface="+mn-cs"/>
+      </a:defRPr>
+    </a:lvl5pPr>
+    <a:lvl6pPr marL="2286000" algn="l" defTabSz="914400" rtl="0" eaLnBrk="1" latinLnBrk="0" hangingPunct="1">
+      <a:defRPr sz="1200" kern="1200">
+        <a:solidFill>
+          <a:schemeClr val="tx1"/>
+        </a:solidFill>
+        <a:latin typeface="+mn-lt"/>
+        <a:ea typeface="+mn-ea"/>
+        <a:cs typeface="+mn-cs"/>
+      </a:defRPr>
+    </a:lvl6pPr>
+    <a:lvl7pPr marL="2743200" algn="l" defTabSz="914400" rtl="0" eaLnBrk="1" latinLnBrk="0" hangingPunct="1">
+      <a:defRPr sz="1200" kern="1200">
+        <a:solidFill>
+          <a:schemeClr val="tx1"/>
+        </a:solidFill>
+        <a:latin typeface="+mn-lt"/>
+        <a:ea typeface="+mn-ea"/>
+        <a:cs typeface="+mn-cs"/>
+      </a:defRPr>
+    </a:lvl7pPr>
+    <a:lvl8pPr marL="3200400" algn="l" defTabSz="914400" rtl="0" eaLnBrk="1" latinLnBrk="0" hangingPunct="1">
+      <a:defRPr sz="1200" kern="1200">
+        <a:solidFill>
+          <a:schemeClr val="tx1"/>
+        </a:solidFill>
+        <a:latin typeface="+mn-lt"/>
+        <a:ea typeface="+mn-ea"/>
+        <a:cs typeface="+mn-cs"/>
+      </a:defRPr>
+    </a:lvl8pPr>
+    <a:lvl9pPr marL="3657600" algn="l" defTabSz="914400" rtl="0" eaLnBrk="1" latinLnBrk="0" hangingPunct="1">
+      <a:defRPr sz="1200" kern="1200">
+        <a:solidFill>
+          <a:schemeClr val="tx1"/>
+        </a:solidFill>
+        <a:latin typeface="+mn-lt"/>
+        <a:ea typeface="+mn-ea"/>
+        <a:cs typeface="+mn-cs"/>
+      </a:defRPr>
+    </a:lvl9pPr>
+  </p:notesStyle>
+</p:notesMaster>
+</file>
+
+<file path=ppt/notesSlides/notesSlide1.xml><?xml version="1.0" encoding="utf-8"?>
+<p:notes xmlns:a="http://schemas.openxmlformats.org/drawingml/2006/main" xmlns:r="http://schemas.openxmlformats.org/officeDocument/2006/relationships" xmlns:p="http://schemas.openxmlformats.org/presentationml/2006/main">
+  <p:cSld>
+    <p:spTree>
+      <p:nvGrpSpPr>
+        <p:cNvPr id="1" name=""/>
+        <p:cNvGrpSpPr/>
+        <p:nvPr/>
+      </p:nvGrpSpPr>
+      <p:grpSpPr>
+        <a:xfrm>
+          <a:off x="0" y="0"/>
+          <a:ext cx="0" cy="0"/>
+          <a:chOff x="0" y="0"/>
+          <a:chExt cx="0" cy="0"/>
+        </a:xfrm>
+      </p:grpSpPr>
+      <p:sp>
+        <p:nvSpPr>
+          <p:cNvPr id="7" name="Slide Number Placeholder 6">
+            <a:extLst>
+              <a:ext uri="{FF2B5EF4-FFF2-40B4-BE49-F238E27FC236}">
+                <a16:creationId xmlns:a16="http://schemas.microsoft.com/office/drawing/2014/main" id="{D90454EB-ED2D-4EAA-A97D-48A46C430C3A}"/>
+              </a:ext>
+            </a:extLst>
+          </p:cNvPr>
+          <p:cNvSpPr txBox="1">
+            <a:spLocks noGrp="1"/>
+          </p:cNvSpPr>
+          <p:nvPr>
+            <p:ph type="sldNum" sz="quarter" idx="5"/>
+          </p:nvPr>
+        </p:nvSpPr>
+        <p:spPr>
+          <a:ln/>
+        </p:spPr>
+        <p:txBody>
+          <a:bodyPr lIns="0" tIns="0" rIns="0" bIns="0" anchor="b">
+            <a:noAutofit/>
+          </a:bodyPr>
+          <a:lstStyle/>
+          <a:p>
+            <a:pPr lvl="0"/>
+            <a:fld id="{F40E3E43-6322-46AC-9C28-5F65A5067B57}" type="slidenum">
+              <a:t>8</a:t>
+            </a:fld>
+            <a:endParaRPr lang="zxx-none"/>
+          </a:p>
+        </p:txBody>
+      </p:sp>
+      <p:sp>
+        <p:nvSpPr>
+          <p:cNvPr id="2" name="Slide Image Placeholder 1">
+            <a:extLst>
+              <a:ext uri="{FF2B5EF4-FFF2-40B4-BE49-F238E27FC236}">
+                <a16:creationId xmlns:a16="http://schemas.microsoft.com/office/drawing/2014/main" id="{6874DAC6-FFA4-4646-AFC5-16805913B820}"/>
+              </a:ext>
+            </a:extLst>
+          </p:cNvPr>
+          <p:cNvSpPr>
+            <a:spLocks noGrp="1" noRot="1" noChangeAspect="1" noResize="1"/>
+          </p:cNvSpPr>
+          <p:nvPr>
+            <p:ph type="sldImg"/>
+          </p:nvPr>
+        </p:nvSpPr>
+        <p:spPr>
+          <a:xfrm>
+            <a:off x="217488" y="812800"/>
+            <a:ext cx="7123112" cy="4008438"/>
+          </a:xfrm>
+          <a:solidFill>
+            <a:srgbClr val="99CCFF"/>
+          </a:solidFill>
+          <a:ln w="25400">
+            <a:solidFill>
+              <a:srgbClr val="000000"/>
+            </a:solidFill>
+            <a:prstDash val="solid"/>
+          </a:ln>
+        </p:spPr>
+      </p:sp>
+      <p:sp>
+        <p:nvSpPr>
+          <p:cNvPr id="3" name="Notes Placeholder 2">
+            <a:extLst>
+              <a:ext uri="{FF2B5EF4-FFF2-40B4-BE49-F238E27FC236}">
+                <a16:creationId xmlns:a16="http://schemas.microsoft.com/office/drawing/2014/main" id="{E0A66DB4-D1C2-4F21-A752-8C981A7A5CDC}"/>
+              </a:ext>
+            </a:extLst>
+          </p:cNvPr>
+          <p:cNvSpPr txBox="1">
+            <a:spLocks noGrp="1"/>
+          </p:cNvSpPr>
+          <p:nvPr>
+            <p:ph type="body" sz="quarter" idx="1"/>
+          </p:nvPr>
+        </p:nvSpPr>
+        <p:spPr>
+          <a:xfrm>
+            <a:off x="756000" y="5078520"/>
+            <a:ext cx="6047640" cy="4811400"/>
+          </a:xfrm>
+        </p:spPr>
+        <p:txBody>
+          <a:bodyPr>
+            <a:spAutoFit/>
+          </a:bodyPr>
+          <a:lstStyle/>
+          <a:p>
+            <a:endParaRPr lang="zxx-none"/>
+          </a:p>
+        </p:txBody>
+      </p:sp>
+    </p:spTree>
+  </p:cSld>
+  <p:clrMapOvr>
+    <a:masterClrMapping/>
+  </p:clrMapOvr>
+</p:notes>
+</file>
+
+<file path=ppt/notesSlides/notesSlide2.xml><?xml version="1.0" encoding="utf-8"?>
+<p:notes xmlns:a="http://schemas.openxmlformats.org/drawingml/2006/main" xmlns:r="http://schemas.openxmlformats.org/officeDocument/2006/relationships" xmlns:p="http://schemas.openxmlformats.org/presentationml/2006/main">
+  <p:cSld>
+    <p:spTree>
+      <p:nvGrpSpPr>
+        <p:cNvPr id="1" name=""/>
+        <p:cNvGrpSpPr/>
+        <p:nvPr/>
+      </p:nvGrpSpPr>
+      <p:grpSpPr>
+        <a:xfrm>
+          <a:off x="0" y="0"/>
+          <a:ext cx="0" cy="0"/>
+          <a:chOff x="0" y="0"/>
+          <a:chExt cx="0" cy="0"/>
+        </a:xfrm>
+      </p:grpSpPr>
+      <p:sp>
+        <p:nvSpPr>
+          <p:cNvPr id="7" name="Slide Number Placeholder 6">
+            <a:extLst>
+              <a:ext uri="{FF2B5EF4-FFF2-40B4-BE49-F238E27FC236}">
+                <a16:creationId xmlns:a16="http://schemas.microsoft.com/office/drawing/2014/main" id="{7958936E-6D48-4E4B-84C2-6AE7B00F7F2D}"/>
+              </a:ext>
+            </a:extLst>
+          </p:cNvPr>
+          <p:cNvSpPr txBox="1">
+            <a:spLocks noGrp="1"/>
+          </p:cNvSpPr>
+          <p:nvPr>
+            <p:ph type="sldNum" sz="quarter" idx="5"/>
+          </p:nvPr>
+        </p:nvSpPr>
+        <p:spPr>
+          <a:ln/>
+        </p:spPr>
+        <p:txBody>
+          <a:bodyPr lIns="0" tIns="0" rIns="0" bIns="0" anchor="b">
+            <a:noAutofit/>
+          </a:bodyPr>
+          <a:lstStyle/>
+          <a:p>
+            <a:pPr lvl="0"/>
+            <a:fld id="{BF538560-7894-4F82-B538-22A29F595061}" type="slidenum">
+              <a:t>9</a:t>
+            </a:fld>
+            <a:endParaRPr lang="zxx-none"/>
+          </a:p>
+        </p:txBody>
+      </p:sp>
+      <p:sp>
+        <p:nvSpPr>
+          <p:cNvPr id="2" name="Slide Image Placeholder 1">
+            <a:extLst>
+              <a:ext uri="{FF2B5EF4-FFF2-40B4-BE49-F238E27FC236}">
+                <a16:creationId xmlns:a16="http://schemas.microsoft.com/office/drawing/2014/main" id="{68FF8CAA-2BA5-440A-9552-E7CBAABEC57B}"/>
+              </a:ext>
+            </a:extLst>
+          </p:cNvPr>
+          <p:cNvSpPr>
+            <a:spLocks noGrp="1" noRot="1" noChangeAspect="1" noResize="1"/>
+          </p:cNvSpPr>
+          <p:nvPr>
+            <p:ph type="sldImg"/>
+          </p:nvPr>
+        </p:nvSpPr>
+        <p:spPr>
+          <a:xfrm>
+            <a:off x="217488" y="812800"/>
+            <a:ext cx="7123112" cy="4008438"/>
+          </a:xfrm>
+          <a:solidFill>
+            <a:srgbClr val="99CCFF"/>
+          </a:solidFill>
+          <a:ln w="25400">
+            <a:solidFill>
+              <a:srgbClr val="000000"/>
+            </a:solidFill>
+            <a:prstDash val="solid"/>
+          </a:ln>
+        </p:spPr>
+      </p:sp>
+      <p:sp>
+        <p:nvSpPr>
+          <p:cNvPr id="3" name="Notes Placeholder 2">
+            <a:extLst>
+              <a:ext uri="{FF2B5EF4-FFF2-40B4-BE49-F238E27FC236}">
+                <a16:creationId xmlns:a16="http://schemas.microsoft.com/office/drawing/2014/main" id="{2F796262-73F2-4D2A-B646-9EBECC2D8A62}"/>
+              </a:ext>
+            </a:extLst>
+          </p:cNvPr>
+          <p:cNvSpPr txBox="1">
+            <a:spLocks noGrp="1"/>
+          </p:cNvSpPr>
+          <p:nvPr>
+            <p:ph type="body" sz="quarter" idx="1"/>
+          </p:nvPr>
+        </p:nvSpPr>
+        <p:spPr/>
+        <p:txBody>
+          <a:bodyPr/>
+          <a:lstStyle/>
+          <a:p>
+            <a:endParaRPr lang="zxx-none"/>
+          </a:p>
+        </p:txBody>
+      </p:sp>
+    </p:spTree>
+  </p:cSld>
+  <p:clrMapOvr>
+    <a:masterClrMapping/>
+  </p:clrMapOvr>
+</p:notes>
+</file>
+
+<file path=ppt/notesSlides/notesSlide3.xml><?xml version="1.0" encoding="utf-8"?>
+<p:notes xmlns:a="http://schemas.openxmlformats.org/drawingml/2006/main" xmlns:r="http://schemas.openxmlformats.org/officeDocument/2006/relationships" xmlns:p="http://schemas.openxmlformats.org/presentationml/2006/main">
+  <p:cSld>
+    <p:spTree>
+      <p:nvGrpSpPr>
+        <p:cNvPr id="1" name=""/>
+        <p:cNvGrpSpPr/>
+        <p:nvPr/>
+      </p:nvGrpSpPr>
+      <p:grpSpPr>
+        <a:xfrm>
+          <a:off x="0" y="0"/>
+          <a:ext cx="0" cy="0"/>
+          <a:chOff x="0" y="0"/>
+          <a:chExt cx="0" cy="0"/>
+        </a:xfrm>
+      </p:grpSpPr>
+      <p:sp>
+        <p:nvSpPr>
+          <p:cNvPr id="7" name="Slide Number Placeholder 6">
+            <a:extLst>
+              <a:ext uri="{FF2B5EF4-FFF2-40B4-BE49-F238E27FC236}">
+                <a16:creationId xmlns:a16="http://schemas.microsoft.com/office/drawing/2014/main" id="{DFAEEB9D-5EF4-4EED-93D0-24BA6EE61164}"/>
+              </a:ext>
+            </a:extLst>
+          </p:cNvPr>
+          <p:cNvSpPr txBox="1">
+            <a:spLocks noGrp="1"/>
+          </p:cNvSpPr>
+          <p:nvPr>
+            <p:ph type="sldNum" sz="quarter" idx="5"/>
+          </p:nvPr>
+        </p:nvSpPr>
+        <p:spPr>
+          <a:ln/>
+        </p:spPr>
+        <p:txBody>
+          <a:bodyPr lIns="0" tIns="0" rIns="0" bIns="0" anchor="b">
+            <a:noAutofit/>
+          </a:bodyPr>
+          <a:lstStyle/>
+          <a:p>
+            <a:pPr lvl="0"/>
+            <a:fld id="{BE76A95D-76D7-42B7-AB70-A959AE0E77C7}" type="slidenum">
+              <a:t>10</a:t>
+            </a:fld>
+            <a:endParaRPr lang="zxx-none"/>
+          </a:p>
+        </p:txBody>
+      </p:sp>
+      <p:sp>
+        <p:nvSpPr>
+          <p:cNvPr id="2" name="Slide Image Placeholder 1">
+            <a:extLst>
+              <a:ext uri="{FF2B5EF4-FFF2-40B4-BE49-F238E27FC236}">
+                <a16:creationId xmlns:a16="http://schemas.microsoft.com/office/drawing/2014/main" id="{3F34A4A6-42C4-48C2-A296-21FC030C3299}"/>
+              </a:ext>
+            </a:extLst>
+          </p:cNvPr>
+          <p:cNvSpPr>
+            <a:spLocks noGrp="1" noRot="1" noChangeAspect="1" noResize="1"/>
+          </p:cNvSpPr>
+          <p:nvPr>
+            <p:ph type="sldImg"/>
+          </p:nvPr>
+        </p:nvSpPr>
+        <p:spPr>
+          <a:xfrm>
+            <a:off x="217488" y="812800"/>
+            <a:ext cx="7123112" cy="4008438"/>
+          </a:xfrm>
+          <a:solidFill>
+            <a:srgbClr val="99CCFF"/>
+          </a:solidFill>
+          <a:ln w="25400">
+            <a:solidFill>
+              <a:srgbClr val="000000"/>
+            </a:solidFill>
+            <a:prstDash val="solid"/>
+          </a:ln>
+        </p:spPr>
+      </p:sp>
+      <p:sp>
+        <p:nvSpPr>
+          <p:cNvPr id="3" name="Notes Placeholder 2">
+            <a:extLst>
+              <a:ext uri="{FF2B5EF4-FFF2-40B4-BE49-F238E27FC236}">
+                <a16:creationId xmlns:a16="http://schemas.microsoft.com/office/drawing/2014/main" id="{D6F3A4E3-FBA7-4809-8313-48324E73B027}"/>
+              </a:ext>
+            </a:extLst>
+          </p:cNvPr>
+          <p:cNvSpPr txBox="1">
+            <a:spLocks noGrp="1"/>
+          </p:cNvSpPr>
+          <p:nvPr>
+            <p:ph type="body" sz="quarter" idx="1"/>
+          </p:nvPr>
+        </p:nvSpPr>
+        <p:spPr/>
+        <p:txBody>
+          <a:bodyPr/>
+          <a:lstStyle/>
+          <a:p>
+            <a:endParaRPr lang="zxx-none"/>
+          </a:p>
+        </p:txBody>
+      </p:sp>
+    </p:spTree>
+  </p:cSld>
+  <p:clrMapOvr>
+    <a:masterClrMapping/>
+  </p:clrMapOvr>
+</p:notes>
+</file>
+
+<file path=ppt/notesSlides/notesSlide4.xml><?xml version="1.0" encoding="utf-8"?>
+<p:notes xmlns:a="http://schemas.openxmlformats.org/drawingml/2006/main" xmlns:r="http://schemas.openxmlformats.org/officeDocument/2006/relationships" xmlns:p="http://schemas.openxmlformats.org/presentationml/2006/main">
+  <p:cSld>
+    <p:spTree>
+      <p:nvGrpSpPr>
+        <p:cNvPr id="1" name=""/>
+        <p:cNvGrpSpPr/>
+        <p:nvPr/>
+      </p:nvGrpSpPr>
+      <p:grpSpPr>
+        <a:xfrm>
+          <a:off x="0" y="0"/>
+          <a:ext cx="0" cy="0"/>
+          <a:chOff x="0" y="0"/>
+          <a:chExt cx="0" cy="0"/>
+        </a:xfrm>
+      </p:grpSpPr>
+      <p:sp>
+        <p:nvSpPr>
+          <p:cNvPr id="7" name="Slide Number Placeholder 6">
+            <a:extLst>
+              <a:ext uri="{FF2B5EF4-FFF2-40B4-BE49-F238E27FC236}">
+                <a16:creationId xmlns:a16="http://schemas.microsoft.com/office/drawing/2014/main" id="{4FA3135B-9982-4071-AA90-15DCB453B290}"/>
+              </a:ext>
+            </a:extLst>
+          </p:cNvPr>
+          <p:cNvSpPr txBox="1">
+            <a:spLocks noGrp="1"/>
+          </p:cNvSpPr>
+          <p:nvPr>
+            <p:ph type="sldNum" sz="quarter" idx="5"/>
+          </p:nvPr>
+        </p:nvSpPr>
+        <p:spPr>
+          <a:ln/>
+        </p:spPr>
+        <p:txBody>
+          <a:bodyPr lIns="0" tIns="0" rIns="0" bIns="0" anchor="b">
+            <a:noAutofit/>
+          </a:bodyPr>
+          <a:lstStyle/>
+          <a:p>
+            <a:pPr lvl="0"/>
+            <a:fld id="{B5F8B3F4-768B-4F78-9950-252221D44CE4}" type="slidenum">
+              <a:t>11</a:t>
+            </a:fld>
+            <a:endParaRPr lang="zxx-none"/>
+          </a:p>
+        </p:txBody>
+      </p:sp>
+      <p:sp>
+        <p:nvSpPr>
+          <p:cNvPr id="2" name="Slide Image Placeholder 1">
+            <a:extLst>
+              <a:ext uri="{FF2B5EF4-FFF2-40B4-BE49-F238E27FC236}">
+                <a16:creationId xmlns:a16="http://schemas.microsoft.com/office/drawing/2014/main" id="{A713C45A-2C71-456C-9FFF-06FA421FA276}"/>
+              </a:ext>
+            </a:extLst>
+          </p:cNvPr>
+          <p:cNvSpPr>
+            <a:spLocks noGrp="1" noRot="1" noChangeAspect="1" noResize="1"/>
+          </p:cNvSpPr>
+          <p:nvPr>
+            <p:ph type="sldImg"/>
+          </p:nvPr>
+        </p:nvSpPr>
+        <p:spPr>
+          <a:xfrm>
+            <a:off x="217488" y="812800"/>
+            <a:ext cx="7123112" cy="4008438"/>
+          </a:xfrm>
+          <a:solidFill>
+            <a:srgbClr val="99CCFF"/>
+          </a:solidFill>
+          <a:ln w="25400">
+            <a:solidFill>
+              <a:srgbClr val="000000"/>
+            </a:solidFill>
+            <a:prstDash val="solid"/>
+          </a:ln>
+        </p:spPr>
+      </p:sp>
+      <p:sp>
+        <p:nvSpPr>
+          <p:cNvPr id="3" name="Notes Placeholder 2">
+            <a:extLst>
+              <a:ext uri="{FF2B5EF4-FFF2-40B4-BE49-F238E27FC236}">
+                <a16:creationId xmlns:a16="http://schemas.microsoft.com/office/drawing/2014/main" id="{59075EDA-647A-43B8-A475-75531E4B8F94}"/>
+              </a:ext>
+            </a:extLst>
+          </p:cNvPr>
+          <p:cNvSpPr txBox="1">
+            <a:spLocks noGrp="1"/>
+          </p:cNvSpPr>
+          <p:nvPr>
+            <p:ph type="body" sz="quarter" idx="1"/>
+          </p:nvPr>
+        </p:nvSpPr>
+        <p:spPr/>
+        <p:txBody>
+          <a:bodyPr/>
+          <a:lstStyle/>
+          <a:p>
+            <a:endParaRPr lang="zxx-none"/>
+          </a:p>
+        </p:txBody>
+      </p:sp>
+    </p:spTree>
+  </p:cSld>
+  <p:clrMapOvr>
+    <a:masterClrMapping/>
+  </p:clrMapOvr>
+</p:notes>
+</file>
+
+<file path=ppt/notesSlides/notesSlide5.xml><?xml version="1.0" encoding="utf-8"?>
+<p:notes xmlns:a="http://schemas.openxmlformats.org/drawingml/2006/main" xmlns:r="http://schemas.openxmlformats.org/officeDocument/2006/relationships" xmlns:p="http://schemas.openxmlformats.org/presentationml/2006/main">
+  <p:cSld>
+    <p:spTree>
+      <p:nvGrpSpPr>
+        <p:cNvPr id="1" name=""/>
+        <p:cNvGrpSpPr/>
+        <p:nvPr/>
+      </p:nvGrpSpPr>
+      <p:grpSpPr>
+        <a:xfrm>
+          <a:off x="0" y="0"/>
+          <a:ext cx="0" cy="0"/>
+          <a:chOff x="0" y="0"/>
+          <a:chExt cx="0" cy="0"/>
+        </a:xfrm>
+      </p:grpSpPr>
+      <p:sp>
+        <p:nvSpPr>
+          <p:cNvPr id="7" name="Slide Number Placeholder 6">
+            <a:extLst>
+              <a:ext uri="{FF2B5EF4-FFF2-40B4-BE49-F238E27FC236}">
+                <a16:creationId xmlns:a16="http://schemas.microsoft.com/office/drawing/2014/main" id="{8CD897AE-6121-4AC8-BB6C-4515503A2085}"/>
+              </a:ext>
+            </a:extLst>
+          </p:cNvPr>
+          <p:cNvSpPr txBox="1">
+            <a:spLocks noGrp="1"/>
+          </p:cNvSpPr>
+          <p:nvPr>
+            <p:ph type="sldNum" sz="quarter" idx="5"/>
+          </p:nvPr>
+        </p:nvSpPr>
+        <p:spPr>
+          <a:ln/>
+        </p:spPr>
+        <p:txBody>
+          <a:bodyPr lIns="0" tIns="0" rIns="0" bIns="0" anchor="b">
+            <a:noAutofit/>
+          </a:bodyPr>
+          <a:lstStyle/>
+          <a:p>
+            <a:pPr lvl="0"/>
+            <a:fld id="{8454AECC-EE16-4BB7-94E1-A3BEB5F7A6B4}" type="slidenum">
+              <a:t>12</a:t>
+            </a:fld>
+            <a:endParaRPr lang="zxx-none"/>
+          </a:p>
+        </p:txBody>
+      </p:sp>
+      <p:sp>
+        <p:nvSpPr>
+          <p:cNvPr id="2" name="Slide Image Placeholder 1">
+            <a:extLst>
+              <a:ext uri="{FF2B5EF4-FFF2-40B4-BE49-F238E27FC236}">
+                <a16:creationId xmlns:a16="http://schemas.microsoft.com/office/drawing/2014/main" id="{B697EF9D-0F86-40F1-ACC8-74068FBDF049}"/>
+              </a:ext>
+            </a:extLst>
+          </p:cNvPr>
+          <p:cNvSpPr>
+            <a:spLocks noGrp="1" noRot="1" noChangeAspect="1" noResize="1"/>
+          </p:cNvSpPr>
+          <p:nvPr>
+            <p:ph type="sldImg"/>
+          </p:nvPr>
+        </p:nvSpPr>
+        <p:spPr>
+          <a:xfrm>
+            <a:off x="217488" y="812800"/>
+            <a:ext cx="7123112" cy="4008438"/>
+          </a:xfrm>
+          <a:solidFill>
+            <a:srgbClr val="99CCFF"/>
+          </a:solidFill>
+          <a:ln w="25400">
+            <a:solidFill>
+              <a:srgbClr val="000000"/>
+            </a:solidFill>
+            <a:prstDash val="solid"/>
+          </a:ln>
+        </p:spPr>
+      </p:sp>
+      <p:sp>
+        <p:nvSpPr>
+          <p:cNvPr id="3" name="Notes Placeholder 2">
+            <a:extLst>
+              <a:ext uri="{FF2B5EF4-FFF2-40B4-BE49-F238E27FC236}">
+                <a16:creationId xmlns:a16="http://schemas.microsoft.com/office/drawing/2014/main" id="{C11EEAAC-7F3D-4A9B-AF6B-0AD6336310AE}"/>
+              </a:ext>
+            </a:extLst>
+          </p:cNvPr>
+          <p:cNvSpPr txBox="1">
+            <a:spLocks noGrp="1"/>
+          </p:cNvSpPr>
+          <p:nvPr>
+            <p:ph type="body" sz="quarter" idx="1"/>
+          </p:nvPr>
+        </p:nvSpPr>
+        <p:spPr/>
+        <p:txBody>
+          <a:bodyPr/>
+          <a:lstStyle/>
+          <a:p>
+            <a:endParaRPr lang="zxx-none"/>
+          </a:p>
+        </p:txBody>
+      </p:sp>
+    </p:spTree>
+  </p:cSld>
+  <p:clrMapOvr>
+    <a:masterClrMapping/>
+  </p:clrMapOvr>
+</p:notes>
+</file>
+
+<file path=ppt/notesSlides/notesSlide6.xml><?xml version="1.0" encoding="utf-8"?>
+<p:notes xmlns:a="http://schemas.openxmlformats.org/drawingml/2006/main" xmlns:r="http://schemas.openxmlformats.org/officeDocument/2006/relationships" xmlns:p="http://schemas.openxmlformats.org/presentationml/2006/main">
+  <p:cSld>
+    <p:spTree>
+      <p:nvGrpSpPr>
+        <p:cNvPr id="1" name=""/>
+        <p:cNvGrpSpPr/>
+        <p:nvPr/>
+      </p:nvGrpSpPr>
+      <p:grpSpPr>
+        <a:xfrm>
+          <a:off x="0" y="0"/>
+          <a:ext cx="0" cy="0"/>
+          <a:chOff x="0" y="0"/>
+          <a:chExt cx="0" cy="0"/>
+        </a:xfrm>
+      </p:grpSpPr>
+      <p:sp>
+        <p:nvSpPr>
+          <p:cNvPr id="7" name="Slide Number Placeholder 6">
+            <a:extLst>
+              <a:ext uri="{FF2B5EF4-FFF2-40B4-BE49-F238E27FC236}">
+                <a16:creationId xmlns:a16="http://schemas.microsoft.com/office/drawing/2014/main" id="{6281CA13-C6D8-4BEA-8C0A-86749964BB5F}"/>
+              </a:ext>
+            </a:extLst>
+          </p:cNvPr>
+          <p:cNvSpPr txBox="1">
+            <a:spLocks noGrp="1"/>
+          </p:cNvSpPr>
+          <p:nvPr>
+            <p:ph type="sldNum" sz="quarter" idx="5"/>
+          </p:nvPr>
+        </p:nvSpPr>
+        <p:spPr>
+          <a:ln/>
+        </p:spPr>
+        <p:txBody>
+          <a:bodyPr lIns="0" tIns="0" rIns="0" bIns="0" anchor="b">
+            <a:noAutofit/>
+          </a:bodyPr>
+          <a:lstStyle/>
+          <a:p>
+            <a:pPr lvl="0"/>
+            <a:fld id="{EAC711B2-12E6-4763-B159-F75FE7C1D232}" type="slidenum">
+              <a:t>13</a:t>
+            </a:fld>
+            <a:endParaRPr lang="zxx-none"/>
+          </a:p>
+        </p:txBody>
+      </p:sp>
+      <p:sp>
+        <p:nvSpPr>
+          <p:cNvPr id="2" name="Slide Image Placeholder 1">
+            <a:extLst>
+              <a:ext uri="{FF2B5EF4-FFF2-40B4-BE49-F238E27FC236}">
+                <a16:creationId xmlns:a16="http://schemas.microsoft.com/office/drawing/2014/main" id="{C75F972F-79D3-4A6C-9281-D48E3112F1BF}"/>
+              </a:ext>
+            </a:extLst>
+          </p:cNvPr>
+          <p:cNvSpPr>
+            <a:spLocks noGrp="1" noRot="1" noChangeAspect="1" noResize="1"/>
+          </p:cNvSpPr>
+          <p:nvPr>
+            <p:ph type="sldImg"/>
+          </p:nvPr>
+        </p:nvSpPr>
+        <p:spPr>
+          <a:xfrm>
+            <a:off x="217488" y="812800"/>
+            <a:ext cx="7123112" cy="4008438"/>
+          </a:xfrm>
+          <a:solidFill>
+            <a:srgbClr val="99CCFF"/>
+          </a:solidFill>
+          <a:ln w="25400">
+            <a:solidFill>
+              <a:srgbClr val="000000"/>
+            </a:solidFill>
+            <a:prstDash val="solid"/>
+          </a:ln>
+        </p:spPr>
+      </p:sp>
+      <p:sp>
+        <p:nvSpPr>
+          <p:cNvPr id="3" name="Notes Placeholder 2">
+            <a:extLst>
+              <a:ext uri="{FF2B5EF4-FFF2-40B4-BE49-F238E27FC236}">
+                <a16:creationId xmlns:a16="http://schemas.microsoft.com/office/drawing/2014/main" id="{F457FCF2-EBC9-4182-B23B-1C74F18AD6AB}"/>
+              </a:ext>
+            </a:extLst>
+          </p:cNvPr>
+          <p:cNvSpPr txBox="1">
+            <a:spLocks noGrp="1"/>
+          </p:cNvSpPr>
+          <p:nvPr>
+            <p:ph type="body" sz="quarter" idx="1"/>
+          </p:nvPr>
+        </p:nvSpPr>
+        <p:spPr/>
+        <p:txBody>
+          <a:bodyPr/>
+          <a:lstStyle/>
+          <a:p>
+            <a:endParaRPr lang="zxx-none"/>
+          </a:p>
+        </p:txBody>
+      </p:sp>
+    </p:spTree>
+  </p:cSld>
+  <p:clrMapOvr>
+    <a:masterClrMapping/>
+  </p:clrMapOvr>
+</p:notes>
+</file>
+
+<file path=ppt/notesSlides/notesSlide7.xml><?xml version="1.0" encoding="utf-8"?>
+<p:notes xmlns:a="http://schemas.openxmlformats.org/drawingml/2006/main" xmlns:r="http://schemas.openxmlformats.org/officeDocument/2006/relationships" xmlns:p="http://schemas.openxmlformats.org/presentationml/2006/main">
+  <p:cSld>
+    <p:spTree>
+      <p:nvGrpSpPr>
+        <p:cNvPr id="1" name=""/>
+        <p:cNvGrpSpPr/>
+        <p:nvPr/>
+      </p:nvGrpSpPr>
+      <p:grpSpPr>
+        <a:xfrm>
+          <a:off x="0" y="0"/>
+          <a:ext cx="0" cy="0"/>
+          <a:chOff x="0" y="0"/>
+          <a:chExt cx="0" cy="0"/>
+        </a:xfrm>
+      </p:grpSpPr>
+      <p:sp>
+        <p:nvSpPr>
+          <p:cNvPr id="7" name="Slide Number Placeholder 6">
+            <a:extLst>
+              <a:ext uri="{FF2B5EF4-FFF2-40B4-BE49-F238E27FC236}">
+                <a16:creationId xmlns:a16="http://schemas.microsoft.com/office/drawing/2014/main" id="{0B08B7E9-3941-4233-9D6B-B2BFA1BABF2B}"/>
+              </a:ext>
+            </a:extLst>
+          </p:cNvPr>
+          <p:cNvSpPr txBox="1">
+            <a:spLocks noGrp="1"/>
+          </p:cNvSpPr>
+          <p:nvPr>
+            <p:ph type="sldNum" sz="quarter" idx="5"/>
+          </p:nvPr>
+        </p:nvSpPr>
+        <p:spPr>
+          <a:ln/>
+        </p:spPr>
+        <p:txBody>
+          <a:bodyPr lIns="0" tIns="0" rIns="0" bIns="0" anchor="b">
+            <a:noAutofit/>
+          </a:bodyPr>
+          <a:lstStyle/>
+          <a:p>
+            <a:pPr lvl="0"/>
+            <a:fld id="{A2686253-C08C-4B39-9E4D-4EF70A89A252}" type="slidenum">
+              <a:t>14</a:t>
+            </a:fld>
+            <a:endParaRPr lang="zxx-none"/>
+          </a:p>
+        </p:txBody>
+      </p:sp>
+      <p:sp>
+        <p:nvSpPr>
+          <p:cNvPr id="2" name="Slide Image Placeholder 1">
+            <a:extLst>
+              <a:ext uri="{FF2B5EF4-FFF2-40B4-BE49-F238E27FC236}">
+                <a16:creationId xmlns:a16="http://schemas.microsoft.com/office/drawing/2014/main" id="{2A6A49D5-AC0C-47AC-811D-02AE2A91F2DF}"/>
+              </a:ext>
+            </a:extLst>
+          </p:cNvPr>
+          <p:cNvSpPr>
+            <a:spLocks noGrp="1" noRot="1" noChangeAspect="1" noResize="1"/>
+          </p:cNvSpPr>
+          <p:nvPr>
+            <p:ph type="sldImg"/>
+          </p:nvPr>
+        </p:nvSpPr>
+        <p:spPr>
+          <a:xfrm>
+            <a:off x="217488" y="812800"/>
+            <a:ext cx="7123112" cy="4008438"/>
+          </a:xfrm>
+          <a:solidFill>
+            <a:srgbClr val="99CCFF"/>
+          </a:solidFill>
+          <a:ln w="25400">
+            <a:solidFill>
+              <a:srgbClr val="000000"/>
+            </a:solidFill>
+            <a:prstDash val="solid"/>
+          </a:ln>
+        </p:spPr>
+      </p:sp>
+      <p:sp>
+        <p:nvSpPr>
+          <p:cNvPr id="3" name="Notes Placeholder 2">
+            <a:extLst>
+              <a:ext uri="{FF2B5EF4-FFF2-40B4-BE49-F238E27FC236}">
+                <a16:creationId xmlns:a16="http://schemas.microsoft.com/office/drawing/2014/main" id="{C45F21F5-B1A1-44C5-B6CF-09A0EBBC3792}"/>
+              </a:ext>
+            </a:extLst>
+          </p:cNvPr>
+          <p:cNvSpPr txBox="1">
+            <a:spLocks noGrp="1"/>
+          </p:cNvSpPr>
+          <p:nvPr>
+            <p:ph type="body" sz="quarter" idx="1"/>
+          </p:nvPr>
+        </p:nvSpPr>
+        <p:spPr/>
+        <p:txBody>
+          <a:bodyPr/>
+          <a:lstStyle/>
+          <a:p>
+            <a:endParaRPr lang="zxx-none"/>
+          </a:p>
+        </p:txBody>
+      </p:sp>
+    </p:spTree>
+  </p:cSld>
+  <p:clrMapOvr>
+    <a:masterClrMapping/>
+  </p:clrMapOvr>
+</p:notes>
+</file>
+
+<file path=ppt/notesSlides/notesSlide8.xml><?xml version="1.0" encoding="utf-8"?>
+<p:notes xmlns:a="http://schemas.openxmlformats.org/drawingml/2006/main" xmlns:r="http://schemas.openxmlformats.org/officeDocument/2006/relationships" xmlns:p="http://schemas.openxmlformats.org/presentationml/2006/main">
+  <p:cSld>
+    <p:spTree>
+      <p:nvGrpSpPr>
+        <p:cNvPr id="1" name=""/>
+        <p:cNvGrpSpPr/>
+        <p:nvPr/>
+      </p:nvGrpSpPr>
+      <p:grpSpPr>
+        <a:xfrm>
+          <a:off x="0" y="0"/>
+          <a:ext cx="0" cy="0"/>
+          <a:chOff x="0" y="0"/>
+          <a:chExt cx="0" cy="0"/>
+        </a:xfrm>
+      </p:grpSpPr>
+      <p:sp>
+        <p:nvSpPr>
+          <p:cNvPr id="7" name="Slide Number Placeholder 6">
+            <a:extLst>
+              <a:ext uri="{FF2B5EF4-FFF2-40B4-BE49-F238E27FC236}">
+                <a16:creationId xmlns:a16="http://schemas.microsoft.com/office/drawing/2014/main" id="{05003DBA-2060-4559-BE65-5B711582C6B7}"/>
+              </a:ext>
+            </a:extLst>
+          </p:cNvPr>
+          <p:cNvSpPr txBox="1">
+            <a:spLocks noGrp="1"/>
+          </p:cNvSpPr>
+          <p:nvPr>
+            <p:ph type="sldNum" sz="quarter" idx="5"/>
+          </p:nvPr>
+        </p:nvSpPr>
+        <p:spPr>
+          <a:ln/>
+        </p:spPr>
+        <p:txBody>
+          <a:bodyPr lIns="0" tIns="0" rIns="0" bIns="0" anchor="b">
+            <a:noAutofit/>
+          </a:bodyPr>
+          <a:lstStyle/>
+          <a:p>
+            <a:pPr lvl="0"/>
+            <a:fld id="{C54AC55B-3468-4F6C-A630-BB981DD8D0E6}" type="slidenum">
+              <a:t>15</a:t>
+            </a:fld>
+            <a:endParaRPr lang="zxx-none"/>
+          </a:p>
+        </p:txBody>
+      </p:sp>
+      <p:sp>
+        <p:nvSpPr>
+          <p:cNvPr id="2" name="Slide Image Placeholder 1">
+            <a:extLst>
+              <a:ext uri="{FF2B5EF4-FFF2-40B4-BE49-F238E27FC236}">
+                <a16:creationId xmlns:a16="http://schemas.microsoft.com/office/drawing/2014/main" id="{82124732-AF0D-43CB-A5CB-B27411107847}"/>
+              </a:ext>
+            </a:extLst>
+          </p:cNvPr>
+          <p:cNvSpPr>
+            <a:spLocks noGrp="1" noRot="1" noChangeAspect="1" noResize="1"/>
+          </p:cNvSpPr>
+          <p:nvPr>
+            <p:ph type="sldImg"/>
+          </p:nvPr>
+        </p:nvSpPr>
+        <p:spPr>
+          <a:xfrm>
+            <a:off x="217488" y="812800"/>
+            <a:ext cx="7123112" cy="4008438"/>
+          </a:xfrm>
+          <a:solidFill>
+            <a:srgbClr val="99CCFF"/>
+          </a:solidFill>
+          <a:ln w="25400">
+            <a:solidFill>
+              <a:srgbClr val="000000"/>
+            </a:solidFill>
+            <a:prstDash val="solid"/>
+          </a:ln>
+        </p:spPr>
+      </p:sp>
+      <p:sp>
+        <p:nvSpPr>
+          <p:cNvPr id="3" name="Notes Placeholder 2">
+            <a:extLst>
+              <a:ext uri="{FF2B5EF4-FFF2-40B4-BE49-F238E27FC236}">
+                <a16:creationId xmlns:a16="http://schemas.microsoft.com/office/drawing/2014/main" id="{60827C7C-6494-4C3E-8684-495D9E53C9D6}"/>
+              </a:ext>
+            </a:extLst>
+          </p:cNvPr>
+          <p:cNvSpPr txBox="1">
+            <a:spLocks noGrp="1"/>
+          </p:cNvSpPr>
+          <p:nvPr>
+            <p:ph type="body" sz="quarter" idx="1"/>
+          </p:nvPr>
+        </p:nvSpPr>
+        <p:spPr/>
+        <p:txBody>
+          <a:bodyPr/>
+          <a:lstStyle/>
+          <a:p>
+            <a:endParaRPr lang="zxx-none"/>
+          </a:p>
+        </p:txBody>
+      </p:sp>
+    </p:spTree>
+  </p:cSld>
+  <p:clrMapOvr>
+    <a:masterClrMapping/>
+  </p:clrMapOvr>
+</p:notes>
+</file>
+
+<file path=ppt/notesSlides/notesSlide9.xml><?xml version="1.0" encoding="utf-8"?>
+<p:notes xmlns:a="http://schemas.openxmlformats.org/drawingml/2006/main" xmlns:r="http://schemas.openxmlformats.org/officeDocument/2006/relationships" xmlns:p="http://schemas.openxmlformats.org/presentationml/2006/main">
+  <p:cSld>
+    <p:spTree>
+      <p:nvGrpSpPr>
+        <p:cNvPr id="1" name=""/>
+        <p:cNvGrpSpPr/>
+        <p:nvPr/>
+      </p:nvGrpSpPr>
+      <p:grpSpPr>
+        <a:xfrm>
+          <a:off x="0" y="0"/>
+          <a:ext cx="0" cy="0"/>
+          <a:chOff x="0" y="0"/>
+          <a:chExt cx="0" cy="0"/>
+        </a:xfrm>
+      </p:grpSpPr>
+      <p:sp>
+        <p:nvSpPr>
+          <p:cNvPr id="7" name="Slide Number Placeholder 6">
+            <a:extLst>
+              <a:ext uri="{FF2B5EF4-FFF2-40B4-BE49-F238E27FC236}">
+                <a16:creationId xmlns:a16="http://schemas.microsoft.com/office/drawing/2014/main" id="{20753870-A313-426B-B3E3-1AC1361ACC10}"/>
+              </a:ext>
+            </a:extLst>
+          </p:cNvPr>
+          <p:cNvSpPr txBox="1">
+            <a:spLocks noGrp="1"/>
+          </p:cNvSpPr>
+          <p:nvPr>
+            <p:ph type="sldNum" sz="quarter" idx="5"/>
+          </p:nvPr>
+        </p:nvSpPr>
+        <p:spPr>
+          <a:ln/>
+        </p:spPr>
+        <p:txBody>
+          <a:bodyPr lIns="0" tIns="0" rIns="0" bIns="0" anchor="b">
+            <a:noAutofit/>
+          </a:bodyPr>
+          <a:lstStyle/>
+          <a:p>
+            <a:pPr lvl="0"/>
+            <a:fld id="{F3444B75-12EE-4B62-BA43-2533CC4150FE}" type="slidenum">
+              <a:t>16</a:t>
+            </a:fld>
+            <a:endParaRPr lang="zxx-none"/>
+          </a:p>
+        </p:txBody>
+      </p:sp>
+      <p:sp>
+        <p:nvSpPr>
+          <p:cNvPr id="2" name="Slide Image Placeholder 1">
+            <a:extLst>
+              <a:ext uri="{FF2B5EF4-FFF2-40B4-BE49-F238E27FC236}">
+                <a16:creationId xmlns:a16="http://schemas.microsoft.com/office/drawing/2014/main" id="{7C134E89-AE91-4AEC-B933-8B02A0C4F74D}"/>
+              </a:ext>
+            </a:extLst>
+          </p:cNvPr>
+          <p:cNvSpPr>
+            <a:spLocks noGrp="1" noRot="1" noChangeAspect="1" noResize="1"/>
+          </p:cNvSpPr>
+          <p:nvPr>
+            <p:ph type="sldImg"/>
+          </p:nvPr>
+        </p:nvSpPr>
+        <p:spPr>
+          <a:xfrm>
+            <a:off x="217488" y="812800"/>
+            <a:ext cx="7123112" cy="4008438"/>
+          </a:xfrm>
+          <a:solidFill>
+            <a:srgbClr val="99CCFF"/>
+          </a:solidFill>
+          <a:ln w="25400">
+            <a:solidFill>
+              <a:srgbClr val="000000"/>
+            </a:solidFill>
+            <a:prstDash val="solid"/>
+          </a:ln>
+        </p:spPr>
+      </p:sp>
+      <p:sp>
+        <p:nvSpPr>
+          <p:cNvPr id="3" name="Notes Placeholder 2">
+            <a:extLst>
+              <a:ext uri="{FF2B5EF4-FFF2-40B4-BE49-F238E27FC236}">
+                <a16:creationId xmlns:a16="http://schemas.microsoft.com/office/drawing/2014/main" id="{BFFDC144-D521-4391-9B21-ABAACB5B55C0}"/>
+              </a:ext>
+            </a:extLst>
+          </p:cNvPr>
+          <p:cNvSpPr txBox="1">
+            <a:spLocks noGrp="1"/>
+          </p:cNvSpPr>
+          <p:nvPr>
+            <p:ph type="body" sz="quarter" idx="1"/>
+          </p:nvPr>
+        </p:nvSpPr>
+        <p:spPr/>
+        <p:txBody>
+          <a:bodyPr/>
+          <a:lstStyle/>
+          <a:p>
+            <a:endParaRPr lang="zxx-none"/>
+          </a:p>
+        </p:txBody>
+      </p:sp>
+    </p:spTree>
+  </p:cSld>
+  <p:clrMapOvr>
+    <a:masterClrMapping/>
+  </p:clrMapOvr>
+</p:notes>
 </file>
 
 <file path=ppt/slideLayouts/slideLayout1.xml><?xml version="1.0" encoding="utf-8"?>
@@ -141,23 +1565,25 @@
         </p:nvSpPr>
         <p:spPr>
           <a:xfrm>
-            <a:off x="1524000" y="1122363"/>
-            <a:ext cx="9144000" cy="2387600"/>
+            <a:off x="2417779" y="802298"/>
+            <a:ext cx="8637073" cy="2541431"/>
           </a:xfrm>
         </p:spPr>
         <p:txBody>
-          <a:bodyPr anchor="b"/>
+          <a:bodyPr bIns="0" anchor="b">
+            <a:normAutofit/>
+          </a:bodyPr>
           <a:lstStyle>
-            <a:lvl1pPr algn="ctr">
-              <a:defRPr sz="6000"/>
+            <a:lvl1pPr algn="l">
+              <a:defRPr sz="6600"/>
             </a:lvl1pPr>
           </a:lstStyle>
           <a:p>
             <a:r>
-              <a:rPr lang="en-US" smtClean="0"/>
+              <a:rPr lang="en-US"/>
               <a:t>Click to edit Master title style</a:t>
             </a:r>
-            <a:endParaRPr lang="en-US"/>
+            <a:endParaRPr lang="en-US" dirty="0"/>
           </a:p>
         </p:txBody>
       </p:sp>
@@ -173,20 +1599,26 @@
         </p:nvSpPr>
         <p:spPr>
           <a:xfrm>
-            <a:off x="1524000" y="3602038"/>
-            <a:ext cx="9144000" cy="1655762"/>
+            <a:off x="2417780" y="3531204"/>
+            <a:ext cx="8637072" cy="977621"/>
           </a:xfrm>
         </p:spPr>
         <p:txBody>
-          <a:bodyPr/>
+          <a:bodyPr tIns="91440" bIns="91440">
+            <a:normAutofit/>
+          </a:bodyPr>
           <a:lstStyle>
-            <a:lvl1pPr marL="0" indent="0" algn="ctr">
+            <a:lvl1pPr marL="0" indent="0" algn="l">
               <a:buNone/>
-              <a:defRPr sz="2400"/>
+              <a:defRPr sz="1800" b="0" cap="all" baseline="0">
+                <a:solidFill>
+                  <a:schemeClr val="tx1"/>
+                </a:solidFill>
+              </a:defRPr>
             </a:lvl1pPr>
             <a:lvl2pPr marL="457200" indent="0" algn="ctr">
               <a:buNone/>
-              <a:defRPr sz="2000"/>
+              <a:defRPr sz="1800"/>
             </a:lvl2pPr>
             <a:lvl3pPr marL="914400" indent="0" algn="ctr">
               <a:buNone/>
@@ -219,10 +1651,10 @@
           </a:lstStyle>
           <a:p>
             <a:r>
-              <a:rPr lang="en-US" smtClean="0"/>
+              <a:rPr lang="en-US"/>
               <a:t>Click to edit Master subtitle style</a:t>
             </a:r>
-            <a:endParaRPr lang="en-US"/>
+            <a:endParaRPr lang="en-US" dirty="0"/>
           </a:p>
         </p:txBody>
       </p:sp>
@@ -243,7 +1675,7 @@
           <a:p>
             <a:fld id="{98A5786E-8619-4C9D-9EB7-92F804D240B0}" type="datetimeFigureOut">
               <a:rPr lang="en-US" smtClean="0"/>
-              <a:t>8/7/2019</a:t>
+              <a:t>8/8/2019</a:t>
             </a:fld>
             <a:endParaRPr lang="en-US"/>
           </a:p>
@@ -259,7 +1691,12 @@
             <p:ph type="ftr" sz="quarter" idx="11"/>
           </p:nvPr>
         </p:nvSpPr>
-        <p:spPr/>
+        <p:spPr>
+          <a:xfrm>
+            <a:off x="2416500" y="329307"/>
+            <a:ext cx="4973915" cy="309201"/>
+          </a:xfrm>
+        </p:spPr>
         <p:txBody>
           <a:bodyPr/>
           <a:lstStyle/>
@@ -278,7 +1715,12 @@
             <p:ph type="sldNum" sz="quarter" idx="12"/>
           </p:nvPr>
         </p:nvSpPr>
-        <p:spPr/>
+        <p:spPr>
+          <a:xfrm>
+            <a:off x="1437664" y="798973"/>
+            <a:ext cx="811019" cy="503578"/>
+          </a:xfrm>
+        </p:spPr>
         <p:txBody>
           <a:bodyPr/>
           <a:lstStyle/>
@@ -291,10 +1733,41 @@
           </a:p>
         </p:txBody>
       </p:sp>
+      <p:cxnSp>
+        <p:nvCxnSpPr>
+          <p:cNvPr id="15" name="Straight Connector 14"/>
+          <p:cNvCxnSpPr/>
+          <p:nvPr/>
+        </p:nvCxnSpPr>
+        <p:spPr>
+          <a:xfrm>
+            <a:off x="2417780" y="3528542"/>
+            <a:ext cx="8637072" cy="0"/>
+          </a:xfrm>
+          <a:prstGeom prst="line">
+            <a:avLst/>
+          </a:prstGeom>
+          <a:ln w="31750"/>
+        </p:spPr>
+        <p:style>
+          <a:lnRef idx="3">
+            <a:schemeClr val="accent1"/>
+          </a:lnRef>
+          <a:fillRef idx="0">
+            <a:schemeClr val="accent1"/>
+          </a:fillRef>
+          <a:effectRef idx="2">
+            <a:schemeClr val="accent1"/>
+          </a:effectRef>
+          <a:fontRef idx="minor">
+            <a:schemeClr val="tx1"/>
+          </a:fontRef>
+        </p:style>
+      </p:cxnSp>
     </p:spTree>
     <p:extLst>
       <p:ext uri="{BB962C8B-B14F-4D97-AF65-F5344CB8AC3E}">
-        <p14:creationId xmlns:p14="http://schemas.microsoft.com/office/powerpoint/2010/main" val="1374336140"/>
+        <p14:creationId xmlns:p14="http://schemas.microsoft.com/office/powerpoint/2010/main" val="1146538259"/>
       </p:ext>
     </p:extLst>
   </p:cSld>
@@ -337,10 +1810,10 @@
           <a:lstStyle/>
           <a:p>
             <a:r>
-              <a:rPr lang="en-US" smtClean="0"/>
+              <a:rPr lang="en-US"/>
               <a:t>Click to edit Master title style</a:t>
             </a:r>
-            <a:endParaRPr lang="en-US"/>
+            <a:endParaRPr lang="en-US" dirty="0"/>
           </a:p>
         </p:txBody>
       </p:sp>
@@ -361,38 +1834,38 @@
           <a:p>
             <a:pPr lvl="0"/>
             <a:r>
-              <a:rPr lang="en-US" smtClean="0"/>
+              <a:rPr lang="en-US"/>
               <a:t>Click to edit Master text styles</a:t>
             </a:r>
           </a:p>
           <a:p>
             <a:pPr lvl="1"/>
             <a:r>
-              <a:rPr lang="en-US" smtClean="0"/>
+              <a:rPr lang="en-US"/>
               <a:t>Second level</a:t>
             </a:r>
           </a:p>
           <a:p>
             <a:pPr lvl="2"/>
             <a:r>
-              <a:rPr lang="en-US" smtClean="0"/>
+              <a:rPr lang="en-US"/>
               <a:t>Third level</a:t>
             </a:r>
           </a:p>
           <a:p>
             <a:pPr lvl="3"/>
             <a:r>
-              <a:rPr lang="en-US" smtClean="0"/>
+              <a:rPr lang="en-US"/>
               <a:t>Fourth level</a:t>
             </a:r>
           </a:p>
           <a:p>
             <a:pPr lvl="4"/>
             <a:r>
-              <a:rPr lang="en-US" smtClean="0"/>
+              <a:rPr lang="en-US"/>
               <a:t>Fifth level</a:t>
             </a:r>
-            <a:endParaRPr lang="en-US"/>
+            <a:endParaRPr lang="en-US" dirty="0"/>
           </a:p>
         </p:txBody>
       </p:sp>
@@ -413,7 +1886,7 @@
           <a:p>
             <a:fld id="{98A5786E-8619-4C9D-9EB7-92F804D240B0}" type="datetimeFigureOut">
               <a:rPr lang="en-US" smtClean="0"/>
-              <a:t>8/7/2019</a:t>
+              <a:t>8/8/2019</a:t>
             </a:fld>
             <a:endParaRPr lang="en-US"/>
           </a:p>
@@ -461,10 +1934,41 @@
           </a:p>
         </p:txBody>
       </p:sp>
+      <p:cxnSp>
+        <p:nvCxnSpPr>
+          <p:cNvPr id="26" name="Straight Connector 25"/>
+          <p:cNvCxnSpPr/>
+          <p:nvPr/>
+        </p:nvCxnSpPr>
+        <p:spPr>
+          <a:xfrm>
+            <a:off x="1453896" y="1847088"/>
+            <a:ext cx="9607522" cy="0"/>
+          </a:xfrm>
+          <a:prstGeom prst="line">
+            <a:avLst/>
+          </a:prstGeom>
+          <a:ln w="31750"/>
+        </p:spPr>
+        <p:style>
+          <a:lnRef idx="3">
+            <a:schemeClr val="accent1"/>
+          </a:lnRef>
+          <a:fillRef idx="0">
+            <a:schemeClr val="accent1"/>
+          </a:fillRef>
+          <a:effectRef idx="2">
+            <a:schemeClr val="accent1"/>
+          </a:effectRef>
+          <a:fontRef idx="minor">
+            <a:schemeClr val="tx1"/>
+          </a:fontRef>
+        </p:style>
+      </p:cxnSp>
     </p:spTree>
     <p:extLst>
       <p:ext uri="{BB962C8B-B14F-4D97-AF65-F5344CB8AC3E}">
-        <p14:creationId xmlns:p14="http://schemas.microsoft.com/office/powerpoint/2010/main" val="1051166888"/>
+        <p14:creationId xmlns:p14="http://schemas.microsoft.com/office/powerpoint/2010/main" val="3371868880"/>
       </p:ext>
     </p:extLst>
   </p:cSld>
@@ -503,19 +2007,23 @@
         </p:nvSpPr>
         <p:spPr>
           <a:xfrm>
-            <a:off x="8724900" y="365125"/>
-            <a:ext cx="2628900" cy="5811838"/>
+            <a:off x="9439111" y="798973"/>
+            <a:ext cx="1615742" cy="4659889"/>
           </a:xfrm>
         </p:spPr>
         <p:txBody>
           <a:bodyPr vert="eaVert"/>
-          <a:lstStyle/>
-          <a:p>
-            <a:r>
-              <a:rPr lang="en-US" smtClean="0"/>
+          <a:lstStyle>
+            <a:lvl1pPr algn="l">
+              <a:defRPr/>
+            </a:lvl1pPr>
+          </a:lstStyle>
+          <a:p>
+            <a:r>
+              <a:rPr lang="en-US"/>
               <a:t>Click to edit Master title style</a:t>
             </a:r>
-            <a:endParaRPr lang="en-US"/>
+            <a:endParaRPr lang="en-US" dirty="0"/>
           </a:p>
         </p:txBody>
       </p:sp>
@@ -531,8 +2039,8 @@
         </p:nvSpPr>
         <p:spPr>
           <a:xfrm>
-            <a:off x="838200" y="365125"/>
-            <a:ext cx="7734300" cy="5811838"/>
+            <a:off x="1444672" y="798973"/>
+            <a:ext cx="7828830" cy="4659889"/>
           </a:xfrm>
         </p:spPr>
         <p:txBody>
@@ -541,38 +2049,38 @@
           <a:p>
             <a:pPr lvl="0"/>
             <a:r>
-              <a:rPr lang="en-US" smtClean="0"/>
+              <a:rPr lang="en-US"/>
               <a:t>Click to edit Master text styles</a:t>
             </a:r>
           </a:p>
           <a:p>
             <a:pPr lvl="1"/>
             <a:r>
-              <a:rPr lang="en-US" smtClean="0"/>
+              <a:rPr lang="en-US"/>
               <a:t>Second level</a:t>
             </a:r>
           </a:p>
           <a:p>
             <a:pPr lvl="2"/>
             <a:r>
-              <a:rPr lang="en-US" smtClean="0"/>
+              <a:rPr lang="en-US"/>
               <a:t>Third level</a:t>
             </a:r>
           </a:p>
           <a:p>
             <a:pPr lvl="3"/>
             <a:r>
-              <a:rPr lang="en-US" smtClean="0"/>
+              <a:rPr lang="en-US"/>
               <a:t>Fourth level</a:t>
             </a:r>
           </a:p>
           <a:p>
             <a:pPr lvl="4"/>
             <a:r>
-              <a:rPr lang="en-US" smtClean="0"/>
+              <a:rPr lang="en-US"/>
               <a:t>Fifth level</a:t>
             </a:r>
-            <a:endParaRPr lang="en-US"/>
+            <a:endParaRPr lang="en-US" dirty="0"/>
           </a:p>
         </p:txBody>
       </p:sp>
@@ -593,7 +2101,7 @@
           <a:p>
             <a:fld id="{98A5786E-8619-4C9D-9EB7-92F804D240B0}" type="datetimeFigureOut">
               <a:rPr lang="en-US" smtClean="0"/>
-              <a:t>8/7/2019</a:t>
+              <a:t>8/8/2019</a:t>
             </a:fld>
             <a:endParaRPr lang="en-US"/>
           </a:p>
@@ -641,10 +2149,41 @@
           </a:p>
         </p:txBody>
       </p:sp>
+      <p:cxnSp>
+        <p:nvCxnSpPr>
+          <p:cNvPr id="15" name="Straight Connector 14"/>
+          <p:cNvCxnSpPr/>
+          <p:nvPr/>
+        </p:nvCxnSpPr>
+        <p:spPr>
+          <a:xfrm>
+            <a:off x="9439111" y="798973"/>
+            <a:ext cx="0" cy="4659889"/>
+          </a:xfrm>
+          <a:prstGeom prst="line">
+            <a:avLst/>
+          </a:prstGeom>
+          <a:ln w="31750"/>
+        </p:spPr>
+        <p:style>
+          <a:lnRef idx="3">
+            <a:schemeClr val="accent1"/>
+          </a:lnRef>
+          <a:fillRef idx="0">
+            <a:schemeClr val="accent1"/>
+          </a:fillRef>
+          <a:effectRef idx="2">
+            <a:schemeClr val="accent1"/>
+          </a:effectRef>
+          <a:fontRef idx="minor">
+            <a:schemeClr val="tx1"/>
+          </a:fontRef>
+        </p:style>
+      </p:cxnSp>
     </p:spTree>
     <p:extLst>
       <p:ext uri="{BB962C8B-B14F-4D97-AF65-F5344CB8AC3E}">
-        <p14:creationId xmlns:p14="http://schemas.microsoft.com/office/powerpoint/2010/main" val="3174284684"/>
+        <p14:creationId xmlns:p14="http://schemas.microsoft.com/office/powerpoint/2010/main" val="2149004768"/>
       </p:ext>
     </p:extLst>
   </p:cSld>
@@ -687,10 +2226,10 @@
           <a:lstStyle/>
           <a:p>
             <a:r>
-              <a:rPr lang="en-US" smtClean="0"/>
+              <a:rPr lang="en-US"/>
               <a:t>Click to edit Master title style</a:t>
             </a:r>
-            <a:endParaRPr lang="en-US"/>
+            <a:endParaRPr lang="en-US" dirty="0"/>
           </a:p>
         </p:txBody>
       </p:sp>
@@ -706,43 +2245,43 @@
         </p:nvSpPr>
         <p:spPr/>
         <p:txBody>
-          <a:bodyPr/>
+          <a:bodyPr anchor="t"/>
           <a:lstStyle/>
           <a:p>
             <a:pPr lvl="0"/>
             <a:r>
-              <a:rPr lang="en-US" smtClean="0"/>
+              <a:rPr lang="en-US"/>
               <a:t>Click to edit Master text styles</a:t>
             </a:r>
           </a:p>
           <a:p>
             <a:pPr lvl="1"/>
             <a:r>
-              <a:rPr lang="en-US" smtClean="0"/>
+              <a:rPr lang="en-US"/>
               <a:t>Second level</a:t>
             </a:r>
           </a:p>
           <a:p>
             <a:pPr lvl="2"/>
             <a:r>
-              <a:rPr lang="en-US" smtClean="0"/>
+              <a:rPr lang="en-US"/>
               <a:t>Third level</a:t>
             </a:r>
           </a:p>
           <a:p>
             <a:pPr lvl="3"/>
             <a:r>
-              <a:rPr lang="en-US" smtClean="0"/>
+              <a:rPr lang="en-US"/>
               <a:t>Fourth level</a:t>
             </a:r>
           </a:p>
           <a:p>
             <a:pPr lvl="4"/>
             <a:r>
-              <a:rPr lang="en-US" smtClean="0"/>
+              <a:rPr lang="en-US"/>
               <a:t>Fifth level</a:t>
             </a:r>
-            <a:endParaRPr lang="en-US"/>
+            <a:endParaRPr lang="en-US" dirty="0"/>
           </a:p>
         </p:txBody>
       </p:sp>
@@ -763,7 +2302,7 @@
           <a:p>
             <a:fld id="{98A5786E-8619-4C9D-9EB7-92F804D240B0}" type="datetimeFigureOut">
               <a:rPr lang="en-US" smtClean="0"/>
-              <a:t>8/7/2019</a:t>
+              <a:t>8/8/2019</a:t>
             </a:fld>
             <a:endParaRPr lang="en-US"/>
           </a:p>
@@ -811,10 +2350,41 @@
           </a:p>
         </p:txBody>
       </p:sp>
+      <p:cxnSp>
+        <p:nvCxnSpPr>
+          <p:cNvPr id="33" name="Straight Connector 32"/>
+          <p:cNvCxnSpPr/>
+          <p:nvPr/>
+        </p:nvCxnSpPr>
+        <p:spPr>
+          <a:xfrm>
+            <a:off x="1453896" y="1847088"/>
+            <a:ext cx="9607522" cy="0"/>
+          </a:xfrm>
+          <a:prstGeom prst="line">
+            <a:avLst/>
+          </a:prstGeom>
+          <a:ln w="31750"/>
+        </p:spPr>
+        <p:style>
+          <a:lnRef idx="3">
+            <a:schemeClr val="accent1"/>
+          </a:lnRef>
+          <a:fillRef idx="0">
+            <a:schemeClr val="accent1"/>
+          </a:fillRef>
+          <a:effectRef idx="2">
+            <a:schemeClr val="accent1"/>
+          </a:effectRef>
+          <a:fontRef idx="minor">
+            <a:schemeClr val="tx1"/>
+          </a:fontRef>
+        </p:style>
+      </p:cxnSp>
     </p:spTree>
     <p:extLst>
       <p:ext uri="{BB962C8B-B14F-4D97-AF65-F5344CB8AC3E}">
-        <p14:creationId xmlns:p14="http://schemas.microsoft.com/office/powerpoint/2010/main" val="2163354222"/>
+        <p14:creationId xmlns:p14="http://schemas.microsoft.com/office/powerpoint/2010/main" val="1423339098"/>
       </p:ext>
     </p:extLst>
   </p:cSld>
@@ -853,23 +2423,25 @@
         </p:nvSpPr>
         <p:spPr>
           <a:xfrm>
-            <a:off x="831850" y="1709738"/>
-            <a:ext cx="10515600" cy="2852737"/>
+            <a:off x="1454239" y="1756130"/>
+            <a:ext cx="8643154" cy="1887950"/>
           </a:xfrm>
         </p:spPr>
         <p:txBody>
-          <a:bodyPr anchor="b"/>
+          <a:bodyPr anchor="b">
+            <a:normAutofit/>
+          </a:bodyPr>
           <a:lstStyle>
-            <a:lvl1pPr>
-              <a:defRPr sz="6000"/>
+            <a:lvl1pPr algn="l">
+              <a:defRPr sz="3600"/>
             </a:lvl1pPr>
           </a:lstStyle>
           <a:p>
             <a:r>
-              <a:rPr lang="en-US" smtClean="0"/>
+              <a:rPr lang="en-US"/>
               <a:t>Click to edit Master title style</a:t>
             </a:r>
-            <a:endParaRPr lang="en-US"/>
+            <a:endParaRPr lang="en-US" dirty="0"/>
           </a:p>
         </p:txBody>
       </p:sp>
@@ -885,26 +2457,26 @@
         </p:nvSpPr>
         <p:spPr>
           <a:xfrm>
-            <a:off x="831850" y="4589463"/>
-            <a:ext cx="10515600" cy="1500187"/>
+            <a:off x="1454239" y="3806195"/>
+            <a:ext cx="8630446" cy="1012929"/>
           </a:xfrm>
         </p:spPr>
         <p:txBody>
-          <a:bodyPr/>
+          <a:bodyPr tIns="91440">
+            <a:normAutofit/>
+          </a:bodyPr>
           <a:lstStyle>
-            <a:lvl1pPr marL="0" indent="0">
+            <a:lvl1pPr marL="0" indent="0" algn="l">
               <a:buNone/>
-              <a:defRPr sz="2400">
+              <a:defRPr sz="1800">
                 <a:solidFill>
-                  <a:schemeClr val="tx1">
-                    <a:tint val="75000"/>
-                  </a:schemeClr>
+                  <a:schemeClr val="tx1"/>
                 </a:solidFill>
               </a:defRPr>
             </a:lvl1pPr>
             <a:lvl2pPr marL="457200" indent="0">
               <a:buNone/>
-              <a:defRPr sz="2000">
+              <a:defRPr sz="1800">
                 <a:solidFill>
                   <a:schemeClr val="tx1">
                     <a:tint val="75000"/>
@@ -986,7 +2558,7 @@
           <a:p>
             <a:pPr lvl="0"/>
             <a:r>
-              <a:rPr lang="en-US" smtClean="0"/>
+              <a:rPr lang="en-US"/>
               <a:t>Click to edit Master text styles</a:t>
             </a:r>
           </a:p>
@@ -1009,7 +2581,7 @@
           <a:p>
             <a:fld id="{98A5786E-8619-4C9D-9EB7-92F804D240B0}" type="datetimeFigureOut">
               <a:rPr lang="en-US" smtClean="0"/>
-              <a:t>8/7/2019</a:t>
+              <a:t>8/8/2019</a:t>
             </a:fld>
             <a:endParaRPr lang="en-US"/>
           </a:p>
@@ -1057,10 +2629,41 @@
           </a:p>
         </p:txBody>
       </p:sp>
+      <p:cxnSp>
+        <p:nvCxnSpPr>
+          <p:cNvPr id="15" name="Straight Connector 14"/>
+          <p:cNvCxnSpPr/>
+          <p:nvPr/>
+        </p:nvCxnSpPr>
+        <p:spPr>
+          <a:xfrm>
+            <a:off x="1454239" y="3804985"/>
+            <a:ext cx="8630446" cy="0"/>
+          </a:xfrm>
+          <a:prstGeom prst="line">
+            <a:avLst/>
+          </a:prstGeom>
+          <a:ln w="31750"/>
+        </p:spPr>
+        <p:style>
+          <a:lnRef idx="3">
+            <a:schemeClr val="accent1"/>
+          </a:lnRef>
+          <a:fillRef idx="0">
+            <a:schemeClr val="accent1"/>
+          </a:fillRef>
+          <a:effectRef idx="2">
+            <a:schemeClr val="accent1"/>
+          </a:effectRef>
+          <a:fontRef idx="minor">
+            <a:schemeClr val="tx1"/>
+          </a:fontRef>
+        </p:style>
+      </p:cxnSp>
     </p:spTree>
     <p:extLst>
       <p:ext uri="{BB962C8B-B14F-4D97-AF65-F5344CB8AC3E}">
-        <p14:creationId xmlns:p14="http://schemas.microsoft.com/office/powerpoint/2010/main" val="1838935562"/>
+        <p14:creationId xmlns:p14="http://schemas.microsoft.com/office/powerpoint/2010/main" val="3415002899"/>
       </p:ext>
     </p:extLst>
   </p:cSld>
@@ -1097,16 +2700,21 @@
             <p:ph type="title"/>
           </p:nvPr>
         </p:nvSpPr>
-        <p:spPr/>
+        <p:spPr>
+          <a:xfrm>
+            <a:off x="1449217" y="804889"/>
+            <a:ext cx="9605635" cy="1059305"/>
+          </a:xfrm>
+        </p:spPr>
         <p:txBody>
           <a:bodyPr/>
           <a:lstStyle/>
           <a:p>
             <a:r>
-              <a:rPr lang="en-US" smtClean="0"/>
+              <a:rPr lang="en-US"/>
               <a:t>Click to edit Master title style</a:t>
             </a:r>
-            <a:endParaRPr lang="en-US"/>
+            <a:endParaRPr lang="en-US" dirty="0"/>
           </a:p>
         </p:txBody>
       </p:sp>
@@ -1122,8 +2730,8 @@
         </p:nvSpPr>
         <p:spPr>
           <a:xfrm>
-            <a:off x="838200" y="1825625"/>
-            <a:ext cx="5181600" cy="4351338"/>
+            <a:off x="1447331" y="2010878"/>
+            <a:ext cx="4645152" cy="3448595"/>
           </a:xfrm>
         </p:spPr>
         <p:txBody>
@@ -1132,38 +2740,38 @@
           <a:p>
             <a:pPr lvl="0"/>
             <a:r>
-              <a:rPr lang="en-US" smtClean="0"/>
+              <a:rPr lang="en-US"/>
               <a:t>Click to edit Master text styles</a:t>
             </a:r>
           </a:p>
           <a:p>
             <a:pPr lvl="1"/>
             <a:r>
-              <a:rPr lang="en-US" smtClean="0"/>
+              <a:rPr lang="en-US"/>
               <a:t>Second level</a:t>
             </a:r>
           </a:p>
           <a:p>
             <a:pPr lvl="2"/>
             <a:r>
-              <a:rPr lang="en-US" smtClean="0"/>
+              <a:rPr lang="en-US"/>
               <a:t>Third level</a:t>
             </a:r>
           </a:p>
           <a:p>
             <a:pPr lvl="3"/>
             <a:r>
-              <a:rPr lang="en-US" smtClean="0"/>
+              <a:rPr lang="en-US"/>
               <a:t>Fourth level</a:t>
             </a:r>
           </a:p>
           <a:p>
             <a:pPr lvl="4"/>
             <a:r>
-              <a:rPr lang="en-US" smtClean="0"/>
+              <a:rPr lang="en-US"/>
               <a:t>Fifth level</a:t>
             </a:r>
-            <a:endParaRPr lang="en-US"/>
+            <a:endParaRPr lang="en-US" dirty="0"/>
           </a:p>
         </p:txBody>
       </p:sp>
@@ -1179,8 +2787,8 @@
         </p:nvSpPr>
         <p:spPr>
           <a:xfrm>
-            <a:off x="6172200" y="1825625"/>
-            <a:ext cx="5181600" cy="4351338"/>
+            <a:off x="6413771" y="2017343"/>
+            <a:ext cx="4645152" cy="3441520"/>
           </a:xfrm>
         </p:spPr>
         <p:txBody>
@@ -1189,38 +2797,38 @@
           <a:p>
             <a:pPr lvl="0"/>
             <a:r>
-              <a:rPr lang="en-US" smtClean="0"/>
+              <a:rPr lang="en-US"/>
               <a:t>Click to edit Master text styles</a:t>
             </a:r>
           </a:p>
           <a:p>
             <a:pPr lvl="1"/>
             <a:r>
-              <a:rPr lang="en-US" smtClean="0"/>
+              <a:rPr lang="en-US"/>
               <a:t>Second level</a:t>
             </a:r>
           </a:p>
           <a:p>
             <a:pPr lvl="2"/>
             <a:r>
-              <a:rPr lang="en-US" smtClean="0"/>
+              <a:rPr lang="en-US"/>
               <a:t>Third level</a:t>
             </a:r>
           </a:p>
           <a:p>
             <a:pPr lvl="3"/>
             <a:r>
-              <a:rPr lang="en-US" smtClean="0"/>
+              <a:rPr lang="en-US"/>
               <a:t>Fourth level</a:t>
             </a:r>
           </a:p>
           <a:p>
             <a:pPr lvl="4"/>
             <a:r>
-              <a:rPr lang="en-US" smtClean="0"/>
+              <a:rPr lang="en-US"/>
               <a:t>Fifth level</a:t>
             </a:r>
-            <a:endParaRPr lang="en-US"/>
+            <a:endParaRPr lang="en-US" dirty="0"/>
           </a:p>
         </p:txBody>
       </p:sp>
@@ -1241,7 +2849,7 @@
           <a:p>
             <a:fld id="{98A5786E-8619-4C9D-9EB7-92F804D240B0}" type="datetimeFigureOut">
               <a:rPr lang="en-US" smtClean="0"/>
-              <a:t>8/7/2019</a:t>
+              <a:t>8/8/2019</a:t>
             </a:fld>
             <a:endParaRPr lang="en-US"/>
           </a:p>
@@ -1289,10 +2897,41 @@
           </a:p>
         </p:txBody>
       </p:sp>
+      <p:cxnSp>
+        <p:nvCxnSpPr>
+          <p:cNvPr id="35" name="Straight Connector 34"/>
+          <p:cNvCxnSpPr/>
+          <p:nvPr/>
+        </p:nvCxnSpPr>
+        <p:spPr>
+          <a:xfrm>
+            <a:off x="1453896" y="1847088"/>
+            <a:ext cx="9607522" cy="0"/>
+          </a:xfrm>
+          <a:prstGeom prst="line">
+            <a:avLst/>
+          </a:prstGeom>
+          <a:ln w="31750"/>
+        </p:spPr>
+        <p:style>
+          <a:lnRef idx="3">
+            <a:schemeClr val="accent1"/>
+          </a:lnRef>
+          <a:fillRef idx="0">
+            <a:schemeClr val="accent1"/>
+          </a:fillRef>
+          <a:effectRef idx="2">
+            <a:schemeClr val="accent1"/>
+          </a:effectRef>
+          <a:fontRef idx="minor">
+            <a:schemeClr val="tx1"/>
+          </a:fontRef>
+        </p:style>
+      </p:cxnSp>
     </p:spTree>
     <p:extLst>
       <p:ext uri="{BB962C8B-B14F-4D97-AF65-F5344CB8AC3E}">
-        <p14:creationId xmlns:p14="http://schemas.microsoft.com/office/powerpoint/2010/main" val="2218447534"/>
+        <p14:creationId xmlns:p14="http://schemas.microsoft.com/office/powerpoint/2010/main" val="3745368258"/>
       </p:ext>
     </p:extLst>
   </p:cSld>
@@ -1331,8 +2970,8 @@
         </p:nvSpPr>
         <p:spPr>
           <a:xfrm>
-            <a:off x="839788" y="365125"/>
-            <a:ext cx="10515600" cy="1325563"/>
+            <a:off x="1447191" y="804163"/>
+            <a:ext cx="9607661" cy="1056319"/>
           </a:xfrm>
         </p:spPr>
         <p:txBody>
@@ -1340,10 +2979,10 @@
           <a:lstStyle/>
           <a:p>
             <a:r>
-              <a:rPr lang="en-US" smtClean="0"/>
+              <a:rPr lang="en-US"/>
               <a:t>Click to edit Master title style</a:t>
             </a:r>
-            <a:endParaRPr lang="en-US"/>
+            <a:endParaRPr lang="en-US" dirty="0"/>
           </a:p>
         </p:txBody>
       </p:sp>
@@ -1359,16 +2998,25 @@
         </p:nvSpPr>
         <p:spPr>
           <a:xfrm>
-            <a:off x="839788" y="1681163"/>
-            <a:ext cx="5157787" cy="823912"/>
+            <a:off x="1447191" y="2019549"/>
+            <a:ext cx="4645152" cy="801943"/>
           </a:xfrm>
         </p:spPr>
         <p:txBody>
-          <a:bodyPr anchor="b"/>
+          <a:bodyPr anchor="b">
+            <a:normAutofit/>
+          </a:bodyPr>
           <a:lstStyle>
             <a:lvl1pPr marL="0" indent="0">
+              <a:lnSpc>
+                <a:spcPct val="100000"/>
+              </a:lnSpc>
               <a:buNone/>
-              <a:defRPr sz="2400" b="1"/>
+              <a:defRPr sz="2200" b="0" cap="all" baseline="0">
+                <a:solidFill>
+                  <a:schemeClr val="accent1"/>
+                </a:solidFill>
+              </a:defRPr>
             </a:lvl1pPr>
             <a:lvl2pPr marL="457200" indent="0">
               <a:buNone/>
@@ -1406,7 +3054,7 @@
           <a:p>
             <a:pPr lvl="0"/>
             <a:r>
-              <a:rPr lang="en-US" smtClean="0"/>
+              <a:rPr lang="en-US"/>
               <a:t>Click to edit Master text styles</a:t>
             </a:r>
           </a:p>
@@ -1424,8 +3072,8 @@
         </p:nvSpPr>
         <p:spPr>
           <a:xfrm>
-            <a:off x="839788" y="2505075"/>
-            <a:ext cx="5157787" cy="3684588"/>
+            <a:off x="1447191" y="2824269"/>
+            <a:ext cx="4645152" cy="2644457"/>
           </a:xfrm>
         </p:spPr>
         <p:txBody>
@@ -1434,38 +3082,38 @@
           <a:p>
             <a:pPr lvl="0"/>
             <a:r>
-              <a:rPr lang="en-US" smtClean="0"/>
+              <a:rPr lang="en-US"/>
               <a:t>Click to edit Master text styles</a:t>
             </a:r>
           </a:p>
           <a:p>
             <a:pPr lvl="1"/>
             <a:r>
-              <a:rPr lang="en-US" smtClean="0"/>
+              <a:rPr lang="en-US"/>
               <a:t>Second level</a:t>
             </a:r>
           </a:p>
           <a:p>
             <a:pPr lvl="2"/>
             <a:r>
-              <a:rPr lang="en-US" smtClean="0"/>
+              <a:rPr lang="en-US"/>
               <a:t>Third level</a:t>
             </a:r>
           </a:p>
           <a:p>
             <a:pPr lvl="3"/>
             <a:r>
-              <a:rPr lang="en-US" smtClean="0"/>
+              <a:rPr lang="en-US"/>
               <a:t>Fourth level</a:t>
             </a:r>
           </a:p>
           <a:p>
             <a:pPr lvl="4"/>
             <a:r>
-              <a:rPr lang="en-US" smtClean="0"/>
+              <a:rPr lang="en-US"/>
               <a:t>Fifth level</a:t>
             </a:r>
-            <a:endParaRPr lang="en-US"/>
+            <a:endParaRPr lang="en-US" dirty="0"/>
           </a:p>
         </p:txBody>
       </p:sp>
@@ -1481,16 +3129,25 @@
         </p:nvSpPr>
         <p:spPr>
           <a:xfrm>
-            <a:off x="6172200" y="1681163"/>
-            <a:ext cx="5183188" cy="823912"/>
+            <a:off x="6412362" y="2023003"/>
+            <a:ext cx="4645152" cy="802237"/>
           </a:xfrm>
         </p:spPr>
         <p:txBody>
-          <a:bodyPr anchor="b"/>
+          <a:bodyPr anchor="b">
+            <a:normAutofit/>
+          </a:bodyPr>
           <a:lstStyle>
             <a:lvl1pPr marL="0" indent="0">
+              <a:lnSpc>
+                <a:spcPct val="100000"/>
+              </a:lnSpc>
               <a:buNone/>
-              <a:defRPr sz="2400" b="1"/>
+              <a:defRPr sz="2200" b="0" cap="all" baseline="0">
+                <a:solidFill>
+                  <a:schemeClr val="accent1"/>
+                </a:solidFill>
+              </a:defRPr>
             </a:lvl1pPr>
             <a:lvl2pPr marL="457200" indent="0">
               <a:buNone/>
@@ -1528,7 +3185,7 @@
           <a:p>
             <a:pPr lvl="0"/>
             <a:r>
-              <a:rPr lang="en-US" smtClean="0"/>
+              <a:rPr lang="en-US"/>
               <a:t>Click to edit Master text styles</a:t>
             </a:r>
           </a:p>
@@ -1546,8 +3203,8 @@
         </p:nvSpPr>
         <p:spPr>
           <a:xfrm>
-            <a:off x="6172200" y="2505075"/>
-            <a:ext cx="5183188" cy="3684588"/>
+            <a:off x="6412362" y="2821491"/>
+            <a:ext cx="4645152" cy="2637371"/>
           </a:xfrm>
         </p:spPr>
         <p:txBody>
@@ -1556,38 +3213,38 @@
           <a:p>
             <a:pPr lvl="0"/>
             <a:r>
-              <a:rPr lang="en-US" smtClean="0"/>
+              <a:rPr lang="en-US"/>
               <a:t>Click to edit Master text styles</a:t>
             </a:r>
           </a:p>
           <a:p>
             <a:pPr lvl="1"/>
             <a:r>
-              <a:rPr lang="en-US" smtClean="0"/>
+              <a:rPr lang="en-US"/>
               <a:t>Second level</a:t>
             </a:r>
           </a:p>
           <a:p>
             <a:pPr lvl="2"/>
             <a:r>
-              <a:rPr lang="en-US" smtClean="0"/>
+              <a:rPr lang="en-US"/>
               <a:t>Third level</a:t>
             </a:r>
           </a:p>
           <a:p>
             <a:pPr lvl="3"/>
             <a:r>
-              <a:rPr lang="en-US" smtClean="0"/>
+              <a:rPr lang="en-US"/>
               <a:t>Fourth level</a:t>
             </a:r>
           </a:p>
           <a:p>
             <a:pPr lvl="4"/>
             <a:r>
-              <a:rPr lang="en-US" smtClean="0"/>
+              <a:rPr lang="en-US"/>
               <a:t>Fifth level</a:t>
             </a:r>
-            <a:endParaRPr lang="en-US"/>
+            <a:endParaRPr lang="en-US" dirty="0"/>
           </a:p>
         </p:txBody>
       </p:sp>
@@ -1608,7 +3265,7 @@
           <a:p>
             <a:fld id="{98A5786E-8619-4C9D-9EB7-92F804D240B0}" type="datetimeFigureOut">
               <a:rPr lang="en-US" smtClean="0"/>
-              <a:t>8/7/2019</a:t>
+              <a:t>8/8/2019</a:t>
             </a:fld>
             <a:endParaRPr lang="en-US"/>
           </a:p>
@@ -1656,10 +3313,41 @@
           </a:p>
         </p:txBody>
       </p:sp>
+      <p:cxnSp>
+        <p:nvCxnSpPr>
+          <p:cNvPr id="29" name="Straight Connector 28"/>
+          <p:cNvCxnSpPr/>
+          <p:nvPr/>
+        </p:nvCxnSpPr>
+        <p:spPr>
+          <a:xfrm>
+            <a:off x="1453896" y="1847088"/>
+            <a:ext cx="9607522" cy="0"/>
+          </a:xfrm>
+          <a:prstGeom prst="line">
+            <a:avLst/>
+          </a:prstGeom>
+          <a:ln w="31750"/>
+        </p:spPr>
+        <p:style>
+          <a:lnRef idx="3">
+            <a:schemeClr val="accent1"/>
+          </a:lnRef>
+          <a:fillRef idx="0">
+            <a:schemeClr val="accent1"/>
+          </a:fillRef>
+          <a:effectRef idx="2">
+            <a:schemeClr val="accent1"/>
+          </a:effectRef>
+          <a:fontRef idx="minor">
+            <a:schemeClr val="tx1"/>
+          </a:fontRef>
+        </p:style>
+      </p:cxnSp>
     </p:spTree>
     <p:extLst>
       <p:ext uri="{BB962C8B-B14F-4D97-AF65-F5344CB8AC3E}">
-        <p14:creationId xmlns:p14="http://schemas.microsoft.com/office/powerpoint/2010/main" val="1694143740"/>
+        <p14:creationId xmlns:p14="http://schemas.microsoft.com/office/powerpoint/2010/main" val="932968209"/>
       </p:ext>
     </p:extLst>
   </p:cSld>
@@ -1702,10 +3390,10 @@
           <a:lstStyle/>
           <a:p>
             <a:r>
-              <a:rPr lang="en-US" smtClean="0"/>
+              <a:rPr lang="en-US"/>
               <a:t>Click to edit Master title style</a:t>
             </a:r>
-            <a:endParaRPr lang="en-US"/>
+            <a:endParaRPr lang="en-US" dirty="0"/>
           </a:p>
         </p:txBody>
       </p:sp>
@@ -1726,7 +3414,7 @@
           <a:p>
             <a:fld id="{98A5786E-8619-4C9D-9EB7-92F804D240B0}" type="datetimeFigureOut">
               <a:rPr lang="en-US" smtClean="0"/>
-              <a:t>8/7/2019</a:t>
+              <a:t>8/8/2019</a:t>
             </a:fld>
             <a:endParaRPr lang="en-US"/>
           </a:p>
@@ -1774,10 +3462,41 @@
           </a:p>
         </p:txBody>
       </p:sp>
+      <p:cxnSp>
+        <p:nvCxnSpPr>
+          <p:cNvPr id="25" name="Straight Connector 24"/>
+          <p:cNvCxnSpPr/>
+          <p:nvPr/>
+        </p:nvCxnSpPr>
+        <p:spPr>
+          <a:xfrm>
+            <a:off x="1453896" y="1847088"/>
+            <a:ext cx="9607522" cy="0"/>
+          </a:xfrm>
+          <a:prstGeom prst="line">
+            <a:avLst/>
+          </a:prstGeom>
+          <a:ln w="31750"/>
+        </p:spPr>
+        <p:style>
+          <a:lnRef idx="3">
+            <a:schemeClr val="accent1"/>
+          </a:lnRef>
+          <a:fillRef idx="0">
+            <a:schemeClr val="accent1"/>
+          </a:fillRef>
+          <a:effectRef idx="2">
+            <a:schemeClr val="accent1"/>
+          </a:effectRef>
+          <a:fontRef idx="minor">
+            <a:schemeClr val="tx1"/>
+          </a:fontRef>
+        </p:style>
+      </p:cxnSp>
     </p:spTree>
     <p:extLst>
       <p:ext uri="{BB962C8B-B14F-4D97-AF65-F5344CB8AC3E}">
-        <p14:creationId xmlns:p14="http://schemas.microsoft.com/office/powerpoint/2010/main" val="3511153617"/>
+        <p14:creationId xmlns:p14="http://schemas.microsoft.com/office/powerpoint/2010/main" val="1793593045"/>
       </p:ext>
     </p:extLst>
   </p:cSld>
@@ -1821,7 +3540,7 @@
           <a:p>
             <a:fld id="{98A5786E-8619-4C9D-9EB7-92F804D240B0}" type="datetimeFigureOut">
               <a:rPr lang="en-US" smtClean="0"/>
-              <a:t>8/7/2019</a:t>
+              <a:t>8/8/2019</a:t>
             </a:fld>
             <a:endParaRPr lang="en-US"/>
           </a:p>
@@ -1872,7 +3591,7 @@
     </p:spTree>
     <p:extLst>
       <p:ext uri="{BB962C8B-B14F-4D97-AF65-F5344CB8AC3E}">
-        <p14:creationId xmlns:p14="http://schemas.microsoft.com/office/powerpoint/2010/main" val="2854332409"/>
+        <p14:creationId xmlns:p14="http://schemas.microsoft.com/office/powerpoint/2010/main" val="2788843302"/>
       </p:ext>
     </p:extLst>
   </p:cSld>
@@ -1911,23 +3630,25 @@
         </p:nvSpPr>
         <p:spPr>
           <a:xfrm>
-            <a:off x="839788" y="457200"/>
-            <a:ext cx="3932237" cy="1600200"/>
+            <a:off x="1444671" y="798973"/>
+            <a:ext cx="3273099" cy="2247117"/>
           </a:xfrm>
         </p:spPr>
         <p:txBody>
-          <a:bodyPr anchor="b"/>
+          <a:bodyPr anchor="b">
+            <a:normAutofit/>
+          </a:bodyPr>
           <a:lstStyle>
-            <a:lvl1pPr>
-              <a:defRPr sz="3200"/>
+            <a:lvl1pPr algn="l">
+              <a:defRPr sz="2400"/>
             </a:lvl1pPr>
           </a:lstStyle>
           <a:p>
             <a:r>
-              <a:rPr lang="en-US" smtClean="0"/>
+              <a:rPr lang="en-US"/>
               <a:t>Click to edit Master title style</a:t>
             </a:r>
-            <a:endParaRPr lang="en-US"/>
+            <a:endParaRPr lang="en-US" dirty="0"/>
           </a:p>
         </p:txBody>
       </p:sp>
@@ -1943,99 +3664,71 @@
         </p:nvSpPr>
         <p:spPr>
           <a:xfrm>
-            <a:off x="5183188" y="987425"/>
-            <a:ext cx="6172200" cy="4873625"/>
+            <a:off x="5043714" y="798974"/>
+            <a:ext cx="6012470" cy="4658826"/>
+          </a:xfrm>
+        </p:spPr>
+        <p:txBody>
+          <a:bodyPr anchor="ctr"/>
+          <a:lstStyle/>
+          <a:p>
+            <a:pPr lvl="0"/>
+            <a:r>
+              <a:rPr lang="en-US"/>
+              <a:t>Click to edit Master text styles</a:t>
+            </a:r>
+          </a:p>
+          <a:p>
+            <a:pPr lvl="1"/>
+            <a:r>
+              <a:rPr lang="en-US"/>
+              <a:t>Second level</a:t>
+            </a:r>
+          </a:p>
+          <a:p>
+            <a:pPr lvl="2"/>
+            <a:r>
+              <a:rPr lang="en-US"/>
+              <a:t>Third level</a:t>
+            </a:r>
+          </a:p>
+          <a:p>
+            <a:pPr lvl="3"/>
+            <a:r>
+              <a:rPr lang="en-US"/>
+              <a:t>Fourth level</a:t>
+            </a:r>
+          </a:p>
+          <a:p>
+            <a:pPr lvl="4"/>
+            <a:r>
+              <a:rPr lang="en-US"/>
+              <a:t>Fifth level</a:t>
+            </a:r>
+            <a:endParaRPr lang="en-US" dirty="0"/>
+          </a:p>
+        </p:txBody>
+      </p:sp>
+      <p:sp>
+        <p:nvSpPr>
+          <p:cNvPr id="4" name="Text Placeholder 3"/>
+          <p:cNvSpPr>
+            <a:spLocks noGrp="1"/>
+          </p:cNvSpPr>
+          <p:nvPr>
+            <p:ph type="body" sz="half" idx="2"/>
+          </p:nvPr>
+        </p:nvSpPr>
+        <p:spPr>
+          <a:xfrm>
+            <a:off x="1444671" y="3205491"/>
+            <a:ext cx="3275013" cy="2248181"/>
           </a:xfrm>
         </p:spPr>
         <p:txBody>
           <a:bodyPr/>
           <a:lstStyle>
-            <a:lvl1pPr>
-              <a:defRPr sz="3200"/>
-            </a:lvl1pPr>
-            <a:lvl2pPr>
-              <a:defRPr sz="2800"/>
-            </a:lvl2pPr>
-            <a:lvl3pPr>
-              <a:defRPr sz="2400"/>
-            </a:lvl3pPr>
-            <a:lvl4pPr>
-              <a:defRPr sz="2000"/>
-            </a:lvl4pPr>
-            <a:lvl5pPr>
-              <a:defRPr sz="2000"/>
-            </a:lvl5pPr>
-            <a:lvl6pPr>
-              <a:defRPr sz="2000"/>
-            </a:lvl6pPr>
-            <a:lvl7pPr>
-              <a:defRPr sz="2000"/>
-            </a:lvl7pPr>
-            <a:lvl8pPr>
-              <a:defRPr sz="2000"/>
-            </a:lvl8pPr>
-            <a:lvl9pPr>
-              <a:defRPr sz="2000"/>
-            </a:lvl9pPr>
-          </a:lstStyle>
-          <a:p>
-            <a:pPr lvl="0"/>
-            <a:r>
-              <a:rPr lang="en-US" smtClean="0"/>
-              <a:t>Click to edit Master text styles</a:t>
-            </a:r>
-          </a:p>
-          <a:p>
-            <a:pPr lvl="1"/>
-            <a:r>
-              <a:rPr lang="en-US" smtClean="0"/>
-              <a:t>Second level</a:t>
-            </a:r>
-          </a:p>
-          <a:p>
-            <a:pPr lvl="2"/>
-            <a:r>
-              <a:rPr lang="en-US" smtClean="0"/>
-              <a:t>Third level</a:t>
-            </a:r>
-          </a:p>
-          <a:p>
-            <a:pPr lvl="3"/>
-            <a:r>
-              <a:rPr lang="en-US" smtClean="0"/>
-              <a:t>Fourth level</a:t>
-            </a:r>
-          </a:p>
-          <a:p>
-            <a:pPr lvl="4"/>
-            <a:r>
-              <a:rPr lang="en-US" smtClean="0"/>
-              <a:t>Fifth level</a:t>
-            </a:r>
-            <a:endParaRPr lang="en-US"/>
-          </a:p>
-        </p:txBody>
-      </p:sp>
-      <p:sp>
-        <p:nvSpPr>
-          <p:cNvPr id="4" name="Text Placeholder 3"/>
-          <p:cNvSpPr>
-            <a:spLocks noGrp="1"/>
-          </p:cNvSpPr>
-          <p:nvPr>
-            <p:ph type="body" sz="half" idx="2"/>
-          </p:nvPr>
-        </p:nvSpPr>
-        <p:spPr>
-          <a:xfrm>
-            <a:off x="839788" y="2057400"/>
-            <a:ext cx="3932237" cy="3811588"/>
-          </a:xfrm>
-        </p:spPr>
-        <p:txBody>
-          <a:bodyPr/>
-          <a:lstStyle>
-            <a:lvl1pPr marL="0" indent="0">
+            <a:lvl1pPr marL="0" indent="0" algn="l">
               <a:buNone/>
               <a:defRPr sz="1600"/>
             </a:lvl1pPr>
@@ -2075,7 +3768,7 @@
           <a:p>
             <a:pPr lvl="0"/>
             <a:r>
-              <a:rPr lang="en-US" smtClean="0"/>
+              <a:rPr lang="en-US"/>
               <a:t>Click to edit Master text styles</a:t>
             </a:r>
           </a:p>
@@ -2098,7 +3791,7 @@
           <a:p>
             <a:fld id="{98A5786E-8619-4C9D-9EB7-92F804D240B0}" type="datetimeFigureOut">
               <a:rPr lang="en-US" smtClean="0"/>
-              <a:t>8/7/2019</a:t>
+              <a:t>8/8/2019</a:t>
             </a:fld>
             <a:endParaRPr lang="en-US"/>
           </a:p>
@@ -2146,10 +3839,41 @@
           </a:p>
         </p:txBody>
       </p:sp>
+      <p:cxnSp>
+        <p:nvCxnSpPr>
+          <p:cNvPr id="17" name="Straight Connector 16"/>
+          <p:cNvCxnSpPr/>
+          <p:nvPr/>
+        </p:nvCxnSpPr>
+        <p:spPr>
+          <a:xfrm>
+            <a:off x="1448280" y="3205491"/>
+            <a:ext cx="3269490" cy="0"/>
+          </a:xfrm>
+          <a:prstGeom prst="line">
+            <a:avLst/>
+          </a:prstGeom>
+          <a:ln w="31750"/>
+        </p:spPr>
+        <p:style>
+          <a:lnRef idx="3">
+            <a:schemeClr val="accent1"/>
+          </a:lnRef>
+          <a:fillRef idx="0">
+            <a:schemeClr val="accent1"/>
+          </a:fillRef>
+          <a:effectRef idx="2">
+            <a:schemeClr val="accent1"/>
+          </a:effectRef>
+          <a:fontRef idx="minor">
+            <a:schemeClr val="tx1"/>
+          </a:fontRef>
+        </p:style>
+      </p:cxnSp>
     </p:spTree>
     <p:extLst>
       <p:ext uri="{BB962C8B-B14F-4D97-AF65-F5344CB8AC3E}">
-        <p14:creationId xmlns:p14="http://schemas.microsoft.com/office/powerpoint/2010/main" val="2790762644"/>
+        <p14:creationId xmlns:p14="http://schemas.microsoft.com/office/powerpoint/2010/main" val="2900788629"/>
       </p:ext>
     </p:extLst>
   </p:cSld>
@@ -2176,6 +3900,140 @@
           <a:chExt cx="0" cy="0"/>
         </a:xfrm>
       </p:grpSpPr>
+      <p:grpSp>
+        <p:nvGrpSpPr>
+          <p:cNvPr id="8" name="Group 7"/>
+          <p:cNvGrpSpPr/>
+          <p:nvPr/>
+        </p:nvGrpSpPr>
+        <p:grpSpPr>
+          <a:xfrm>
+            <a:off x="7477387" y="482170"/>
+            <a:ext cx="4074533" cy="5149101"/>
+            <a:chOff x="7477387" y="482170"/>
+            <a:chExt cx="4074533" cy="5149101"/>
+          </a:xfrm>
+        </p:grpSpPr>
+        <p:sp>
+          <p:nvSpPr>
+            <p:cNvPr id="18" name="Rectangle 17"/>
+            <p:cNvSpPr/>
+            <p:nvPr/>
+          </p:nvSpPr>
+          <p:spPr bwMode="black">
+            <a:xfrm>
+              <a:off x="7477387" y="482170"/>
+              <a:ext cx="4074533" cy="5149101"/>
+            </a:xfrm>
+            <a:prstGeom prst="rect">
+              <a:avLst/>
+            </a:prstGeom>
+            <a:gradFill>
+              <a:gsLst>
+                <a:gs pos="0">
+                  <a:srgbClr val="000001"/>
+                </a:gs>
+                <a:gs pos="100000">
+                  <a:srgbClr val="191919"/>
+                </a:gs>
+              </a:gsLst>
+            </a:gradFill>
+            <a:ln w="76200" cmpd="sng">
+              <a:noFill/>
+              <a:miter lim="800000"/>
+            </a:ln>
+            <a:effectLst>
+              <a:outerShdw blurRad="127000" dist="228600" dir="4740000" sx="98000" sy="98000" algn="tl" rotWithShape="0">
+                <a:srgbClr val="000000">
+                  <a:alpha val="34000"/>
+                </a:srgbClr>
+              </a:outerShdw>
+            </a:effectLst>
+            <a:scene3d>
+              <a:camera prst="orthographicFront"/>
+              <a:lightRig rig="threePt" dir="t"/>
+            </a:scene3d>
+            <a:sp3d>
+              <a:bevelT w="152400" h="50800" prst="softRound"/>
+            </a:sp3d>
+          </p:spPr>
+          <p:style>
+            <a:lnRef idx="1">
+              <a:schemeClr val="accent1"/>
+            </a:lnRef>
+            <a:fillRef idx="3">
+              <a:schemeClr val="accent1"/>
+            </a:fillRef>
+            <a:effectRef idx="2">
+              <a:schemeClr val="accent1"/>
+            </a:effectRef>
+            <a:fontRef idx="minor">
+              <a:schemeClr val="lt1"/>
+            </a:fontRef>
+          </p:style>
+        </p:sp>
+        <p:sp>
+          <p:nvSpPr>
+            <p:cNvPr id="19" name="Rectangle 18"/>
+            <p:cNvSpPr/>
+            <p:nvPr/>
+          </p:nvSpPr>
+          <p:spPr bwMode="blackWhite">
+            <a:xfrm>
+              <a:off x="7790446" y="812506"/>
+              <a:ext cx="3450289" cy="4466452"/>
+            </a:xfrm>
+            <a:prstGeom prst="rect">
+              <a:avLst/>
+            </a:prstGeom>
+            <a:gradFill>
+              <a:gsLst>
+                <a:gs pos="0">
+                  <a:srgbClr val="DADADA"/>
+                </a:gs>
+                <a:gs pos="100000">
+                  <a:srgbClr val="FFFFFE"/>
+                </a:gs>
+              </a:gsLst>
+              <a:lin ang="16200000" scaled="0"/>
+            </a:gradFill>
+            <a:ln w="50800" cmpd="sng">
+              <a:solidFill>
+                <a:srgbClr val="191919"/>
+              </a:solidFill>
+              <a:miter lim="800000"/>
+            </a:ln>
+            <a:effectLst>
+              <a:innerShdw blurRad="63500" dist="88900" dir="14100000">
+                <a:srgbClr val="000000">
+                  <a:alpha val="30000"/>
+                </a:srgbClr>
+              </a:innerShdw>
+            </a:effectLst>
+            <a:scene3d>
+              <a:camera prst="orthographicFront"/>
+              <a:lightRig rig="threePt" dir="t"/>
+            </a:scene3d>
+            <a:sp3d>
+              <a:bevelT prst="relaxedInset"/>
+            </a:sp3d>
+          </p:spPr>
+          <p:style>
+            <a:lnRef idx="1">
+              <a:schemeClr val="accent1"/>
+            </a:lnRef>
+            <a:fillRef idx="3">
+              <a:schemeClr val="accent1"/>
+            </a:fillRef>
+            <a:effectRef idx="2">
+              <a:schemeClr val="accent1"/>
+            </a:effectRef>
+            <a:fontRef idx="minor">
+              <a:schemeClr val="lt1"/>
+            </a:fontRef>
+          </p:style>
+        </p:sp>
+      </p:grpSp>
       <p:sp>
         <p:nvSpPr>
           <p:cNvPr id="2" name="Title 1"/>
@@ -2188,12 +4046,14 @@
         </p:nvSpPr>
         <p:spPr>
           <a:xfrm>
-            <a:off x="839788" y="457200"/>
-            <a:ext cx="3932237" cy="1600200"/>
+            <a:off x="1451206" y="1129513"/>
+            <a:ext cx="5532328" cy="1830584"/>
           </a:xfrm>
         </p:spPr>
         <p:txBody>
-          <a:bodyPr anchor="b"/>
+          <a:bodyPr anchor="b">
+            <a:normAutofit/>
+          </a:bodyPr>
           <a:lstStyle>
             <a:lvl1pPr>
               <a:defRPr sz="3200"/>
@@ -2201,10 +4061,10 @@
           </a:lstStyle>
           <a:p>
             <a:r>
-              <a:rPr lang="en-US" smtClean="0"/>
+              <a:rPr lang="en-US"/>
               <a:t>Click to edit Master title style</a:t>
             </a:r>
-            <a:endParaRPr lang="en-US"/>
+            <a:endParaRPr lang="en-US" dirty="0"/>
           </a:p>
         </p:txBody>
       </p:sp>
@@ -2212,7 +4072,7 @@
         <p:nvSpPr>
           <p:cNvPr id="3" name="Picture Placeholder 2"/>
           <p:cNvSpPr>
-            <a:spLocks noGrp="1"/>
+            <a:spLocks noGrp="1" noChangeAspect="1"/>
           </p:cNvSpPr>
           <p:nvPr>
             <p:ph type="pic" idx="1"/>
@@ -2220,14 +4080,24 @@
         </p:nvSpPr>
         <p:spPr>
           <a:xfrm>
-            <a:off x="5183188" y="987425"/>
-            <a:ext cx="6172200" cy="4873625"/>
+            <a:off x="8124389" y="1122542"/>
+            <a:ext cx="2791171" cy="3866327"/>
           </a:xfrm>
-        </p:spPr>
-        <p:txBody>
-          <a:bodyPr/>
+          <a:solidFill>
+            <a:schemeClr val="bg1">
+              <a:lumMod val="85000"/>
+            </a:schemeClr>
+          </a:solidFill>
+          <a:ln w="9525" cap="sq">
+            <a:noFill/>
+            <a:miter lim="800000"/>
+          </a:ln>
+          <a:effectLst/>
+        </p:spPr>
+        <p:txBody>
+          <a:bodyPr anchor="t"/>
           <a:lstStyle>
-            <a:lvl1pPr marL="0" indent="0">
+            <a:lvl1pPr marL="0" indent="0" algn="ctr">
               <a:buNone/>
               <a:defRPr sz="3200"/>
             </a:lvl1pPr>
@@ -2265,7 +4135,11 @@
             </a:lvl9pPr>
           </a:lstStyle>
           <a:p>
-            <a:endParaRPr lang="en-US"/>
+            <a:r>
+              <a:rPr lang="en-US"/>
+              <a:t>Click icon to add picture</a:t>
+            </a:r>
+            <a:endParaRPr lang="en-US" dirty="0"/>
           </a:p>
         </p:txBody>
       </p:sp>
@@ -2281,16 +4155,18 @@
         </p:nvSpPr>
         <p:spPr>
           <a:xfrm>
-            <a:off x="839788" y="2057400"/>
-            <a:ext cx="3932237" cy="3811588"/>
+            <a:off x="1450329" y="3145992"/>
+            <a:ext cx="5524404" cy="2003742"/>
           </a:xfrm>
         </p:spPr>
         <p:txBody>
-          <a:bodyPr/>
+          <a:bodyPr>
+            <a:normAutofit/>
+          </a:bodyPr>
           <a:lstStyle>
-            <a:lvl1pPr marL="0" indent="0">
+            <a:lvl1pPr marL="0" indent="0" algn="l">
               <a:buNone/>
-              <a:defRPr sz="1600"/>
+              <a:defRPr sz="1800"/>
             </a:lvl1pPr>
             <a:lvl2pPr marL="457200" indent="0">
               <a:buNone/>
@@ -2328,7 +4204,7 @@
           <a:p>
             <a:pPr lvl="0"/>
             <a:r>
-              <a:rPr lang="en-US" smtClean="0"/>
+              <a:rPr lang="en-US"/>
               <a:t>Click to edit Master text styles</a:t>
             </a:r>
           </a:p>
@@ -2344,14 +4220,23 @@
             <p:ph type="dt" sz="half" idx="10"/>
           </p:nvPr>
         </p:nvSpPr>
-        <p:spPr/>
+        <p:spPr>
+          <a:xfrm>
+            <a:off x="1447382" y="5469856"/>
+            <a:ext cx="5527351" cy="320123"/>
+          </a:xfrm>
+        </p:spPr>
         <p:txBody>
           <a:bodyPr/>
-          <a:lstStyle/>
+          <a:lstStyle>
+            <a:lvl1pPr algn="l">
+              <a:defRPr/>
+            </a:lvl1pPr>
+          </a:lstStyle>
           <a:p>
             <a:fld id="{98A5786E-8619-4C9D-9EB7-92F804D240B0}" type="datetimeFigureOut">
               <a:rPr lang="en-US" smtClean="0"/>
-              <a:t>8/7/2019</a:t>
+              <a:t>8/8/2019</a:t>
             </a:fld>
             <a:endParaRPr lang="en-US"/>
           </a:p>
@@ -2367,7 +4252,12 @@
             <p:ph type="ftr" sz="quarter" idx="11"/>
           </p:nvPr>
         </p:nvSpPr>
-        <p:spPr/>
+        <p:spPr>
+          <a:xfrm>
+            <a:off x="1447382" y="318640"/>
+            <a:ext cx="5541004" cy="320931"/>
+          </a:xfrm>
+        </p:spPr>
         <p:txBody>
           <a:bodyPr/>
           <a:lstStyle/>
@@ -2399,10 +4289,41 @@
           </a:p>
         </p:txBody>
       </p:sp>
+      <p:cxnSp>
+        <p:nvCxnSpPr>
+          <p:cNvPr id="31" name="Straight Connector 30"/>
+          <p:cNvCxnSpPr/>
+          <p:nvPr/>
+        </p:nvCxnSpPr>
+        <p:spPr>
+          <a:xfrm>
+            <a:off x="1447382" y="3143605"/>
+            <a:ext cx="5527351" cy="0"/>
+          </a:xfrm>
+          <a:prstGeom prst="line">
+            <a:avLst/>
+          </a:prstGeom>
+          <a:ln w="31750"/>
+        </p:spPr>
+        <p:style>
+          <a:lnRef idx="3">
+            <a:schemeClr val="accent1"/>
+          </a:lnRef>
+          <a:fillRef idx="0">
+            <a:schemeClr val="accent1"/>
+          </a:fillRef>
+          <a:effectRef idx="2">
+            <a:schemeClr val="accent1"/>
+          </a:effectRef>
+          <a:fontRef idx="minor">
+            <a:schemeClr val="tx1"/>
+          </a:fontRef>
+        </p:style>
+      </p:cxnSp>
     </p:spTree>
     <p:extLst>
       <p:ext uri="{BB962C8B-B14F-4D97-AF65-F5344CB8AC3E}">
-        <p14:creationId xmlns:p14="http://schemas.microsoft.com/office/powerpoint/2010/main" val="995409428"/>
+        <p14:creationId xmlns:p14="http://schemas.microsoft.com/office/powerpoint/2010/main" val="4167563049"/>
       </p:ext>
     </p:extLst>
   </p:cSld>
@@ -2416,8 +4337,8 @@
 <p:sldMaster xmlns:a="http://schemas.openxmlformats.org/drawingml/2006/main" xmlns:r="http://schemas.openxmlformats.org/officeDocument/2006/relationships" xmlns:p="http://schemas.openxmlformats.org/presentationml/2006/main">
   <p:cSld>
     <p:bg>
-      <p:bgRef idx="1001">
-        <a:schemeClr val="bg1"/>
+      <p:bgRef idx="1003">
+        <a:schemeClr val="bg2"/>
       </p:bgRef>
     </p:bg>
     <p:spTree>
@@ -2436,123 +4357,201 @@
       </p:grpSpPr>
       <p:sp>
         <p:nvSpPr>
-          <p:cNvPr id="2" name="Title Placeholder 1"/>
-          <p:cNvSpPr>
-            <a:spLocks noGrp="1"/>
-          </p:cNvSpPr>
-          <p:nvPr>
-            <p:ph type="title"/>
-          </p:nvPr>
+          <p:cNvPr id="8" name="Rectangle 7"/>
+          <p:cNvSpPr/>
+          <p:nvPr/>
         </p:nvSpPr>
         <p:spPr>
           <a:xfrm>
-            <a:off x="838200" y="365125"/>
-            <a:ext cx="10515600" cy="1325563"/>
+            <a:off x="0" y="2019476"/>
+            <a:ext cx="12192000" cy="4105941"/>
           </a:xfrm>
           <a:prstGeom prst="rect">
             <a:avLst/>
           </a:prstGeom>
-        </p:spPr>
-        <p:txBody>
-          <a:bodyPr vert="horz" lIns="91440" tIns="45720" rIns="91440" bIns="45720" rtlCol="0" anchor="ctr">
-            <a:normAutofit/>
-          </a:bodyPr>
-          <a:lstStyle/>
-          <a:p>
-            <a:r>
-              <a:rPr lang="en-US" smtClean="0"/>
-              <a:t>Click to edit Master title style</a:t>
-            </a:r>
-            <a:endParaRPr lang="en-US"/>
-          </a:p>
-        </p:txBody>
-      </p:sp>
-      <p:sp>
-        <p:nvSpPr>
-          <p:cNvPr id="3" name="Text Placeholder 2"/>
-          <p:cNvSpPr>
-            <a:spLocks noGrp="1"/>
-          </p:cNvSpPr>
-          <p:nvPr>
-            <p:ph type="body" idx="1"/>
-          </p:nvPr>
-        </p:nvSpPr>
-        <p:spPr>
+          <a:gradFill flip="none" rotWithShape="1">
+            <a:gsLst>
+              <a:gs pos="0">
+                <a:schemeClr val="bg2">
+                  <a:alpha val="0"/>
+                </a:schemeClr>
+              </a:gs>
+              <a:gs pos="100000">
+                <a:schemeClr val="bg2"/>
+              </a:gs>
+            </a:gsLst>
+            <a:lin ang="5400000" scaled="0"/>
+            <a:tileRect/>
+          </a:gradFill>
+          <a:ln>
+            <a:noFill/>
+          </a:ln>
+        </p:spPr>
+        <p:style>
+          <a:lnRef idx="2">
+            <a:schemeClr val="accent1">
+              <a:shade val="50000"/>
+            </a:schemeClr>
+          </a:lnRef>
+          <a:fillRef idx="1">
+            <a:schemeClr val="accent1"/>
+          </a:fillRef>
+          <a:effectRef idx="0">
+            <a:schemeClr val="accent1"/>
+          </a:effectRef>
+          <a:fontRef idx="minor">
+            <a:schemeClr val="lt1"/>
+          </a:fontRef>
+        </p:style>
+      </p:sp>
+      <p:pic>
+        <p:nvPicPr>
+          <p:cNvPr id="7" name="Picture 6"/>
+          <p:cNvPicPr>
+            <a:picLocks noChangeAspect="1"/>
+          </p:cNvPicPr>
+          <p:nvPr/>
+        </p:nvPicPr>
+        <p:blipFill rotWithShape="1">
+          <a:blip r:embed="rId13">
+            <a:extLst>
+              <a:ext uri="{28A0092B-C50C-407E-A947-70E740481C1C}">
+                <a14:useLocalDpi xmlns:a14="http://schemas.microsoft.com/office/drawing/2010/main" val="0"/>
+              </a:ext>
+            </a:extLst>
+          </a:blip>
+          <a:srcRect t="1538" b="-1538"/>
+          <a:stretch/>
+        </p:blipFill>
+        <p:spPr bwMode="black">
           <a:xfrm>
-            <a:off x="838200" y="1825625"/>
-            <a:ext cx="10515600" cy="4351338"/>
+            <a:off x="0" y="6126480"/>
+            <a:ext cx="12192000" cy="742950"/>
           </a:xfrm>
           <a:prstGeom prst="rect">
             <a:avLst/>
           </a:prstGeom>
         </p:spPr>
-        <p:txBody>
-          <a:bodyPr vert="horz" lIns="91440" tIns="45720" rIns="91440" bIns="45720" rtlCol="0">
-            <a:normAutofit/>
-          </a:bodyPr>
-          <a:lstStyle/>
-          <a:p>
-            <a:pPr lvl="0"/>
-            <a:r>
-              <a:rPr lang="en-US" smtClean="0"/>
-              <a:t>Click to edit Master text styles</a:t>
-            </a:r>
-          </a:p>
-          <a:p>
-            <a:pPr lvl="1"/>
-            <a:r>
-              <a:rPr lang="en-US" smtClean="0"/>
-              <a:t>Second level</a:t>
-            </a:r>
-          </a:p>
-          <a:p>
-            <a:pPr lvl="2"/>
-            <a:r>
-              <a:rPr lang="en-US" smtClean="0"/>
-              <a:t>Third level</a:t>
-            </a:r>
-          </a:p>
-          <a:p>
-            <a:pPr lvl="3"/>
-            <a:r>
-              <a:rPr lang="en-US" smtClean="0"/>
-              <a:t>Fourth level</a:t>
-            </a:r>
-          </a:p>
-          <a:p>
-            <a:pPr lvl="4"/>
-            <a:r>
-              <a:rPr lang="en-US" smtClean="0"/>
-              <a:t>Fifth level</a:t>
-            </a:r>
-            <a:endParaRPr lang="en-US"/>
-          </a:p>
-        </p:txBody>
-      </p:sp>
-      <p:sp>
-        <p:nvSpPr>
-          <p:cNvPr id="4" name="Date Placeholder 3"/>
+      </p:pic>
+      <p:sp>
+        <p:nvSpPr>
+          <p:cNvPr id="2" name="Title Placeholder 1"/>
           <p:cNvSpPr>
             <a:spLocks noGrp="1"/>
           </p:cNvSpPr>
           <p:nvPr>
-            <p:ph type="dt" sz="half" idx="2"/>
+            <p:ph type="title"/>
           </p:nvPr>
         </p:nvSpPr>
         <p:spPr>
           <a:xfrm>
-            <a:off x="838200" y="6356350"/>
-            <a:ext cx="2743200" cy="365125"/>
+            <a:off x="1451579" y="804519"/>
+            <a:ext cx="9603275" cy="1049235"/>
           </a:xfrm>
           <a:prstGeom prst="rect">
             <a:avLst/>
           </a:prstGeom>
         </p:spPr>
         <p:txBody>
+          <a:bodyPr vert="horz" lIns="91440" tIns="45720" rIns="91440" bIns="45720" rtlCol="0" anchor="t">
+            <a:normAutofit/>
+          </a:bodyPr>
+          <a:lstStyle/>
+          <a:p>
+            <a:r>
+              <a:rPr lang="en-US"/>
+              <a:t>Click to edit Master title style</a:t>
+            </a:r>
+            <a:endParaRPr lang="en-US" dirty="0"/>
+          </a:p>
+        </p:txBody>
+      </p:sp>
+      <p:sp>
+        <p:nvSpPr>
+          <p:cNvPr id="3" name="Text Placeholder 2"/>
+          <p:cNvSpPr>
+            <a:spLocks noGrp="1"/>
+          </p:cNvSpPr>
+          <p:nvPr>
+            <p:ph type="body" idx="1"/>
+          </p:nvPr>
+        </p:nvSpPr>
+        <p:spPr>
+          <a:xfrm>
+            <a:off x="1451579" y="2015732"/>
+            <a:ext cx="9603275" cy="3450613"/>
+          </a:xfrm>
+          <a:prstGeom prst="rect">
+            <a:avLst/>
+          </a:prstGeom>
+        </p:spPr>
+        <p:txBody>
+          <a:bodyPr vert="horz" lIns="91440" tIns="45720" rIns="91440" bIns="45720" rtlCol="0">
+            <a:normAutofit/>
+          </a:bodyPr>
+          <a:lstStyle/>
+          <a:p>
+            <a:pPr lvl="0"/>
+            <a:r>
+              <a:rPr lang="en-US"/>
+              <a:t>Click to edit Master text styles</a:t>
+            </a:r>
+          </a:p>
+          <a:p>
+            <a:pPr lvl="1"/>
+            <a:r>
+              <a:rPr lang="en-US"/>
+              <a:t>Second level</a:t>
+            </a:r>
+          </a:p>
+          <a:p>
+            <a:pPr lvl="2"/>
+            <a:r>
+              <a:rPr lang="en-US"/>
+              <a:t>Third level</a:t>
+            </a:r>
+          </a:p>
+          <a:p>
+            <a:pPr lvl="3"/>
+            <a:r>
+              <a:rPr lang="en-US"/>
+              <a:t>Fourth level</a:t>
+            </a:r>
+          </a:p>
+          <a:p>
+            <a:pPr lvl="4"/>
+            <a:r>
+              <a:rPr lang="en-US"/>
+              <a:t>Fifth level</a:t>
+            </a:r>
+            <a:endParaRPr lang="en-US" dirty="0"/>
+          </a:p>
+        </p:txBody>
+      </p:sp>
+      <p:sp>
+        <p:nvSpPr>
+          <p:cNvPr id="4" name="Date Placeholder 3"/>
+          <p:cNvSpPr>
+            <a:spLocks noGrp="1"/>
+          </p:cNvSpPr>
+          <p:nvPr>
+            <p:ph type="dt" sz="half" idx="2"/>
+          </p:nvPr>
+        </p:nvSpPr>
+        <p:spPr>
+          <a:xfrm>
+            <a:off x="7554138" y="330370"/>
+            <a:ext cx="3500715" cy="309201"/>
+          </a:xfrm>
+          <a:prstGeom prst="rect">
+            <a:avLst/>
+          </a:prstGeom>
+        </p:spPr>
+        <p:txBody>
           <a:bodyPr vert="horz" lIns="91440" tIns="45720" rIns="91440" bIns="45720" rtlCol="0" anchor="ctr"/>
           <a:lstStyle>
-            <a:lvl1pPr algn="l">
-              <a:defRPr sz="1200">
+            <a:lvl1pPr algn="r">
+              <a:defRPr sz="1000">
                 <a:solidFill>
                   <a:schemeClr val="tx1">
                     <a:tint val="75000"/>
@@ -2564,7 +4563,7 @@
           <a:p>
             <a:fld id="{98A5786E-8619-4C9D-9EB7-92F804D240B0}" type="datetimeFigureOut">
               <a:rPr lang="en-US" smtClean="0"/>
-              <a:t>8/7/2019</a:t>
+              <a:t>8/8/2019</a:t>
             </a:fld>
             <a:endParaRPr lang="en-US"/>
           </a:p>
@@ -2582,8 +4581,8 @@
         </p:nvSpPr>
         <p:spPr>
           <a:xfrm>
-            <a:off x="4038600" y="6356350"/>
-            <a:ext cx="4114800" cy="365125"/>
+            <a:off x="1451579" y="329307"/>
+            <a:ext cx="5938836" cy="309201"/>
           </a:xfrm>
           <a:prstGeom prst="rect">
             <a:avLst/>
@@ -2592,8 +4591,8 @@
         <p:txBody>
           <a:bodyPr vert="horz" lIns="91440" tIns="45720" rIns="91440" bIns="45720" rtlCol="0" anchor="ctr"/>
           <a:lstStyle>
-            <a:lvl1pPr algn="ctr">
-              <a:defRPr sz="1200">
+            <a:lvl1pPr algn="l">
+              <a:defRPr sz="1000">
                 <a:solidFill>
                   <a:schemeClr val="tx1">
                     <a:tint val="75000"/>
@@ -2619,22 +4618,20 @@
         </p:nvSpPr>
         <p:spPr>
           <a:xfrm>
-            <a:off x="8610600" y="6356350"/>
-            <a:ext cx="2743200" cy="365125"/>
+            <a:off x="480060" y="798973"/>
+            <a:ext cx="811019" cy="503578"/>
           </a:xfrm>
           <a:prstGeom prst="rect">
             <a:avLst/>
           </a:prstGeom>
         </p:spPr>
         <p:txBody>
-          <a:bodyPr vert="horz" lIns="91440" tIns="45720" rIns="91440" bIns="45720" rtlCol="0" anchor="ctr"/>
+          <a:bodyPr vert="horz" lIns="91440" tIns="45720" rIns="91440" bIns="45720" rtlCol="0" anchor="t"/>
           <a:lstStyle>
             <a:lvl1pPr algn="r">
-              <a:defRPr sz="1200">
+              <a:defRPr sz="2800">
                 <a:solidFill>
-                  <a:schemeClr val="tx1">
-                    <a:tint val="75000"/>
-                  </a:schemeClr>
+                  <a:schemeClr val="accent1"/>
                 </a:solidFill>
               </a:defRPr>
             </a:lvl1pPr>
@@ -2648,26 +4645,63 @@
           </a:p>
         </p:txBody>
       </p:sp>
+      <p:cxnSp>
+        <p:nvCxnSpPr>
+          <p:cNvPr id="10" name="Straight Connector 9"/>
+          <p:cNvCxnSpPr/>
+          <p:nvPr/>
+        </p:nvCxnSpPr>
+        <p:spPr>
+          <a:xfrm>
+            <a:off x="0" y="6128413"/>
+            <a:ext cx="12192000" cy="0"/>
+          </a:xfrm>
+          <a:prstGeom prst="line">
+            <a:avLst/>
+          </a:prstGeom>
+          <a:ln w="12700">
+            <a:solidFill>
+              <a:srgbClr val="000001">
+                <a:alpha val="20000"/>
+              </a:srgbClr>
+            </a:solidFill>
+          </a:ln>
+        </p:spPr>
+        <p:style>
+          <a:lnRef idx="1">
+            <a:schemeClr val="accent1"/>
+          </a:lnRef>
+          <a:fillRef idx="0">
+            <a:schemeClr val="accent1"/>
+          </a:fillRef>
+          <a:effectRef idx="0">
+            <a:schemeClr val="accent1"/>
+          </a:effectRef>
+          <a:fontRef idx="minor">
+            <a:schemeClr val="tx1"/>
+          </a:fontRef>
+        </p:style>
+      </p:cxnSp>
     </p:spTree>
     <p:extLst>
       <p:ext uri="{BB962C8B-B14F-4D97-AF65-F5344CB8AC3E}">
-        <p14:creationId xmlns:p14="http://schemas.microsoft.com/office/powerpoint/2010/main" val="1675782445"/>
+        <p14:creationId xmlns:p14="http://schemas.microsoft.com/office/powerpoint/2010/main" val="2074875646"/>
       </p:ext>
     </p:extLst>
   </p:cSld>
   <p:clrMap bg1="lt1" tx1="dk1" bg2="lt2" tx2="dk2" accent1="accent1" accent2="accent2" accent3="accent3" accent4="accent4" accent5="accent5" accent6="accent6" hlink="hlink" folHlink="folHlink"/>
   <p:sldLayoutIdLst>
-    <p:sldLayoutId id="2147483649" r:id="rId1"/>
-    <p:sldLayoutId id="2147483650" r:id="rId2"/>
-    <p:sldLayoutId id="2147483651" r:id="rId3"/>
-    <p:sldLayoutId id="2147483652" r:id="rId4"/>
-    <p:sldLayoutId id="2147483653" r:id="rId5"/>
-    <p:sldLayoutId id="2147483654" r:id="rId6"/>
-    <p:sldLayoutId id="2147483655" r:id="rId7"/>
-    <p:sldLayoutId id="2147483656" r:id="rId8"/>
-    <p:sldLayoutId id="2147483657" r:id="rId9"/>
-    <p:sldLayoutId id="2147483658" r:id="rId10"/>
-    <p:sldLayoutId id="2147483659" r:id="rId11"/>
+    <p:sldLayoutId id="2147483661" r:id="rId1"/>
+    <p:sldLayoutId id="2147483662" r:id="rId2"/>
+    <p:sldLayoutId id="2147483663" r:id="rId3"/>
+    <p:sldLayoutId id="2147483664" r:id="rId4"/>
+    <p:sldLayoutId id="2147483665" r:id="rId5"/>
+    <p:sldLayoutId id="2147483666" r:id="rId6"/>
+    <p:sldLayoutId id="2147483667" r:id="rId7"/>
+    <p:sldLayoutId id="2147483668" r:id="rId8"/>
+    <p:sldLayoutId id="2147483669" r:id="rId9"/>
+    <p:sldLayoutId id="2147483670" r:id="rId10"/>
+    <p:sldLayoutId id="2147483671" r:id="rId11"/>
   </p:sldLayoutIdLst>
   <p:txStyles>
     <p:titleStyle>
@@ -2679,10 +4713,11 @@
           <a:spcPct val="0"/>
         </a:spcBef>
         <a:buNone/>
-        <a:defRPr sz="4400" kern="1200">
+        <a:defRPr sz="3200" b="0" i="0" kern="1200" cap="all">
           <a:solidFill>
             <a:schemeClr val="tx1"/>
           </a:solidFill>
+          <a:effectLst/>
           <a:latin typeface="+mj-lt"/>
           <a:ea typeface="+mj-ea"/>
           <a:cs typeface="+mj-cs"/>
@@ -2692,17 +4727,22 @@
     <p:bodyStyle>
       <a:lvl1pPr marL="228600" indent="-228600" algn="l" defTabSz="914400" rtl="0" eaLnBrk="1" latinLnBrk="0" hangingPunct="1">
         <a:lnSpc>
-          <a:spcPct val="90000"/>
+          <a:spcPct val="120000"/>
         </a:lnSpc>
         <a:spcBef>
           <a:spcPts val="1000"/>
         </a:spcBef>
+        <a:buClr>
+          <a:schemeClr val="accent1"/>
+        </a:buClr>
+        <a:buSzPct val="100000"/>
         <a:buFont typeface="Arial" panose="020B0604020202020204" pitchFamily="34" charset="0"/>
         <a:buChar char="•"/>
-        <a:defRPr sz="2800" kern="1200">
+        <a:defRPr sz="2000" kern="1200">
           <a:solidFill>
             <a:schemeClr val="tx1"/>
           </a:solidFill>
+          <a:effectLst/>
           <a:latin typeface="+mn-lt"/>
           <a:ea typeface="+mn-ea"/>
           <a:cs typeface="+mn-cs"/>
@@ -2710,17 +4750,22 @@
       </a:lvl1pPr>
       <a:lvl2pPr marL="685800" indent="-228600" algn="l" defTabSz="914400" rtl="0" eaLnBrk="1" latinLnBrk="0" hangingPunct="1">
         <a:lnSpc>
-          <a:spcPct val="90000"/>
+          <a:spcPct val="120000"/>
         </a:lnSpc>
         <a:spcBef>
           <a:spcPts val="500"/>
         </a:spcBef>
+        <a:buClr>
+          <a:schemeClr val="accent1"/>
+        </a:buClr>
+        <a:buSzPct val="100000"/>
         <a:buFont typeface="Arial" panose="020B0604020202020204" pitchFamily="34" charset="0"/>
         <a:buChar char="•"/>
-        <a:defRPr sz="2400" kern="1200">
+        <a:defRPr sz="1800" kern="1200" cap="none" baseline="0">
           <a:solidFill>
             <a:schemeClr val="tx1"/>
           </a:solidFill>
+          <a:effectLst/>
           <a:latin typeface="+mn-lt"/>
           <a:ea typeface="+mn-ea"/>
           <a:cs typeface="+mn-cs"/>
@@ -2728,17 +4773,22 @@
       </a:lvl2pPr>
       <a:lvl3pPr marL="1143000" indent="-228600" algn="l" defTabSz="914400" rtl="0" eaLnBrk="1" latinLnBrk="0" hangingPunct="1">
         <a:lnSpc>
-          <a:spcPct val="90000"/>
+          <a:spcPct val="120000"/>
         </a:lnSpc>
         <a:spcBef>
           <a:spcPts val="500"/>
         </a:spcBef>
+        <a:buClr>
+          <a:schemeClr val="accent1"/>
+        </a:buClr>
+        <a:buSzPct val="100000"/>
         <a:buFont typeface="Arial" panose="020B0604020202020204" pitchFamily="34" charset="0"/>
         <a:buChar char="•"/>
-        <a:defRPr sz="2000" kern="1200">
+        <a:defRPr sz="1600" kern="1200">
           <a:solidFill>
             <a:schemeClr val="tx1"/>
           </a:solidFill>
+          <a:effectLst/>
           <a:latin typeface="+mn-lt"/>
           <a:ea typeface="+mn-ea"/>
           <a:cs typeface="+mn-cs"/>
@@ -2746,17 +4796,22 @@
       </a:lvl3pPr>
       <a:lvl4pPr marL="1600200" indent="-228600" algn="l" defTabSz="914400" rtl="0" eaLnBrk="1" latinLnBrk="0" hangingPunct="1">
         <a:lnSpc>
-          <a:spcPct val="90000"/>
+          <a:spcPct val="120000"/>
         </a:lnSpc>
         <a:spcBef>
           <a:spcPts val="500"/>
         </a:spcBef>
+        <a:buClr>
+          <a:schemeClr val="accent1"/>
+        </a:buClr>
+        <a:buSzPct val="100000"/>
         <a:buFont typeface="Arial" panose="020B0604020202020204" pitchFamily="34" charset="0"/>
         <a:buChar char="•"/>
-        <a:defRPr sz="1800" kern="1200">
+        <a:defRPr sz="1400" kern="1200" cap="none" baseline="0">
           <a:solidFill>
             <a:schemeClr val="tx1"/>
           </a:solidFill>
+          <a:effectLst/>
           <a:latin typeface="+mn-lt"/>
           <a:ea typeface="+mn-ea"/>
           <a:cs typeface="+mn-cs"/>
@@ -2764,17 +4819,22 @@
       </a:lvl4pPr>
       <a:lvl5pPr marL="2057400" indent="-228600" algn="l" defTabSz="914400" rtl="0" eaLnBrk="1" latinLnBrk="0" hangingPunct="1">
         <a:lnSpc>
-          <a:spcPct val="90000"/>
+          <a:spcPct val="120000"/>
         </a:lnSpc>
         <a:spcBef>
           <a:spcPts val="500"/>
         </a:spcBef>
+        <a:buClr>
+          <a:schemeClr val="accent1"/>
+        </a:buClr>
+        <a:buSzPct val="100000"/>
         <a:buFont typeface="Arial" panose="020B0604020202020204" pitchFamily="34" charset="0"/>
         <a:buChar char="•"/>
-        <a:defRPr sz="1800" kern="1200">
+        <a:defRPr sz="1200" kern="1200">
           <a:solidFill>
             <a:schemeClr val="tx1"/>
           </a:solidFill>
+          <a:effectLst/>
           <a:latin typeface="+mn-lt"/>
           <a:ea typeface="+mn-ea"/>
           <a:cs typeface="+mn-cs"/>
@@ -2782,17 +4842,22 @@
       </a:lvl5pPr>
       <a:lvl6pPr marL="2514600" indent="-228600" algn="l" defTabSz="914400" rtl="0" eaLnBrk="1" latinLnBrk="0" hangingPunct="1">
         <a:lnSpc>
-          <a:spcPct val="90000"/>
+          <a:spcPct val="120000"/>
         </a:lnSpc>
         <a:spcBef>
           <a:spcPts val="500"/>
         </a:spcBef>
+        <a:buClr>
+          <a:schemeClr val="accent1"/>
+        </a:buClr>
+        <a:buSzPct val="100000"/>
         <a:buFont typeface="Arial" panose="020B0604020202020204" pitchFamily="34" charset="0"/>
         <a:buChar char="•"/>
-        <a:defRPr sz="1800" kern="1200">
+        <a:defRPr sz="1200" kern="1200">
           <a:solidFill>
             <a:schemeClr val="tx1"/>
           </a:solidFill>
+          <a:effectLst/>
           <a:latin typeface="+mn-lt"/>
           <a:ea typeface="+mn-ea"/>
           <a:cs typeface="+mn-cs"/>
@@ -2800,17 +4865,22 @@
       </a:lvl6pPr>
       <a:lvl7pPr marL="2971800" indent="-228600" algn="l" defTabSz="914400" rtl="0" eaLnBrk="1" latinLnBrk="0" hangingPunct="1">
         <a:lnSpc>
-          <a:spcPct val="90000"/>
+          <a:spcPct val="120000"/>
         </a:lnSpc>
         <a:spcBef>
           <a:spcPts val="500"/>
         </a:spcBef>
+        <a:buClr>
+          <a:schemeClr val="accent1"/>
+        </a:buClr>
+        <a:buSzPct val="100000"/>
         <a:buFont typeface="Arial" panose="020B0604020202020204" pitchFamily="34" charset="0"/>
         <a:buChar char="•"/>
-        <a:defRPr sz="1800" kern="1200">
+        <a:defRPr sz="1200" kern="1200">
           <a:solidFill>
             <a:schemeClr val="tx1"/>
           </a:solidFill>
+          <a:effectLst/>
           <a:latin typeface="+mn-lt"/>
           <a:ea typeface="+mn-ea"/>
           <a:cs typeface="+mn-cs"/>
@@ -2818,17 +4888,22 @@
       </a:lvl7pPr>
       <a:lvl8pPr marL="3429000" indent="-228600" algn="l" defTabSz="914400" rtl="0" eaLnBrk="1" latinLnBrk="0" hangingPunct="1">
         <a:lnSpc>
-          <a:spcPct val="90000"/>
+          <a:spcPct val="120000"/>
         </a:lnSpc>
         <a:spcBef>
           <a:spcPts val="500"/>
         </a:spcBef>
+        <a:buClr>
+          <a:schemeClr val="accent1"/>
+        </a:buClr>
+        <a:buSzPct val="100000"/>
         <a:buFont typeface="Arial" panose="020B0604020202020204" pitchFamily="34" charset="0"/>
         <a:buChar char="•"/>
-        <a:defRPr sz="1800" kern="1200">
+        <a:defRPr sz="1200" kern="1200" baseline="0">
           <a:solidFill>
             <a:schemeClr val="tx1"/>
           </a:solidFill>
+          <a:effectLst/>
           <a:latin typeface="+mn-lt"/>
           <a:ea typeface="+mn-ea"/>
           <a:cs typeface="+mn-cs"/>
@@ -2836,17 +4911,22 @@
       </a:lvl8pPr>
       <a:lvl9pPr marL="3886200" indent="-228600" algn="l" defTabSz="914400" rtl="0" eaLnBrk="1" latinLnBrk="0" hangingPunct="1">
         <a:lnSpc>
-          <a:spcPct val="90000"/>
+          <a:spcPct val="120000"/>
         </a:lnSpc>
         <a:spcBef>
           <a:spcPts val="500"/>
         </a:spcBef>
+        <a:buClr>
+          <a:schemeClr val="accent1"/>
+        </a:buClr>
+        <a:buSzPct val="100000"/>
         <a:buFont typeface="Arial" panose="020B0604020202020204" pitchFamily="34" charset="0"/>
         <a:buChar char="•"/>
-        <a:defRPr sz="1800" kern="1200">
+        <a:defRPr sz="1200" kern="1200" baseline="0">
           <a:solidFill>
             <a:schemeClr val="tx1"/>
           </a:solidFill>
+          <a:effectLst/>
           <a:latin typeface="+mn-lt"/>
           <a:ea typeface="+mn-ea"/>
           <a:cs typeface="+mn-cs"/>
@@ -2979,16 +5059,20 @@
             <p:ph type="ctrTitle"/>
           </p:nvPr>
         </p:nvSpPr>
-        <p:spPr/>
+        <p:spPr>
+          <a:xfrm>
+            <a:off x="1657165" y="92553"/>
+            <a:ext cx="9144000" cy="2387600"/>
+          </a:xfrm>
+        </p:spPr>
         <p:txBody>
           <a:bodyPr/>
           <a:lstStyle/>
           <a:p>
             <a:r>
-              <a:rPr lang="en-US" dirty="0" smtClean="0"/>
+              <a:rPr lang="en-US" b="1" dirty="0"/>
               <a:t>Business Intelligence(BI)</a:t>
             </a:r>
-            <a:endParaRPr lang="en-US" dirty="0"/>
           </a:p>
         </p:txBody>
       </p:sp>
@@ -3002,12 +5086,68 @@
             <p:ph type="subTitle" idx="1"/>
           </p:nvPr>
         </p:nvSpPr>
-        <p:spPr/>
-        <p:txBody>
-          <a:bodyPr/>
-          <a:lstStyle/>
-          <a:p>
-            <a:endParaRPr lang="en-US"/>
+        <p:spPr>
+          <a:xfrm>
+            <a:off x="9262369" y="3602038"/>
+            <a:ext cx="2929631" cy="2505799"/>
+          </a:xfrm>
+        </p:spPr>
+        <p:txBody>
+          <a:bodyPr>
+            <a:normAutofit fontScale="92500" lnSpcReduction="10000"/>
+          </a:bodyPr>
+          <a:lstStyle/>
+          <a:p>
+            <a:pPr algn="l"/>
+            <a:r>
+              <a:rPr lang="en-US" dirty="0"/>
+              <a:t>Group 7:</a:t>
+            </a:r>
+          </a:p>
+          <a:p>
+            <a:pPr algn="l"/>
+            <a:r>
+              <a:rPr lang="en-US" dirty="0"/>
+              <a:t>Satyam Bhorwal </a:t>
+            </a:r>
+          </a:p>
+          <a:p>
+            <a:pPr algn="l"/>
+            <a:r>
+              <a:rPr lang="en-US" dirty="0"/>
+              <a:t>Atish Ghosh</a:t>
+            </a:r>
+          </a:p>
+          <a:p>
+            <a:pPr algn="l"/>
+            <a:r>
+              <a:rPr lang="en-US" dirty="0"/>
+              <a:t>Satyam Sundaram</a:t>
+            </a:r>
+          </a:p>
+          <a:p>
+            <a:pPr algn="l"/>
+            <a:r>
+              <a:rPr lang="en-US" dirty="0"/>
+              <a:t>Kumar </a:t>
+            </a:r>
+            <a:r>
+              <a:rPr lang="en-US" dirty="0" err="1"/>
+              <a:t>Sanu</a:t>
+            </a:r>
+            <a:endParaRPr lang="en-US" dirty="0"/>
+          </a:p>
+          <a:p>
+            <a:pPr algn="l"/>
+            <a:r>
+              <a:rPr lang="en-US" dirty="0"/>
+              <a:t>Prateek </a:t>
+            </a:r>
+            <a:r>
+              <a:rPr lang="en-US" dirty="0" err="1"/>
+              <a:t>Tomar</a:t>
+            </a:r>
+            <a:endParaRPr lang="en-US" dirty="0"/>
           </a:p>
         </p:txBody>
       </p:sp>
@@ -3015,6 +5155,2400 @@
     <p:extLst>
       <p:ext uri="{BB962C8B-B14F-4D97-AF65-F5344CB8AC3E}">
         <p14:creationId xmlns:p14="http://schemas.microsoft.com/office/powerpoint/2010/main" val="4283949560"/>
+      </p:ext>
+    </p:extLst>
+  </p:cSld>
+  <p:clrMapOvr>
+    <a:masterClrMapping/>
+  </p:clrMapOvr>
+</p:sld>
+</file>
+
+<file path=ppt/slides/slide10.xml><?xml version="1.0" encoding="utf-8"?>
+<p:sld xmlns:a="http://schemas.openxmlformats.org/drawingml/2006/main" xmlns:r="http://schemas.openxmlformats.org/officeDocument/2006/relationships" xmlns:p="http://schemas.openxmlformats.org/presentationml/2006/main">
+  <p:cSld>
+    <p:spTree>
+      <p:nvGrpSpPr>
+        <p:cNvPr id="1" name=""/>
+        <p:cNvGrpSpPr/>
+        <p:nvPr/>
+      </p:nvGrpSpPr>
+      <p:grpSpPr>
+        <a:xfrm>
+          <a:off x="0" y="0"/>
+          <a:ext cx="0" cy="0"/>
+          <a:chOff x="0" y="0"/>
+          <a:chExt cx="0" cy="0"/>
+        </a:xfrm>
+      </p:grpSpPr>
+      <p:sp>
+        <p:nvSpPr>
+          <p:cNvPr id="2" name="TextBox 1">
+            <a:extLst>
+              <a:ext uri="{FF2B5EF4-FFF2-40B4-BE49-F238E27FC236}">
+                <a16:creationId xmlns:a16="http://schemas.microsoft.com/office/drawing/2014/main" id="{08F54E8C-A675-49B8-8806-5DDB6E0CA849}"/>
+              </a:ext>
+            </a:extLst>
+          </p:cNvPr>
+          <p:cNvSpPr txBox="1"/>
+          <p:nvPr/>
+        </p:nvSpPr>
+        <p:spPr>
+          <a:xfrm>
+            <a:off x="3319741" y="653172"/>
+            <a:ext cx="2785028" cy="510509"/>
+          </a:xfrm>
+          <a:prstGeom prst="rect">
+            <a:avLst/>
+          </a:prstGeom>
+          <a:noFill/>
+          <a:ln>
+            <a:noFill/>
+          </a:ln>
+        </p:spPr>
+        <p:txBody>
+          <a:bodyPr wrap="none" lIns="81646" tIns="40823" rIns="81646" bIns="40823" compatLnSpc="0">
+            <a:spAutoFit/>
+          </a:bodyPr>
+          <a:lstStyle/>
+          <a:p>
+            <a:pPr hangingPunct="0">
+              <a:defRPr sz="3200" b="1" u="sng">
+                <a:uFillTx/>
+              </a:defRPr>
+            </a:pPr>
+            <a:r>
+              <a:rPr lang="en-US" sz="2903" b="1" u="sng">
+                <a:latin typeface="Arial" pitchFamily="18"/>
+                <a:ea typeface="Andale Sans UI" pitchFamily="2"/>
+                <a:cs typeface="Tahoma" pitchFamily="2"/>
+              </a:rPr>
+              <a:t>ETL CONCEPT</a:t>
+            </a:r>
+          </a:p>
+        </p:txBody>
+      </p:sp>
+      <p:sp>
+        <p:nvSpPr>
+          <p:cNvPr id="3" name="TextBox 2">
+            <a:extLst>
+              <a:ext uri="{FF2B5EF4-FFF2-40B4-BE49-F238E27FC236}">
+                <a16:creationId xmlns:a16="http://schemas.microsoft.com/office/drawing/2014/main" id="{8F5B0F27-E6C2-4665-B23E-25905239BBFD}"/>
+              </a:ext>
+            </a:extLst>
+          </p:cNvPr>
+          <p:cNvSpPr txBox="1"/>
+          <p:nvPr/>
+        </p:nvSpPr>
+        <p:spPr>
+          <a:xfrm>
+            <a:off x="265645" y="2202148"/>
+            <a:ext cx="11392955" cy="2757535"/>
+          </a:xfrm>
+          <a:prstGeom prst="rect">
+            <a:avLst/>
+          </a:prstGeom>
+          <a:noFill/>
+          <a:ln>
+            <a:noFill/>
+          </a:ln>
+        </p:spPr>
+        <p:txBody>
+          <a:bodyPr wrap="square" lIns="81646" tIns="40823" rIns="81646" bIns="40823" compatLnSpc="0">
+            <a:spAutoFit/>
+          </a:bodyPr>
+          <a:lstStyle/>
+          <a:p>
+            <a:pPr hangingPunct="0">
+              <a:buSzPct val="45000"/>
+              <a:defRPr sz="2500"/>
+            </a:pPr>
+            <a:r>
+              <a:rPr lang="en-US" sz="2268" dirty="0">
+                <a:latin typeface="Arial" pitchFamily="18"/>
+                <a:ea typeface="Andale Sans UI" pitchFamily="2"/>
+                <a:cs typeface="Tahoma" pitchFamily="2"/>
+              </a:rPr>
+              <a:t>A company data may be scattered in different locations and in different formats.</a:t>
+            </a:r>
+          </a:p>
+          <a:p>
+            <a:pPr hangingPunct="0">
+              <a:buSzPct val="45000"/>
+              <a:defRPr sz="2500"/>
+            </a:pPr>
+            <a:endParaRPr lang="en-US" sz="2268" dirty="0">
+              <a:latin typeface="Arial" pitchFamily="18"/>
+              <a:ea typeface="Andale Sans UI" pitchFamily="2"/>
+              <a:cs typeface="Tahoma" pitchFamily="2"/>
+            </a:endParaRPr>
+          </a:p>
+          <a:p>
+            <a:pPr hangingPunct="0">
+              <a:buSzPct val="45000"/>
+              <a:defRPr sz="2500"/>
+            </a:pPr>
+            <a:r>
+              <a:rPr lang="en-US" sz="2268" dirty="0">
+                <a:latin typeface="Arial" pitchFamily="18"/>
+                <a:ea typeface="Andale Sans UI" pitchFamily="2"/>
+                <a:cs typeface="Tahoma" pitchFamily="2"/>
+              </a:rPr>
+              <a:t>ETL allows you to:</a:t>
+            </a:r>
+          </a:p>
+          <a:p>
+            <a:pPr hangingPunct="0">
+              <a:defRPr sz="2500"/>
+            </a:pPr>
+            <a:r>
+              <a:rPr lang="en-US" sz="2268" dirty="0">
+                <a:latin typeface="Arial" pitchFamily="18"/>
+                <a:ea typeface="Andale Sans UI" pitchFamily="2"/>
+                <a:cs typeface="Tahoma" pitchFamily="2"/>
+              </a:rPr>
+              <a:t>      1) Migrate the data into a data warehouse.</a:t>
+            </a:r>
+          </a:p>
+          <a:p>
+            <a:pPr hangingPunct="0">
+              <a:defRPr sz="2500"/>
+            </a:pPr>
+            <a:r>
+              <a:rPr lang="en-US" sz="2268" dirty="0">
+                <a:latin typeface="Arial" pitchFamily="18"/>
+                <a:ea typeface="Andale Sans UI" pitchFamily="2"/>
+                <a:cs typeface="Tahoma" pitchFamily="2"/>
+              </a:rPr>
+              <a:t>      2) Convert the various formats and types to adhere to one consistent system.</a:t>
+            </a:r>
+          </a:p>
+          <a:p>
+            <a:pPr hangingPunct="0">
+              <a:defRPr sz="2500"/>
+            </a:pPr>
+            <a:endParaRPr lang="en-US" sz="2268" dirty="0">
+              <a:latin typeface="Arial" pitchFamily="18"/>
+              <a:ea typeface="Andale Sans UI" pitchFamily="2"/>
+              <a:cs typeface="Tahoma" pitchFamily="2"/>
+            </a:endParaRPr>
+          </a:p>
+          <a:p>
+            <a:pPr hangingPunct="0">
+              <a:buSzPct val="45000"/>
+              <a:defRPr sz="2500"/>
+            </a:pPr>
+            <a:r>
+              <a:rPr lang="en-US" sz="2268" dirty="0">
+                <a:latin typeface="Arial" pitchFamily="18"/>
+                <a:ea typeface="Andale Sans UI" pitchFamily="2"/>
+                <a:cs typeface="Tahoma" pitchFamily="2"/>
+              </a:rPr>
+              <a:t>ETL is a predefined process for access and manipulate source data and loading it into a target database.</a:t>
+            </a:r>
+          </a:p>
+        </p:txBody>
+      </p:sp>
+    </p:spTree>
+  </p:cSld>
+  <p:clrMapOvr>
+    <a:masterClrMapping/>
+  </p:clrMapOvr>
+</p:sld>
+</file>
+
+<file path=ppt/slides/slide11.xml><?xml version="1.0" encoding="utf-8"?>
+<p:sld xmlns:a="http://schemas.openxmlformats.org/drawingml/2006/main" xmlns:r="http://schemas.openxmlformats.org/officeDocument/2006/relationships" xmlns:p="http://schemas.openxmlformats.org/presentationml/2006/main">
+  <p:cSld>
+    <p:spTree>
+      <p:nvGrpSpPr>
+        <p:cNvPr id="1" name=""/>
+        <p:cNvGrpSpPr/>
+        <p:nvPr/>
+      </p:nvGrpSpPr>
+      <p:grpSpPr>
+        <a:xfrm>
+          <a:off x="0" y="0"/>
+          <a:ext cx="0" cy="0"/>
+          <a:chOff x="0" y="0"/>
+          <a:chExt cx="0" cy="0"/>
+        </a:xfrm>
+      </p:grpSpPr>
+      <p:sp>
+        <p:nvSpPr>
+          <p:cNvPr id="2" name="TextBox 1">
+            <a:extLst>
+              <a:ext uri="{FF2B5EF4-FFF2-40B4-BE49-F238E27FC236}">
+                <a16:creationId xmlns:a16="http://schemas.microsoft.com/office/drawing/2014/main" id="{5C18E7B3-2828-4556-89CC-ED6516F5E1FF}"/>
+              </a:ext>
+            </a:extLst>
+          </p:cNvPr>
+          <p:cNvSpPr txBox="1"/>
+          <p:nvPr/>
+        </p:nvSpPr>
+        <p:spPr>
+          <a:xfrm>
+            <a:off x="742432" y="924482"/>
+            <a:ext cx="4401559" cy="898501"/>
+          </a:xfrm>
+          <a:prstGeom prst="rect">
+            <a:avLst/>
+          </a:prstGeom>
+          <a:noFill/>
+          <a:ln>
+            <a:noFill/>
+          </a:ln>
+        </p:spPr>
+        <p:txBody>
+          <a:bodyPr wrap="none" lIns="81646" tIns="40823" rIns="81646" bIns="40823" compatLnSpc="0">
+            <a:spAutoFit/>
+          </a:bodyPr>
+          <a:lstStyle/>
+          <a:p>
+            <a:pPr hangingPunct="0"/>
+            <a:r>
+              <a:rPr lang="en-US" sz="2268" b="1" dirty="0">
+                <a:latin typeface="Arial" pitchFamily="18"/>
+                <a:ea typeface="Andale Sans UI" pitchFamily="2"/>
+                <a:cs typeface="Tahoma" pitchFamily="2"/>
+              </a:rPr>
+              <a:t>Extract</a:t>
+            </a:r>
+          </a:p>
+          <a:p>
+            <a:pPr hangingPunct="0"/>
+            <a:endParaRPr lang="en-US" sz="1633" dirty="0">
+              <a:latin typeface="Arial" pitchFamily="18"/>
+              <a:ea typeface="Andale Sans UI" pitchFamily="2"/>
+              <a:cs typeface="Tahoma" pitchFamily="2"/>
+            </a:endParaRPr>
+          </a:p>
+          <a:p>
+            <a:pPr hangingPunct="0"/>
+            <a:r>
+              <a:rPr lang="en-US" sz="1633" dirty="0">
+                <a:latin typeface="Arial" pitchFamily="18"/>
+                <a:ea typeface="Andale Sans UI" pitchFamily="2"/>
+                <a:cs typeface="Tahoma" pitchFamily="2"/>
+              </a:rPr>
+              <a:t>The process of reading data from a database.</a:t>
+            </a:r>
+          </a:p>
+        </p:txBody>
+      </p:sp>
+      <p:sp>
+        <p:nvSpPr>
+          <p:cNvPr id="3" name="Straight Connector 2">
+            <a:extLst>
+              <a:ext uri="{FF2B5EF4-FFF2-40B4-BE49-F238E27FC236}">
+                <a16:creationId xmlns:a16="http://schemas.microsoft.com/office/drawing/2014/main" id="{B6ADEE1F-A087-42E5-BB67-DDDAD365D1CA}"/>
+              </a:ext>
+            </a:extLst>
+          </p:cNvPr>
+          <p:cNvSpPr/>
+          <p:nvPr/>
+        </p:nvSpPr>
+        <p:spPr>
+          <a:xfrm>
+            <a:off x="2841052" y="1999993"/>
+            <a:ext cx="1469635" cy="979756"/>
+          </a:xfrm>
+          <a:prstGeom prst="line">
+            <a:avLst/>
+          </a:prstGeom>
+          <a:noFill/>
+          <a:ln w="0">
+            <a:solidFill>
+              <a:srgbClr val="000000"/>
+            </a:solidFill>
+            <a:prstDash val="solid"/>
+            <a:tailEnd type="arrow"/>
+          </a:ln>
+        </p:spPr>
+        <p:txBody>
+          <a:bodyPr wrap="none" lIns="81646" tIns="40823" rIns="81646" bIns="40823" anchor="ctr" anchorCtr="1" compatLnSpc="0"/>
+          <a:lstStyle/>
+          <a:p>
+            <a:pPr hangingPunct="0"/>
+            <a:endParaRPr lang="en-US" sz="1633">
+              <a:latin typeface="Arial" pitchFamily="18"/>
+              <a:ea typeface="Andale Sans UI" pitchFamily="2"/>
+              <a:cs typeface="Tahoma" pitchFamily="2"/>
+            </a:endParaRPr>
+          </a:p>
+        </p:txBody>
+      </p:sp>
+      <p:sp>
+        <p:nvSpPr>
+          <p:cNvPr id="4" name="TextBox 3">
+            <a:extLst>
+              <a:ext uri="{FF2B5EF4-FFF2-40B4-BE49-F238E27FC236}">
+                <a16:creationId xmlns:a16="http://schemas.microsoft.com/office/drawing/2014/main" id="{0D1DB5B5-7B4F-4CB3-8820-4ED1B4E5C368}"/>
+              </a:ext>
+            </a:extLst>
+          </p:cNvPr>
+          <p:cNvSpPr txBox="1"/>
+          <p:nvPr/>
+        </p:nvSpPr>
+        <p:spPr>
+          <a:xfrm>
+            <a:off x="4229042" y="2979749"/>
+            <a:ext cx="5448834" cy="898501"/>
+          </a:xfrm>
+          <a:prstGeom prst="rect">
+            <a:avLst/>
+          </a:prstGeom>
+          <a:noFill/>
+          <a:ln>
+            <a:noFill/>
+          </a:ln>
+        </p:spPr>
+        <p:txBody>
+          <a:bodyPr wrap="none" lIns="81646" tIns="40823" rIns="81646" bIns="40823" compatLnSpc="0">
+            <a:spAutoFit/>
+          </a:bodyPr>
+          <a:lstStyle/>
+          <a:p>
+            <a:pPr hangingPunct="0"/>
+            <a:r>
+              <a:rPr lang="en-US" sz="2268" b="1" dirty="0">
+                <a:latin typeface="Arial" pitchFamily="18"/>
+                <a:ea typeface="Andale Sans UI" pitchFamily="2"/>
+                <a:cs typeface="Tahoma" pitchFamily="2"/>
+              </a:rPr>
+              <a:t>Transform</a:t>
+            </a:r>
+          </a:p>
+          <a:p>
+            <a:pPr hangingPunct="0"/>
+            <a:endParaRPr lang="en-US" sz="1633" dirty="0">
+              <a:latin typeface="Arial" pitchFamily="18"/>
+              <a:ea typeface="Andale Sans UI" pitchFamily="2"/>
+              <a:cs typeface="Tahoma" pitchFamily="2"/>
+            </a:endParaRPr>
+          </a:p>
+          <a:p>
+            <a:pPr hangingPunct="0"/>
+            <a:r>
+              <a:rPr lang="en-US" sz="1633" dirty="0">
+                <a:latin typeface="Arial" pitchFamily="18"/>
+                <a:ea typeface="Andale Sans UI" pitchFamily="2"/>
+                <a:cs typeface="Tahoma" pitchFamily="2"/>
+              </a:rPr>
+              <a:t>The process of converting data from one form to another.</a:t>
+            </a:r>
+          </a:p>
+        </p:txBody>
+      </p:sp>
+      <p:sp>
+        <p:nvSpPr>
+          <p:cNvPr id="5" name="Straight Connector 4">
+            <a:extLst>
+              <a:ext uri="{FF2B5EF4-FFF2-40B4-BE49-F238E27FC236}">
+                <a16:creationId xmlns:a16="http://schemas.microsoft.com/office/drawing/2014/main" id="{2786C2AF-D2AE-41C7-8A74-A98282840800}"/>
+              </a:ext>
+            </a:extLst>
+          </p:cNvPr>
+          <p:cNvSpPr/>
+          <p:nvPr/>
+        </p:nvSpPr>
+        <p:spPr>
+          <a:xfrm flipH="1">
+            <a:off x="2759407" y="4120194"/>
+            <a:ext cx="1632927" cy="1143049"/>
+          </a:xfrm>
+          <a:prstGeom prst="line">
+            <a:avLst/>
+          </a:prstGeom>
+          <a:noFill/>
+          <a:ln w="0">
+            <a:solidFill>
+              <a:srgbClr val="000000"/>
+            </a:solidFill>
+            <a:prstDash val="solid"/>
+            <a:tailEnd type="arrow"/>
+          </a:ln>
+        </p:spPr>
+        <p:txBody>
+          <a:bodyPr wrap="none" lIns="81646" tIns="40823" rIns="81646" bIns="40823" anchor="ctr" anchorCtr="1" compatLnSpc="0"/>
+          <a:lstStyle/>
+          <a:p>
+            <a:pPr hangingPunct="0"/>
+            <a:endParaRPr lang="en-US" sz="1633">
+              <a:latin typeface="Arial" pitchFamily="18"/>
+              <a:ea typeface="Andale Sans UI" pitchFamily="2"/>
+              <a:cs typeface="Tahoma" pitchFamily="2"/>
+            </a:endParaRPr>
+          </a:p>
+        </p:txBody>
+      </p:sp>
+      <p:sp>
+        <p:nvSpPr>
+          <p:cNvPr id="6" name="TextBox 5">
+            <a:extLst>
+              <a:ext uri="{FF2B5EF4-FFF2-40B4-BE49-F238E27FC236}">
+                <a16:creationId xmlns:a16="http://schemas.microsoft.com/office/drawing/2014/main" id="{DA1477A0-AD41-4E64-8E94-19F5F1E0EB90}"/>
+              </a:ext>
+            </a:extLst>
+          </p:cNvPr>
+          <p:cNvSpPr txBox="1"/>
+          <p:nvPr/>
+        </p:nvSpPr>
+        <p:spPr>
+          <a:xfrm>
+            <a:off x="963187" y="5099950"/>
+            <a:ext cx="859692" cy="898501"/>
+          </a:xfrm>
+          <a:prstGeom prst="rect">
+            <a:avLst/>
+          </a:prstGeom>
+          <a:noFill/>
+          <a:ln>
+            <a:noFill/>
+          </a:ln>
+        </p:spPr>
+        <p:txBody>
+          <a:bodyPr wrap="none" lIns="81646" tIns="40823" rIns="81646" bIns="40823" compatLnSpc="0">
+            <a:spAutoFit/>
+          </a:bodyPr>
+          <a:lstStyle/>
+          <a:p>
+            <a:pPr hangingPunct="0"/>
+            <a:r>
+              <a:rPr lang="en-US" sz="2268" b="1">
+                <a:latin typeface="Arial" pitchFamily="18"/>
+                <a:ea typeface="Andale Sans UI" pitchFamily="2"/>
+                <a:cs typeface="Tahoma" pitchFamily="2"/>
+              </a:rPr>
+              <a:t>Load</a:t>
+            </a:r>
+          </a:p>
+          <a:p>
+            <a:pPr hangingPunct="0"/>
+            <a:endParaRPr lang="en-US" sz="1633">
+              <a:latin typeface="Arial" pitchFamily="18"/>
+              <a:ea typeface="Andale Sans UI" pitchFamily="2"/>
+              <a:cs typeface="Tahoma" pitchFamily="2"/>
+            </a:endParaRPr>
+          </a:p>
+          <a:p>
+            <a:pPr hangingPunct="0"/>
+            <a:endParaRPr lang="en-US" sz="1633">
+              <a:latin typeface="Arial" pitchFamily="18"/>
+              <a:ea typeface="Andale Sans UI" pitchFamily="2"/>
+              <a:cs typeface="Tahoma" pitchFamily="2"/>
+            </a:endParaRPr>
+          </a:p>
+        </p:txBody>
+      </p:sp>
+      <p:sp>
+        <p:nvSpPr>
+          <p:cNvPr id="7" name="TextBox 6">
+            <a:extLst>
+              <a:ext uri="{FF2B5EF4-FFF2-40B4-BE49-F238E27FC236}">
+                <a16:creationId xmlns:a16="http://schemas.microsoft.com/office/drawing/2014/main" id="{99F9E516-9DEF-4BEF-B96C-DEFE890017FF}"/>
+              </a:ext>
+            </a:extLst>
+          </p:cNvPr>
+          <p:cNvSpPr txBox="1"/>
+          <p:nvPr/>
+        </p:nvSpPr>
+        <p:spPr>
+          <a:xfrm>
+            <a:off x="963188" y="5635551"/>
+            <a:ext cx="4936962" cy="323278"/>
+          </a:xfrm>
+          <a:prstGeom prst="rect">
+            <a:avLst/>
+          </a:prstGeom>
+          <a:noFill/>
+          <a:ln>
+            <a:noFill/>
+          </a:ln>
+        </p:spPr>
+        <p:txBody>
+          <a:bodyPr wrap="none" lIns="81646" tIns="40823" rIns="81646" bIns="40823" anchorCtr="0" compatLnSpc="0">
+            <a:spAutoFit/>
+          </a:bodyPr>
+          <a:lstStyle/>
+          <a:p>
+            <a:pPr hangingPunct="0"/>
+            <a:r>
+              <a:rPr lang="en-US" sz="1633">
+                <a:latin typeface="Arial" pitchFamily="18"/>
+                <a:ea typeface="Andale Sans UI" pitchFamily="2"/>
+                <a:cs typeface="Tahoma" pitchFamily="2"/>
+              </a:rPr>
+              <a:t>The process of writing data into the target database</a:t>
+            </a:r>
+          </a:p>
+        </p:txBody>
+      </p:sp>
+    </p:spTree>
+  </p:cSld>
+  <p:clrMapOvr>
+    <a:masterClrMapping/>
+  </p:clrMapOvr>
+</p:sld>
+</file>
+
+<file path=ppt/slides/slide12.xml><?xml version="1.0" encoding="utf-8"?>
+<p:sld xmlns:a="http://schemas.openxmlformats.org/drawingml/2006/main" xmlns:r="http://schemas.openxmlformats.org/officeDocument/2006/relationships" xmlns:p="http://schemas.openxmlformats.org/presentationml/2006/main">
+  <p:cSld>
+    <p:spTree>
+      <p:nvGrpSpPr>
+        <p:cNvPr id="1" name=""/>
+        <p:cNvGrpSpPr/>
+        <p:nvPr/>
+      </p:nvGrpSpPr>
+      <p:grpSpPr>
+        <a:xfrm>
+          <a:off x="0" y="0"/>
+          <a:ext cx="0" cy="0"/>
+          <a:chOff x="0" y="0"/>
+          <a:chExt cx="0" cy="0"/>
+        </a:xfrm>
+      </p:grpSpPr>
+      <p:sp>
+        <p:nvSpPr>
+          <p:cNvPr id="2" name="TextBox 1">
+            <a:extLst>
+              <a:ext uri="{FF2B5EF4-FFF2-40B4-BE49-F238E27FC236}">
+                <a16:creationId xmlns:a16="http://schemas.microsoft.com/office/drawing/2014/main" id="{7D4A50F9-6C6C-45A3-81EB-0AA1789413FD}"/>
+              </a:ext>
+            </a:extLst>
+          </p:cNvPr>
+          <p:cNvSpPr txBox="1"/>
+          <p:nvPr/>
+        </p:nvSpPr>
+        <p:spPr>
+          <a:xfrm>
+            <a:off x="571604" y="606786"/>
+            <a:ext cx="2584844" cy="510509"/>
+          </a:xfrm>
+          <a:prstGeom prst="rect">
+            <a:avLst/>
+          </a:prstGeom>
+          <a:noFill/>
+          <a:ln>
+            <a:noFill/>
+          </a:ln>
+        </p:spPr>
+        <p:txBody>
+          <a:bodyPr wrap="none" lIns="81646" tIns="40823" rIns="81646" bIns="40823" compatLnSpc="0">
+            <a:spAutoFit/>
+          </a:bodyPr>
+          <a:lstStyle/>
+          <a:p>
+            <a:pPr hangingPunct="0">
+              <a:defRPr sz="3200" b="1" i="0" u="sng">
+                <a:uFillTx/>
+              </a:defRPr>
+            </a:pPr>
+            <a:r>
+              <a:rPr lang="en-US" sz="2903" b="1" u="sng" dirty="0">
+                <a:latin typeface="Arial" pitchFamily="18"/>
+                <a:ea typeface="Andale Sans UI" pitchFamily="2"/>
+                <a:cs typeface="Tahoma" pitchFamily="2"/>
+              </a:rPr>
+              <a:t>EXTRACTION</a:t>
+            </a:r>
+          </a:p>
+        </p:txBody>
+      </p:sp>
+      <p:sp>
+        <p:nvSpPr>
+          <p:cNvPr id="3" name="TextBox 2">
+            <a:extLst>
+              <a:ext uri="{FF2B5EF4-FFF2-40B4-BE49-F238E27FC236}">
+                <a16:creationId xmlns:a16="http://schemas.microsoft.com/office/drawing/2014/main" id="{9B869281-2244-401B-848A-84C77F3576C8}"/>
+              </a:ext>
+            </a:extLst>
+          </p:cNvPr>
+          <p:cNvSpPr txBox="1"/>
+          <p:nvPr/>
+        </p:nvSpPr>
+        <p:spPr>
+          <a:xfrm>
+            <a:off x="571604" y="1567159"/>
+            <a:ext cx="7146093" cy="1861841"/>
+          </a:xfrm>
+          <a:prstGeom prst="rect">
+            <a:avLst/>
+          </a:prstGeom>
+          <a:noFill/>
+          <a:ln>
+            <a:noFill/>
+          </a:ln>
+        </p:spPr>
+        <p:txBody>
+          <a:bodyPr wrap="none" lIns="81646" tIns="40823" rIns="81646" bIns="40823" compatLnSpc="0">
+            <a:spAutoFit/>
+          </a:bodyPr>
+          <a:lstStyle/>
+          <a:p>
+            <a:pPr hangingPunct="0"/>
+            <a:r>
+              <a:rPr lang="en-US" sz="2268" b="1" dirty="0">
+                <a:latin typeface="Arial" pitchFamily="18"/>
+                <a:ea typeface="Andale Sans UI" pitchFamily="2"/>
+                <a:cs typeface="Tahoma" pitchFamily="2"/>
+              </a:rPr>
+              <a:t>Gathering the data</a:t>
+            </a:r>
+          </a:p>
+          <a:p>
+            <a:pPr hangingPunct="0"/>
+            <a:r>
+              <a:rPr lang="en-US" sz="1633" dirty="0">
+                <a:latin typeface="Arial" pitchFamily="18"/>
+                <a:ea typeface="Andale Sans UI" pitchFamily="2"/>
+                <a:cs typeface="Tahoma" pitchFamily="2"/>
+              </a:rPr>
+              <a:t> </a:t>
+            </a:r>
+          </a:p>
+          <a:p>
+            <a:pPr hangingPunct="0">
+              <a:buSzPct val="45000"/>
+              <a:buFont typeface="OpenSymbol"/>
+              <a:buChar char="●"/>
+            </a:pPr>
+            <a:r>
+              <a:rPr lang="en-US" sz="1633" dirty="0">
+                <a:latin typeface="Arial" pitchFamily="18"/>
+                <a:ea typeface="Andale Sans UI" pitchFamily="2"/>
+                <a:cs typeface="Tahoma" pitchFamily="2"/>
+              </a:rPr>
+              <a:t>Raw data that was written directly into the disk</a:t>
+            </a:r>
+          </a:p>
+          <a:p>
+            <a:pPr hangingPunct="0">
+              <a:buSzPct val="45000"/>
+              <a:buFont typeface="OpenSymbol"/>
+              <a:buChar char="●"/>
+            </a:pPr>
+            <a:endParaRPr lang="en-US" sz="1633" dirty="0">
+              <a:latin typeface="Arial" pitchFamily="18"/>
+              <a:ea typeface="Andale Sans UI" pitchFamily="2"/>
+              <a:cs typeface="Tahoma" pitchFamily="2"/>
+            </a:endParaRPr>
+          </a:p>
+          <a:p>
+            <a:pPr hangingPunct="0">
+              <a:buSzPct val="45000"/>
+              <a:buFont typeface="OpenSymbol"/>
+              <a:buChar char="●"/>
+            </a:pPr>
+            <a:r>
+              <a:rPr lang="en-US" sz="1633" dirty="0">
+                <a:latin typeface="Arial" pitchFamily="18"/>
+                <a:ea typeface="Andale Sans UI" pitchFamily="2"/>
+                <a:cs typeface="Tahoma" pitchFamily="2"/>
+              </a:rPr>
+              <a:t>Data written to flat files or relational tables from structured source systems.</a:t>
+            </a:r>
+          </a:p>
+          <a:p>
+            <a:pPr hangingPunct="0">
+              <a:buSzPct val="45000"/>
+              <a:buFont typeface="OpenSymbol"/>
+              <a:buChar char="●"/>
+            </a:pPr>
+            <a:endParaRPr lang="en-US" sz="1633" dirty="0">
+              <a:latin typeface="Arial" pitchFamily="18"/>
+              <a:ea typeface="Andale Sans UI" pitchFamily="2"/>
+              <a:cs typeface="Tahoma" pitchFamily="2"/>
+            </a:endParaRPr>
+          </a:p>
+          <a:p>
+            <a:pPr hangingPunct="0">
+              <a:buSzPct val="45000"/>
+              <a:buFont typeface="OpenSymbol"/>
+              <a:buChar char="●"/>
+            </a:pPr>
+            <a:r>
+              <a:rPr lang="en-US" sz="1633" dirty="0">
+                <a:latin typeface="Arial" pitchFamily="18"/>
+                <a:ea typeface="Andale Sans UI" pitchFamily="2"/>
+                <a:cs typeface="Tahoma" pitchFamily="2"/>
+              </a:rPr>
+              <a:t>Data can be read multiple times, if needed.</a:t>
+            </a:r>
+          </a:p>
+        </p:txBody>
+      </p:sp>
+      <p:sp>
+        <p:nvSpPr>
+          <p:cNvPr id="4" name="TextBox 3">
+            <a:extLst>
+              <a:ext uri="{FF2B5EF4-FFF2-40B4-BE49-F238E27FC236}">
+                <a16:creationId xmlns:a16="http://schemas.microsoft.com/office/drawing/2014/main" id="{C3C42064-51C5-45A0-BB98-D358B69AD10D}"/>
+              </a:ext>
+            </a:extLst>
+          </p:cNvPr>
+          <p:cNvSpPr txBox="1"/>
+          <p:nvPr/>
+        </p:nvSpPr>
+        <p:spPr>
+          <a:xfrm>
+            <a:off x="571604" y="3725706"/>
+            <a:ext cx="4424194" cy="1380171"/>
+          </a:xfrm>
+          <a:prstGeom prst="rect">
+            <a:avLst/>
+          </a:prstGeom>
+          <a:noFill/>
+          <a:ln>
+            <a:noFill/>
+          </a:ln>
+        </p:spPr>
+        <p:txBody>
+          <a:bodyPr wrap="none" lIns="81646" tIns="40823" rIns="81646" bIns="40823" compatLnSpc="0">
+            <a:spAutoFit/>
+          </a:bodyPr>
+          <a:lstStyle/>
+          <a:p>
+            <a:pPr hangingPunct="0"/>
+            <a:r>
+              <a:rPr lang="en-US" sz="2268" b="1" dirty="0">
+                <a:latin typeface="Arial" pitchFamily="18"/>
+                <a:ea typeface="Andale Sans UI" pitchFamily="2"/>
+                <a:cs typeface="Tahoma" pitchFamily="2"/>
+              </a:rPr>
+              <a:t>Cleansing the data</a:t>
+            </a:r>
+          </a:p>
+          <a:p>
+            <a:pPr hangingPunct="0"/>
+            <a:endParaRPr lang="en-US" sz="1633" dirty="0">
+              <a:latin typeface="Arial" pitchFamily="18"/>
+              <a:ea typeface="Andale Sans UI" pitchFamily="2"/>
+              <a:cs typeface="Tahoma" pitchFamily="2"/>
+            </a:endParaRPr>
+          </a:p>
+          <a:p>
+            <a:pPr hangingPunct="0">
+              <a:buSzPct val="45000"/>
+              <a:buFont typeface="OpenSymbol"/>
+              <a:buChar char="●"/>
+            </a:pPr>
+            <a:r>
+              <a:rPr lang="en-US" sz="1633" dirty="0">
+                <a:latin typeface="Arial" pitchFamily="18"/>
+                <a:ea typeface="Andale Sans UI" pitchFamily="2"/>
+                <a:cs typeface="Tahoma" pitchFamily="2"/>
+              </a:rPr>
+              <a:t>Eliminating duplicates or fragmented data</a:t>
+            </a:r>
+          </a:p>
+          <a:p>
+            <a:pPr hangingPunct="0"/>
+            <a:endParaRPr lang="en-US" sz="1633" dirty="0">
+              <a:latin typeface="Arial" pitchFamily="18"/>
+              <a:ea typeface="Andale Sans UI" pitchFamily="2"/>
+              <a:cs typeface="Tahoma" pitchFamily="2"/>
+            </a:endParaRPr>
+          </a:p>
+          <a:p>
+            <a:pPr hangingPunct="0">
+              <a:buSzPct val="45000"/>
+              <a:buFont typeface="OpenSymbol"/>
+              <a:buChar char="●"/>
+            </a:pPr>
+            <a:r>
+              <a:rPr lang="en-US" sz="1633" dirty="0">
+                <a:latin typeface="Arial" pitchFamily="18"/>
+                <a:ea typeface="Andale Sans UI" pitchFamily="2"/>
+                <a:cs typeface="Tahoma" pitchFamily="2"/>
+              </a:rPr>
+              <a:t>Exclude unwanted and unneeded information</a:t>
+            </a:r>
+          </a:p>
+        </p:txBody>
+      </p:sp>
+    </p:spTree>
+  </p:cSld>
+  <p:clrMapOvr>
+    <a:masterClrMapping/>
+  </p:clrMapOvr>
+</p:sld>
+</file>
+
+<file path=ppt/slides/slide13.xml><?xml version="1.0" encoding="utf-8"?>
+<p:sld xmlns:a="http://schemas.openxmlformats.org/drawingml/2006/main" xmlns:r="http://schemas.openxmlformats.org/officeDocument/2006/relationships" xmlns:p="http://schemas.openxmlformats.org/presentationml/2006/main">
+  <p:cSld>
+    <p:spTree>
+      <p:nvGrpSpPr>
+        <p:cNvPr id="1" name=""/>
+        <p:cNvGrpSpPr/>
+        <p:nvPr/>
+      </p:nvGrpSpPr>
+      <p:grpSpPr>
+        <a:xfrm>
+          <a:off x="0" y="0"/>
+          <a:ext cx="0" cy="0"/>
+          <a:chOff x="0" y="0"/>
+          <a:chExt cx="0" cy="0"/>
+        </a:xfrm>
+      </p:grpSpPr>
+      <p:sp>
+        <p:nvSpPr>
+          <p:cNvPr id="2" name="TextBox 1">
+            <a:extLst>
+              <a:ext uri="{FF2B5EF4-FFF2-40B4-BE49-F238E27FC236}">
+                <a16:creationId xmlns:a16="http://schemas.microsoft.com/office/drawing/2014/main" id="{FC0EF3B9-0714-4E3D-8958-9CA128B05288}"/>
+              </a:ext>
+            </a:extLst>
+          </p:cNvPr>
+          <p:cNvSpPr txBox="1"/>
+          <p:nvPr/>
+        </p:nvSpPr>
+        <p:spPr>
+          <a:xfrm>
+            <a:off x="631977" y="942641"/>
+            <a:ext cx="7343070" cy="4429595"/>
+          </a:xfrm>
+          <a:prstGeom prst="rect">
+            <a:avLst/>
+          </a:prstGeom>
+          <a:noFill/>
+          <a:ln>
+            <a:noFill/>
+          </a:ln>
+        </p:spPr>
+        <p:txBody>
+          <a:bodyPr wrap="none" lIns="81646" tIns="40823" rIns="81646" bIns="40823" compatLnSpc="0">
+            <a:spAutoFit/>
+          </a:bodyPr>
+          <a:lstStyle/>
+          <a:p>
+            <a:pPr hangingPunct="0"/>
+            <a:r>
+              <a:rPr lang="en-US" sz="2903" b="1" u="sng" dirty="0">
+                <a:latin typeface="Arial" pitchFamily="18"/>
+                <a:ea typeface="Andale Sans UI" pitchFamily="2"/>
+                <a:cs typeface="Tahoma" pitchFamily="2"/>
+              </a:rPr>
+              <a:t>TRANSFORMATION</a:t>
+            </a:r>
+          </a:p>
+          <a:p>
+            <a:pPr hangingPunct="0"/>
+            <a:endParaRPr lang="en-US" sz="1633" dirty="0">
+              <a:latin typeface="Arial" pitchFamily="18"/>
+              <a:ea typeface="Andale Sans UI" pitchFamily="2"/>
+              <a:cs typeface="Tahoma" pitchFamily="2"/>
+            </a:endParaRPr>
+          </a:p>
+          <a:p>
+            <a:pPr hangingPunct="0"/>
+            <a:endParaRPr lang="en-US" sz="2268" dirty="0">
+              <a:latin typeface="Arial" pitchFamily="18"/>
+              <a:ea typeface="Andale Sans UI" pitchFamily="2"/>
+              <a:cs typeface="Tahoma" pitchFamily="2"/>
+            </a:endParaRPr>
+          </a:p>
+          <a:p>
+            <a:pPr hangingPunct="0">
+              <a:buSzPct val="45000"/>
+              <a:buFont typeface="OpenSymbol"/>
+              <a:buChar char="●"/>
+            </a:pPr>
+            <a:r>
+              <a:rPr lang="en-US" sz="2268" dirty="0">
+                <a:latin typeface="Arial" pitchFamily="18"/>
+                <a:ea typeface="Andale Sans UI" pitchFamily="2"/>
+                <a:cs typeface="Tahoma" pitchFamily="2"/>
+              </a:rPr>
+              <a:t>Preparing the data to be housed in the data warehouse</a:t>
+            </a:r>
+          </a:p>
+          <a:p>
+            <a:pPr hangingPunct="0"/>
+            <a:endParaRPr lang="en-US" sz="2268" dirty="0">
+              <a:latin typeface="Arial" pitchFamily="18"/>
+              <a:ea typeface="Andale Sans UI" pitchFamily="2"/>
+              <a:cs typeface="Tahoma" pitchFamily="2"/>
+            </a:endParaRPr>
+          </a:p>
+          <a:p>
+            <a:pPr hangingPunct="0">
+              <a:buSzPct val="45000"/>
+              <a:buFont typeface="OpenSymbol"/>
+              <a:buChar char="●"/>
+            </a:pPr>
+            <a:r>
+              <a:rPr lang="en-US" sz="2268" dirty="0">
+                <a:latin typeface="Arial" pitchFamily="18"/>
+                <a:ea typeface="Andale Sans UI" pitchFamily="2"/>
+                <a:cs typeface="Tahoma" pitchFamily="2"/>
+              </a:rPr>
+              <a:t>Converting the extracted data</a:t>
+            </a:r>
+          </a:p>
+          <a:p>
+            <a:pPr hangingPunct="0"/>
+            <a:endParaRPr lang="en-US" sz="2268" dirty="0">
+              <a:latin typeface="Arial" pitchFamily="18"/>
+              <a:ea typeface="Andale Sans UI" pitchFamily="2"/>
+              <a:cs typeface="Tahoma" pitchFamily="2"/>
+            </a:endParaRPr>
+          </a:p>
+          <a:p>
+            <a:pPr hangingPunct="0">
+              <a:buSzPct val="45000"/>
+              <a:buFont typeface="OpenSymbol"/>
+              <a:buChar char="●"/>
+            </a:pPr>
+            <a:r>
+              <a:rPr lang="en-US" sz="2268" dirty="0">
+                <a:latin typeface="Arial" pitchFamily="18"/>
+                <a:ea typeface="Andale Sans UI" pitchFamily="2"/>
+                <a:cs typeface="Tahoma" pitchFamily="2"/>
+              </a:rPr>
+              <a:t>Using rules and look-up tables</a:t>
+            </a:r>
+          </a:p>
+          <a:p>
+            <a:pPr hangingPunct="0"/>
+            <a:r>
+              <a:rPr lang="en-US" sz="2268" dirty="0">
+                <a:latin typeface="Arial" pitchFamily="18"/>
+                <a:ea typeface="Andale Sans UI" pitchFamily="2"/>
+                <a:cs typeface="Tahoma" pitchFamily="2"/>
+              </a:rPr>
+              <a:t>Combining data</a:t>
+            </a:r>
+          </a:p>
+          <a:p>
+            <a:pPr hangingPunct="0"/>
+            <a:endParaRPr lang="en-US" sz="2268" dirty="0">
+              <a:latin typeface="Arial" pitchFamily="18"/>
+              <a:ea typeface="Andale Sans UI" pitchFamily="2"/>
+              <a:cs typeface="Tahoma" pitchFamily="2"/>
+            </a:endParaRPr>
+          </a:p>
+          <a:p>
+            <a:pPr hangingPunct="0">
+              <a:buSzPct val="45000"/>
+              <a:buFont typeface="OpenSymbol"/>
+              <a:buChar char="●"/>
+            </a:pPr>
+            <a:r>
+              <a:rPr lang="en-US" sz="2268" dirty="0">
+                <a:latin typeface="Arial" pitchFamily="18"/>
+                <a:ea typeface="Andale Sans UI" pitchFamily="2"/>
+                <a:cs typeface="Tahoma" pitchFamily="2"/>
+              </a:rPr>
+              <a:t>Verification or Validity checks</a:t>
+            </a:r>
+          </a:p>
+          <a:p>
+            <a:pPr hangingPunct="0"/>
+            <a:endParaRPr lang="en-US" sz="2268" dirty="0">
+              <a:latin typeface="Arial" pitchFamily="18"/>
+              <a:ea typeface="Andale Sans UI" pitchFamily="2"/>
+              <a:cs typeface="Tahoma" pitchFamily="2"/>
+            </a:endParaRPr>
+          </a:p>
+          <a:p>
+            <a:pPr hangingPunct="0">
+              <a:buSzPct val="45000"/>
+              <a:buFont typeface="OpenSymbol"/>
+              <a:buChar char="●"/>
+            </a:pPr>
+            <a:r>
+              <a:rPr lang="en-US" sz="2268" dirty="0">
+                <a:latin typeface="Arial" pitchFamily="18"/>
+                <a:ea typeface="Andale Sans UI" pitchFamily="2"/>
+                <a:cs typeface="Tahoma" pitchFamily="2"/>
+              </a:rPr>
+              <a:t>Standardization</a:t>
+            </a:r>
+          </a:p>
+        </p:txBody>
+      </p:sp>
+    </p:spTree>
+  </p:cSld>
+  <p:clrMapOvr>
+    <a:masterClrMapping/>
+  </p:clrMapOvr>
+</p:sld>
+</file>
+
+<file path=ppt/slides/slide14.xml><?xml version="1.0" encoding="utf-8"?>
+<p:sld xmlns:a="http://schemas.openxmlformats.org/drawingml/2006/main" xmlns:r="http://schemas.openxmlformats.org/officeDocument/2006/relationships" xmlns:p="http://schemas.openxmlformats.org/presentationml/2006/main">
+  <p:cSld>
+    <p:spTree>
+      <p:nvGrpSpPr>
+        <p:cNvPr id="1" name=""/>
+        <p:cNvGrpSpPr/>
+        <p:nvPr/>
+      </p:nvGrpSpPr>
+      <p:grpSpPr>
+        <a:xfrm>
+          <a:off x="0" y="0"/>
+          <a:ext cx="0" cy="0"/>
+          <a:chOff x="0" y="0"/>
+          <a:chExt cx="0" cy="0"/>
+        </a:xfrm>
+      </p:grpSpPr>
+      <p:sp>
+        <p:nvSpPr>
+          <p:cNvPr id="2" name="TextBox 1">
+            <a:extLst>
+              <a:ext uri="{FF2B5EF4-FFF2-40B4-BE49-F238E27FC236}">
+                <a16:creationId xmlns:a16="http://schemas.microsoft.com/office/drawing/2014/main" id="{6A7030AD-B572-4323-94BC-D3925A20ACE4}"/>
+              </a:ext>
+            </a:extLst>
+          </p:cNvPr>
+          <p:cNvSpPr txBox="1"/>
+          <p:nvPr/>
+        </p:nvSpPr>
+        <p:spPr>
+          <a:xfrm>
+            <a:off x="732844" y="1097055"/>
+            <a:ext cx="6954181" cy="3332885"/>
+          </a:xfrm>
+          <a:prstGeom prst="rect">
+            <a:avLst/>
+          </a:prstGeom>
+          <a:noFill/>
+          <a:ln>
+            <a:noFill/>
+          </a:ln>
+        </p:spPr>
+        <p:txBody>
+          <a:bodyPr wrap="none" lIns="81646" tIns="40823" rIns="81646" bIns="40823" compatLnSpc="0">
+            <a:spAutoFit/>
+          </a:bodyPr>
+          <a:lstStyle/>
+          <a:p>
+            <a:pPr hangingPunct="0"/>
+            <a:r>
+              <a:rPr lang="en-US" sz="2903" b="1" u="sng" dirty="0">
+                <a:latin typeface="Arial" pitchFamily="18"/>
+                <a:ea typeface="Andale Sans UI" pitchFamily="2"/>
+                <a:cs typeface="Tahoma" pitchFamily="2"/>
+              </a:rPr>
+              <a:t>LOADING</a:t>
+            </a:r>
+          </a:p>
+          <a:p>
+            <a:pPr hangingPunct="0"/>
+            <a:endParaRPr lang="en-US" sz="1633" dirty="0">
+              <a:latin typeface="Arial" pitchFamily="18"/>
+              <a:ea typeface="Andale Sans UI" pitchFamily="2"/>
+              <a:cs typeface="Tahoma" pitchFamily="2"/>
+            </a:endParaRPr>
+          </a:p>
+          <a:p>
+            <a:pPr hangingPunct="0"/>
+            <a:endParaRPr lang="en-US" sz="2268" dirty="0">
+              <a:latin typeface="Arial" pitchFamily="18"/>
+              <a:ea typeface="Andale Sans UI" pitchFamily="2"/>
+              <a:cs typeface="Tahoma" pitchFamily="2"/>
+            </a:endParaRPr>
+          </a:p>
+          <a:p>
+            <a:pPr hangingPunct="0"/>
+            <a:endParaRPr lang="en-US" sz="2268" dirty="0">
+              <a:latin typeface="Arial" pitchFamily="18"/>
+              <a:ea typeface="Andale Sans UI" pitchFamily="2"/>
+              <a:cs typeface="Tahoma" pitchFamily="2"/>
+            </a:endParaRPr>
+          </a:p>
+          <a:p>
+            <a:pPr hangingPunct="0">
+              <a:buSzPct val="45000"/>
+              <a:buFont typeface="OpenSymbol"/>
+              <a:buChar char="●"/>
+            </a:pPr>
+            <a:r>
+              <a:rPr lang="en-US" sz="2268" dirty="0">
+                <a:latin typeface="Arial" pitchFamily="18"/>
+                <a:ea typeface="Andale Sans UI" pitchFamily="2"/>
+                <a:cs typeface="Tahoma" pitchFamily="2"/>
+              </a:rPr>
+              <a:t>Storing the transformed data in the data warehouse.</a:t>
+            </a:r>
+          </a:p>
+          <a:p>
+            <a:pPr hangingPunct="0"/>
+            <a:endParaRPr lang="en-US" sz="2268" dirty="0">
+              <a:latin typeface="Arial" pitchFamily="18"/>
+              <a:ea typeface="Andale Sans UI" pitchFamily="2"/>
+              <a:cs typeface="Tahoma" pitchFamily="2"/>
+            </a:endParaRPr>
+          </a:p>
+          <a:p>
+            <a:pPr hangingPunct="0">
+              <a:buSzPct val="45000"/>
+              <a:buFont typeface="OpenSymbol"/>
+              <a:buChar char="●"/>
+            </a:pPr>
+            <a:r>
+              <a:rPr lang="en-US" sz="2268" dirty="0">
+                <a:latin typeface="Arial" pitchFamily="18"/>
+                <a:ea typeface="Andale Sans UI" pitchFamily="2"/>
+                <a:cs typeface="Tahoma" pitchFamily="2"/>
+              </a:rPr>
+              <a:t>Batch/Real time processing.</a:t>
+            </a:r>
+          </a:p>
+          <a:p>
+            <a:pPr hangingPunct="0"/>
+            <a:endParaRPr lang="en-US" sz="2268" dirty="0">
+              <a:latin typeface="Arial" pitchFamily="18"/>
+              <a:ea typeface="Andale Sans UI" pitchFamily="2"/>
+              <a:cs typeface="Tahoma" pitchFamily="2"/>
+            </a:endParaRPr>
+          </a:p>
+          <a:p>
+            <a:pPr hangingPunct="0">
+              <a:buSzPct val="45000"/>
+              <a:buFont typeface="OpenSymbol"/>
+              <a:buChar char="●"/>
+            </a:pPr>
+            <a:r>
+              <a:rPr lang="en-US" sz="2268" dirty="0">
+                <a:latin typeface="Arial" pitchFamily="18"/>
+                <a:ea typeface="Andale Sans UI" pitchFamily="2"/>
+                <a:cs typeface="Tahoma" pitchFamily="2"/>
+              </a:rPr>
+              <a:t>Can follow star schema and snowflake schema</a:t>
+            </a:r>
+          </a:p>
+          <a:p>
+            <a:pPr hangingPunct="0"/>
+            <a:r>
+              <a:rPr lang="en-US" sz="1633" dirty="0">
+                <a:latin typeface="Arial" pitchFamily="18"/>
+                <a:ea typeface="Andale Sans UI" pitchFamily="2"/>
+                <a:cs typeface="Tahoma" pitchFamily="2"/>
+              </a:rPr>
+              <a:t> </a:t>
+            </a:r>
+          </a:p>
+        </p:txBody>
+      </p:sp>
+    </p:spTree>
+  </p:cSld>
+  <p:clrMapOvr>
+    <a:masterClrMapping/>
+  </p:clrMapOvr>
+</p:sld>
+</file>
+
+<file path=ppt/slides/slide15.xml><?xml version="1.0" encoding="utf-8"?>
+<p:sld xmlns:a="http://schemas.openxmlformats.org/drawingml/2006/main" xmlns:r="http://schemas.openxmlformats.org/officeDocument/2006/relationships" xmlns:p="http://schemas.openxmlformats.org/presentationml/2006/main">
+  <p:cSld>
+    <p:spTree>
+      <p:nvGrpSpPr>
+        <p:cNvPr id="1" name=""/>
+        <p:cNvGrpSpPr/>
+        <p:nvPr/>
+      </p:nvGrpSpPr>
+      <p:grpSpPr>
+        <a:xfrm>
+          <a:off x="0" y="0"/>
+          <a:ext cx="0" cy="0"/>
+          <a:chOff x="0" y="0"/>
+          <a:chExt cx="0" cy="0"/>
+        </a:xfrm>
+      </p:grpSpPr>
+      <p:sp>
+        <p:nvSpPr>
+          <p:cNvPr id="2" name="TextBox 1">
+            <a:extLst>
+              <a:ext uri="{FF2B5EF4-FFF2-40B4-BE49-F238E27FC236}">
+                <a16:creationId xmlns:a16="http://schemas.microsoft.com/office/drawing/2014/main" id="{6B84399B-FC2A-4296-806D-CB0FD9783E09}"/>
+              </a:ext>
+            </a:extLst>
+          </p:cNvPr>
+          <p:cNvSpPr txBox="1"/>
+          <p:nvPr/>
+        </p:nvSpPr>
+        <p:spPr>
+          <a:xfrm>
+            <a:off x="350491" y="661837"/>
+            <a:ext cx="11412422" cy="5432754"/>
+          </a:xfrm>
+          <a:prstGeom prst="rect">
+            <a:avLst/>
+          </a:prstGeom>
+          <a:noFill/>
+          <a:ln>
+            <a:noFill/>
+          </a:ln>
+        </p:spPr>
+        <p:txBody>
+          <a:bodyPr wrap="square" lIns="81646" tIns="40823" rIns="81646" bIns="40823" compatLnSpc="0">
+            <a:spAutoFit/>
+          </a:bodyPr>
+          <a:lstStyle/>
+          <a:p>
+            <a:pPr hangingPunct="0"/>
+            <a:r>
+              <a:rPr lang="en-US" sz="2903" b="1" u="sng" dirty="0">
+                <a:latin typeface="Arial" pitchFamily="18"/>
+                <a:ea typeface="Andale Sans UI" pitchFamily="2"/>
+                <a:cs typeface="Tahoma" pitchFamily="2"/>
+              </a:rPr>
+              <a:t>ADVANTAGE OF ETL TOOL</a:t>
+            </a:r>
+          </a:p>
+          <a:p>
+            <a:pPr hangingPunct="0"/>
+            <a:endParaRPr lang="en-US" sz="1633" dirty="0">
+              <a:latin typeface="Arial" pitchFamily="18"/>
+              <a:ea typeface="Andale Sans UI" pitchFamily="2"/>
+              <a:cs typeface="Tahoma" pitchFamily="2"/>
+            </a:endParaRPr>
+          </a:p>
+          <a:p>
+            <a:pPr hangingPunct="0">
+              <a:buSzPct val="45000"/>
+              <a:buFont typeface="OpenSymbol"/>
+              <a:buChar char="●"/>
+            </a:pPr>
+            <a:r>
+              <a:rPr lang="en-US" sz="2268" dirty="0" err="1">
+                <a:latin typeface="Arial" pitchFamily="18"/>
+                <a:ea typeface="Andale Sans UI" pitchFamily="2"/>
+                <a:cs typeface="Tahoma" pitchFamily="2"/>
+              </a:rPr>
+              <a:t>Simple,faster</a:t>
+            </a:r>
+            <a:r>
+              <a:rPr lang="en-US" sz="2268" dirty="0">
+                <a:latin typeface="Arial" pitchFamily="18"/>
+                <a:ea typeface="Andale Sans UI" pitchFamily="2"/>
+                <a:cs typeface="Tahoma" pitchFamily="2"/>
+              </a:rPr>
+              <a:t> and cheaper development</a:t>
+            </a:r>
+          </a:p>
+          <a:p>
+            <a:pPr hangingPunct="0"/>
+            <a:endParaRPr lang="en-US" sz="2268" dirty="0">
+              <a:latin typeface="Arial" pitchFamily="18"/>
+              <a:ea typeface="Andale Sans UI" pitchFamily="2"/>
+              <a:cs typeface="Tahoma" pitchFamily="2"/>
+            </a:endParaRPr>
+          </a:p>
+          <a:p>
+            <a:pPr hangingPunct="0">
+              <a:buSzPct val="45000"/>
+              <a:buFont typeface="OpenSymbol"/>
+              <a:buChar char="●"/>
+            </a:pPr>
+            <a:r>
+              <a:rPr lang="en-US" sz="2268" dirty="0">
+                <a:latin typeface="Arial" pitchFamily="18"/>
+                <a:ea typeface="Andale Sans UI" pitchFamily="2"/>
+                <a:cs typeface="Tahoma" pitchFamily="2"/>
+              </a:rPr>
+              <a:t>Most ETL tools provide a metadata repository, synchronizing metadata from various sources.</a:t>
+            </a:r>
+          </a:p>
+          <a:p>
+            <a:pPr hangingPunct="0"/>
+            <a:endParaRPr lang="en-US" sz="2268" dirty="0">
+              <a:latin typeface="Arial" pitchFamily="18"/>
+              <a:ea typeface="Andale Sans UI" pitchFamily="2"/>
+              <a:cs typeface="Tahoma" pitchFamily="2"/>
+            </a:endParaRPr>
+          </a:p>
+          <a:p>
+            <a:pPr hangingPunct="0">
+              <a:buSzPct val="45000"/>
+              <a:buFont typeface="OpenSymbol"/>
+              <a:buChar char="●"/>
+            </a:pPr>
+            <a:r>
+              <a:rPr lang="en-US" sz="2268" dirty="0">
+                <a:latin typeface="Arial" pitchFamily="18"/>
+                <a:ea typeface="Andale Sans UI" pitchFamily="2"/>
+                <a:cs typeface="Tahoma" pitchFamily="2"/>
+              </a:rPr>
+              <a:t>Most ETL tools have built in connectors for all the major RDBMS.</a:t>
+            </a:r>
+          </a:p>
+          <a:p>
+            <a:pPr hangingPunct="0"/>
+            <a:endParaRPr lang="en-US" sz="2268" dirty="0">
+              <a:latin typeface="Arial" pitchFamily="18"/>
+              <a:ea typeface="Andale Sans UI" pitchFamily="2"/>
+              <a:cs typeface="Tahoma" pitchFamily="2"/>
+            </a:endParaRPr>
+          </a:p>
+          <a:p>
+            <a:pPr hangingPunct="0">
+              <a:buSzPct val="45000"/>
+              <a:buFont typeface="OpenSymbol"/>
+              <a:buChar char="●"/>
+            </a:pPr>
+            <a:r>
+              <a:rPr lang="en-US" sz="2268" dirty="0">
+                <a:latin typeface="Arial" pitchFamily="18"/>
+                <a:ea typeface="Andale Sans UI" pitchFamily="2"/>
+                <a:cs typeface="Tahoma" pitchFamily="2"/>
+              </a:rPr>
+              <a:t>Most ETL tools deliver good performance , even with very large dataset.</a:t>
+            </a:r>
+          </a:p>
+          <a:p>
+            <a:pPr hangingPunct="0"/>
+            <a:endParaRPr lang="en-US" sz="2268" dirty="0">
+              <a:latin typeface="Arial" pitchFamily="18"/>
+              <a:ea typeface="Andale Sans UI" pitchFamily="2"/>
+              <a:cs typeface="Tahoma" pitchFamily="2"/>
+            </a:endParaRPr>
+          </a:p>
+          <a:p>
+            <a:pPr hangingPunct="0">
+              <a:buSzPct val="45000"/>
+              <a:buFont typeface="OpenSymbol"/>
+              <a:buChar char="●"/>
+            </a:pPr>
+            <a:r>
+              <a:rPr lang="en-US" sz="2268" dirty="0">
+                <a:latin typeface="Arial" pitchFamily="18"/>
+                <a:ea typeface="Andale Sans UI" pitchFamily="2"/>
+                <a:cs typeface="Tahoma" pitchFamily="2"/>
+              </a:rPr>
+              <a:t>Most ETL tools allow reuse of existing complex programs.</a:t>
+            </a:r>
+          </a:p>
+          <a:p>
+            <a:pPr hangingPunct="0"/>
+            <a:endParaRPr lang="en-US" sz="2268" dirty="0">
+              <a:latin typeface="Arial" pitchFamily="18"/>
+              <a:ea typeface="Andale Sans UI" pitchFamily="2"/>
+              <a:cs typeface="Tahoma" pitchFamily="2"/>
+            </a:endParaRPr>
+          </a:p>
+          <a:p>
+            <a:pPr hangingPunct="0">
+              <a:buSzPct val="45000"/>
+              <a:buFont typeface="OpenSymbol"/>
+              <a:buChar char="●"/>
+            </a:pPr>
+            <a:r>
+              <a:rPr lang="en-US" sz="2268" dirty="0">
+                <a:latin typeface="Arial" pitchFamily="18"/>
+                <a:ea typeface="Andale Sans UI" pitchFamily="2"/>
+                <a:cs typeface="Tahoma" pitchFamily="2"/>
+              </a:rPr>
+              <a:t>Several ETL tools offer various performance optimization options such as (parallel processing, complex load balancing etc.)</a:t>
+            </a:r>
+          </a:p>
+          <a:p>
+            <a:pPr hangingPunct="0"/>
+            <a:endParaRPr lang="en-US" sz="2268" dirty="0">
+              <a:latin typeface="Arial" pitchFamily="18"/>
+              <a:ea typeface="Andale Sans UI" pitchFamily="2"/>
+              <a:cs typeface="Tahoma" pitchFamily="2"/>
+            </a:endParaRPr>
+          </a:p>
+        </p:txBody>
+      </p:sp>
+    </p:spTree>
+  </p:cSld>
+  <p:clrMapOvr>
+    <a:masterClrMapping/>
+  </p:clrMapOvr>
+</p:sld>
+</file>
+
+<file path=ppt/slides/slide16.xml><?xml version="1.0" encoding="utf-8"?>
+<p:sld xmlns:a="http://schemas.openxmlformats.org/drawingml/2006/main" xmlns:r="http://schemas.openxmlformats.org/officeDocument/2006/relationships" xmlns:p="http://schemas.openxmlformats.org/presentationml/2006/main">
+  <p:cSld>
+    <p:spTree>
+      <p:nvGrpSpPr>
+        <p:cNvPr id="1" name=""/>
+        <p:cNvGrpSpPr/>
+        <p:nvPr/>
+      </p:nvGrpSpPr>
+      <p:grpSpPr>
+        <a:xfrm>
+          <a:off x="0" y="0"/>
+          <a:ext cx="0" cy="0"/>
+          <a:chOff x="0" y="0"/>
+          <a:chExt cx="0" cy="0"/>
+        </a:xfrm>
+      </p:grpSpPr>
+      <p:sp>
+        <p:nvSpPr>
+          <p:cNvPr id="2" name="TextBox 1">
+            <a:extLst>
+              <a:ext uri="{FF2B5EF4-FFF2-40B4-BE49-F238E27FC236}">
+                <a16:creationId xmlns:a16="http://schemas.microsoft.com/office/drawing/2014/main" id="{53C6717C-7489-4CD7-9F1F-5AB9E1F404A7}"/>
+              </a:ext>
+            </a:extLst>
+          </p:cNvPr>
+          <p:cNvSpPr txBox="1"/>
+          <p:nvPr/>
+        </p:nvSpPr>
+        <p:spPr>
+          <a:xfrm>
+            <a:off x="2993155" y="504902"/>
+            <a:ext cx="2360424" cy="323278"/>
+          </a:xfrm>
+          <a:prstGeom prst="rect">
+            <a:avLst/>
+          </a:prstGeom>
+          <a:noFill/>
+          <a:ln>
+            <a:noFill/>
+          </a:ln>
+        </p:spPr>
+        <p:txBody>
+          <a:bodyPr wrap="none" lIns="81646" tIns="40823" rIns="81646" bIns="40823" compatLnSpc="0">
+            <a:spAutoFit/>
+          </a:bodyPr>
+          <a:lstStyle/>
+          <a:p>
+            <a:pPr hangingPunct="0"/>
+            <a:r>
+              <a:rPr lang="en-US" sz="1633">
+                <a:latin typeface="Arial" pitchFamily="18"/>
+                <a:ea typeface="Andale Sans UI" pitchFamily="2"/>
+                <a:cs typeface="Tahoma" pitchFamily="2"/>
+              </a:rPr>
+              <a:t>POPULAR ETL TOOLS</a:t>
+            </a:r>
+          </a:p>
+        </p:txBody>
+      </p:sp>
+      <p:graphicFrame>
+        <p:nvGraphicFramePr>
+          <p:cNvPr id="3" name="Table 2">
+            <a:extLst>
+              <a:ext uri="{FF2B5EF4-FFF2-40B4-BE49-F238E27FC236}">
+                <a16:creationId xmlns:a16="http://schemas.microsoft.com/office/drawing/2014/main" id="{E9DEEC37-C024-4EFF-8F2B-94154F079AA6}"/>
+              </a:ext>
+            </a:extLst>
+          </p:cNvPr>
+          <p:cNvGraphicFramePr>
+            <a:graphicFrameLocks noGrp="1"/>
+          </p:cNvGraphicFramePr>
+          <p:nvPr/>
+        </p:nvGraphicFramePr>
+        <p:xfrm>
+          <a:off x="3189433" y="1025806"/>
+          <a:ext cx="4604529" cy="5225038"/>
+        </p:xfrm>
+        <a:graphic>
+          <a:graphicData uri="http://schemas.openxmlformats.org/drawingml/2006/table">
+            <a:tbl>
+              <a:tblPr firstRow="1" bandRow="1"/>
+              <a:tblGrid>
+                <a:gridCol w="2302101">
+                  <a:extLst>
+                    <a:ext uri="{9D8B030D-6E8A-4147-A177-3AD203B41FA5}">
+                      <a16:colId xmlns:a16="http://schemas.microsoft.com/office/drawing/2014/main" val="4172198342"/>
+                    </a:ext>
+                  </a:extLst>
+                </a:gridCol>
+                <a:gridCol w="2302428">
+                  <a:extLst>
+                    <a:ext uri="{9D8B030D-6E8A-4147-A177-3AD203B41FA5}">
+                      <a16:colId xmlns:a16="http://schemas.microsoft.com/office/drawing/2014/main" val="3578762004"/>
+                    </a:ext>
+                  </a:extLst>
+                </a:gridCol>
+              </a:tblGrid>
+              <a:tr h="652844">
+                <a:tc>
+                  <a:txBody>
+                    <a:bodyPr/>
+                    <a:lstStyle/>
+                    <a:p>
+                      <a:pPr marL="0" marR="0" lvl="0" indent="0" hangingPunct="0">
+                        <a:lnSpc>
+                          <a:spcPct val="100000"/>
+                        </a:lnSpc>
+                        <a:spcBef>
+                          <a:spcPts val="0"/>
+                        </a:spcBef>
+                        <a:spcAft>
+                          <a:spcPts val="0"/>
+                        </a:spcAft>
+                        <a:buNone/>
+                        <a:tabLst/>
+                      </a:pPr>
+                      <a:r>
+                        <a:rPr lang="en-US" sz="1600" b="0" i="0" u="none" strike="noStrike" kern="1200">
+                          <a:ln>
+                            <a:noFill/>
+                          </a:ln>
+                          <a:latin typeface="Arial" pitchFamily="18"/>
+                          <a:ea typeface="Andale Sans UI" pitchFamily="2"/>
+                          <a:cs typeface="Tahoma" pitchFamily="2"/>
+                        </a:rPr>
+                        <a:t>    Tools</a:t>
+                      </a:r>
+                    </a:p>
+                  </a:txBody>
+                  <a:tcPr marL="82953" marR="82953" marT="41476" marB="41476"/>
+                </a:tc>
+                <a:tc>
+                  <a:txBody>
+                    <a:bodyPr/>
+                    <a:lstStyle/>
+                    <a:p>
+                      <a:pPr marL="0" marR="0" lvl="0" indent="0" hangingPunct="0">
+                        <a:lnSpc>
+                          <a:spcPct val="100000"/>
+                        </a:lnSpc>
+                        <a:spcBef>
+                          <a:spcPts val="0"/>
+                        </a:spcBef>
+                        <a:spcAft>
+                          <a:spcPts val="0"/>
+                        </a:spcAft>
+                        <a:buNone/>
+                        <a:tabLst/>
+                      </a:pPr>
+                      <a:r>
+                        <a:rPr lang="en-US" sz="1600" b="0" i="0" u="none" strike="noStrike" kern="1200">
+                          <a:ln>
+                            <a:noFill/>
+                          </a:ln>
+                          <a:latin typeface="Arial" pitchFamily="18"/>
+                          <a:ea typeface="Andale Sans UI" pitchFamily="2"/>
+                          <a:cs typeface="Tahoma" pitchFamily="2"/>
+                        </a:rPr>
+                        <a:t>   Company</a:t>
+                      </a:r>
+                    </a:p>
+                  </a:txBody>
+                  <a:tcPr marL="82953" marR="82953" marT="41476" marB="41476"/>
+                </a:tc>
+                <a:extLst>
+                  <a:ext uri="{0D108BD9-81ED-4DB2-BD59-A6C34878D82A}">
+                    <a16:rowId xmlns:a16="http://schemas.microsoft.com/office/drawing/2014/main" val="1772669684"/>
+                  </a:ext>
+                </a:extLst>
+              </a:tr>
+              <a:tr h="652844">
+                <a:tc>
+                  <a:txBody>
+                    <a:bodyPr/>
+                    <a:lstStyle/>
+                    <a:p>
+                      <a:pPr marL="0" marR="0" lvl="0" indent="0" hangingPunct="0">
+                        <a:lnSpc>
+                          <a:spcPct val="100000"/>
+                        </a:lnSpc>
+                        <a:spcBef>
+                          <a:spcPts val="0"/>
+                        </a:spcBef>
+                        <a:spcAft>
+                          <a:spcPts val="0"/>
+                        </a:spcAft>
+                        <a:buNone/>
+                        <a:tabLst/>
+                      </a:pPr>
+                      <a:r>
+                        <a:rPr lang="en-US" sz="1600" b="0" i="0" u="none" strike="noStrike" kern="1200">
+                          <a:ln>
+                            <a:noFill/>
+                          </a:ln>
+                          <a:latin typeface="Arial" pitchFamily="18"/>
+                          <a:ea typeface="Andale Sans UI" pitchFamily="2"/>
+                          <a:cs typeface="Tahoma" pitchFamily="2"/>
+                        </a:rPr>
+                        <a:t>Infosphere Datastage</a:t>
+                      </a:r>
+                    </a:p>
+                  </a:txBody>
+                  <a:tcPr marL="82953" marR="82953" marT="41476" marB="41476"/>
+                </a:tc>
+                <a:tc>
+                  <a:txBody>
+                    <a:bodyPr/>
+                    <a:lstStyle/>
+                    <a:p>
+                      <a:pPr marL="0" marR="0" lvl="0" indent="0" hangingPunct="0">
+                        <a:lnSpc>
+                          <a:spcPct val="100000"/>
+                        </a:lnSpc>
+                        <a:spcBef>
+                          <a:spcPts val="0"/>
+                        </a:spcBef>
+                        <a:spcAft>
+                          <a:spcPts val="0"/>
+                        </a:spcAft>
+                        <a:buNone/>
+                        <a:tabLst/>
+                      </a:pPr>
+                      <a:r>
+                        <a:rPr lang="en-US" sz="1600" b="0" i="0" u="none" strike="noStrike" kern="1200">
+                          <a:ln>
+                            <a:noFill/>
+                          </a:ln>
+                          <a:latin typeface="Arial" pitchFamily="18"/>
+                          <a:ea typeface="Andale Sans UI" pitchFamily="2"/>
+                          <a:cs typeface="Tahoma" pitchFamily="2"/>
+                        </a:rPr>
+                        <a:t>IBM</a:t>
+                      </a:r>
+                    </a:p>
+                  </a:txBody>
+                  <a:tcPr marL="82953" marR="82953" marT="41476" marB="41476"/>
+                </a:tc>
+                <a:extLst>
+                  <a:ext uri="{0D108BD9-81ED-4DB2-BD59-A6C34878D82A}">
+                    <a16:rowId xmlns:a16="http://schemas.microsoft.com/office/drawing/2014/main" val="833320359"/>
+                  </a:ext>
+                </a:extLst>
+              </a:tr>
+              <a:tr h="652844">
+                <a:tc>
+                  <a:txBody>
+                    <a:bodyPr/>
+                    <a:lstStyle/>
+                    <a:p>
+                      <a:pPr marL="0" marR="0" lvl="0" indent="0" hangingPunct="0">
+                        <a:lnSpc>
+                          <a:spcPct val="100000"/>
+                        </a:lnSpc>
+                        <a:spcBef>
+                          <a:spcPts val="0"/>
+                        </a:spcBef>
+                        <a:spcAft>
+                          <a:spcPts val="0"/>
+                        </a:spcAft>
+                        <a:buNone/>
+                        <a:tabLst/>
+                      </a:pPr>
+                      <a:r>
+                        <a:rPr lang="en-US" sz="1600" b="0" i="0" u="none" strike="noStrike" kern="1200">
+                          <a:ln>
+                            <a:noFill/>
+                          </a:ln>
+                          <a:latin typeface="Arial" pitchFamily="18"/>
+                          <a:ea typeface="Andale Sans UI" pitchFamily="2"/>
+                          <a:cs typeface="Tahoma" pitchFamily="2"/>
+                        </a:rPr>
+                        <a:t>Informatica</a:t>
+                      </a:r>
+                    </a:p>
+                  </a:txBody>
+                  <a:tcPr marL="82953" marR="82953" marT="41476" marB="41476"/>
+                </a:tc>
+                <a:tc>
+                  <a:txBody>
+                    <a:bodyPr/>
+                    <a:lstStyle/>
+                    <a:p>
+                      <a:pPr marL="0" marR="0" lvl="0" indent="0" hangingPunct="0">
+                        <a:lnSpc>
+                          <a:spcPct val="100000"/>
+                        </a:lnSpc>
+                        <a:spcBef>
+                          <a:spcPts val="0"/>
+                        </a:spcBef>
+                        <a:spcAft>
+                          <a:spcPts val="0"/>
+                        </a:spcAft>
+                        <a:buNone/>
+                        <a:tabLst/>
+                      </a:pPr>
+                      <a:r>
+                        <a:rPr lang="en-US" sz="1600" b="0" i="0" u="none" strike="noStrike" kern="1200">
+                          <a:ln>
+                            <a:noFill/>
+                          </a:ln>
+                          <a:latin typeface="Arial" pitchFamily="18"/>
+                          <a:ea typeface="Andale Sans UI" pitchFamily="2"/>
+                          <a:cs typeface="Tahoma" pitchFamily="2"/>
+                        </a:rPr>
+                        <a:t>Informatica Corp.</a:t>
+                      </a:r>
+                    </a:p>
+                  </a:txBody>
+                  <a:tcPr marL="82953" marR="82953" marT="41476" marB="41476"/>
+                </a:tc>
+                <a:extLst>
+                  <a:ext uri="{0D108BD9-81ED-4DB2-BD59-A6C34878D82A}">
+                    <a16:rowId xmlns:a16="http://schemas.microsoft.com/office/drawing/2014/main" val="2811680841"/>
+                  </a:ext>
+                </a:extLst>
+              </a:tr>
+              <a:tr h="652844">
+                <a:tc>
+                  <a:txBody>
+                    <a:bodyPr/>
+                    <a:lstStyle/>
+                    <a:p>
+                      <a:pPr marL="0" marR="0" lvl="0" indent="0" hangingPunct="0">
+                        <a:lnSpc>
+                          <a:spcPct val="100000"/>
+                        </a:lnSpc>
+                        <a:spcBef>
+                          <a:spcPts val="0"/>
+                        </a:spcBef>
+                        <a:spcAft>
+                          <a:spcPts val="0"/>
+                        </a:spcAft>
+                        <a:buNone/>
+                        <a:tabLst/>
+                      </a:pPr>
+                      <a:r>
+                        <a:rPr lang="en-US" sz="1600" b="0" i="0" u="none" strike="noStrike" kern="1200">
+                          <a:ln>
+                            <a:noFill/>
+                          </a:ln>
+                          <a:latin typeface="Arial" pitchFamily="18"/>
+                          <a:ea typeface="Andale Sans UI" pitchFamily="2"/>
+                          <a:cs typeface="Tahoma" pitchFamily="2"/>
+                        </a:rPr>
+                        <a:t>DT/Studio</a:t>
+                      </a:r>
+                    </a:p>
+                  </a:txBody>
+                  <a:tcPr marL="82953" marR="82953" marT="41476" marB="41476"/>
+                </a:tc>
+                <a:tc>
+                  <a:txBody>
+                    <a:bodyPr/>
+                    <a:lstStyle/>
+                    <a:p>
+                      <a:pPr marL="0" marR="0" lvl="0" indent="0" hangingPunct="0">
+                        <a:lnSpc>
+                          <a:spcPct val="100000"/>
+                        </a:lnSpc>
+                        <a:spcBef>
+                          <a:spcPts val="0"/>
+                        </a:spcBef>
+                        <a:spcAft>
+                          <a:spcPts val="0"/>
+                        </a:spcAft>
+                        <a:buNone/>
+                        <a:tabLst/>
+                      </a:pPr>
+                      <a:r>
+                        <a:rPr lang="en-US" sz="1600" b="0" i="0" u="none" strike="noStrike" kern="1200">
+                          <a:ln>
+                            <a:noFill/>
+                          </a:ln>
+                          <a:latin typeface="Arial" pitchFamily="18"/>
+                          <a:ea typeface="Andale Sans UI" pitchFamily="2"/>
+                          <a:cs typeface="Tahoma" pitchFamily="2"/>
+                        </a:rPr>
+                        <a:t>Embarcadero Technologies</a:t>
+                      </a:r>
+                    </a:p>
+                  </a:txBody>
+                  <a:tcPr marL="82953" marR="82953" marT="41476" marB="41476"/>
+                </a:tc>
+                <a:extLst>
+                  <a:ext uri="{0D108BD9-81ED-4DB2-BD59-A6C34878D82A}">
+                    <a16:rowId xmlns:a16="http://schemas.microsoft.com/office/drawing/2014/main" val="1924341816"/>
+                  </a:ext>
+                </a:extLst>
+              </a:tr>
+              <a:tr h="652844">
+                <a:tc>
+                  <a:txBody>
+                    <a:bodyPr/>
+                    <a:lstStyle/>
+                    <a:p>
+                      <a:pPr marL="0" marR="0" lvl="0" indent="0" hangingPunct="0">
+                        <a:lnSpc>
+                          <a:spcPct val="100000"/>
+                        </a:lnSpc>
+                        <a:spcBef>
+                          <a:spcPts val="0"/>
+                        </a:spcBef>
+                        <a:spcAft>
+                          <a:spcPts val="0"/>
+                        </a:spcAft>
+                        <a:buNone/>
+                        <a:tabLst/>
+                      </a:pPr>
+                      <a:r>
+                        <a:rPr lang="en-US" sz="1600" b="0" i="0" u="none" strike="noStrike" kern="1200">
+                          <a:ln>
+                            <a:noFill/>
+                          </a:ln>
+                          <a:latin typeface="Arial" pitchFamily="18"/>
+                          <a:ea typeface="Andale Sans UI" pitchFamily="2"/>
+                          <a:cs typeface="Tahoma" pitchFamily="2"/>
+                        </a:rPr>
+                        <a:t>Ab Inito</a:t>
+                      </a:r>
+                    </a:p>
+                  </a:txBody>
+                  <a:tcPr marL="82953" marR="82953" marT="41476" marB="41476"/>
+                </a:tc>
+                <a:tc>
+                  <a:txBody>
+                    <a:bodyPr/>
+                    <a:lstStyle/>
+                    <a:p>
+                      <a:pPr marL="0" marR="0" lvl="0" indent="0" hangingPunct="0">
+                        <a:lnSpc>
+                          <a:spcPct val="100000"/>
+                        </a:lnSpc>
+                        <a:spcBef>
+                          <a:spcPts val="0"/>
+                        </a:spcBef>
+                        <a:spcAft>
+                          <a:spcPts val="0"/>
+                        </a:spcAft>
+                        <a:buNone/>
+                        <a:tabLst/>
+                      </a:pPr>
+                      <a:r>
+                        <a:rPr lang="en-US" sz="1600" b="0" i="0" u="none" strike="noStrike" kern="1200">
+                          <a:ln>
+                            <a:noFill/>
+                          </a:ln>
+                          <a:latin typeface="Arial" pitchFamily="18"/>
+                          <a:ea typeface="Andale Sans UI" pitchFamily="2"/>
+                          <a:cs typeface="Tahoma" pitchFamily="2"/>
+                        </a:rPr>
+                        <a:t>Ab Inito Software Corp.</a:t>
+                      </a:r>
+                    </a:p>
+                  </a:txBody>
+                  <a:tcPr marL="82953" marR="82953" marT="41476" marB="41476"/>
+                </a:tc>
+                <a:extLst>
+                  <a:ext uri="{0D108BD9-81ED-4DB2-BD59-A6C34878D82A}">
+                    <a16:rowId xmlns:a16="http://schemas.microsoft.com/office/drawing/2014/main" val="733382982"/>
+                  </a:ext>
+                </a:extLst>
+              </a:tr>
+              <a:tr h="652844">
+                <a:tc>
+                  <a:txBody>
+                    <a:bodyPr/>
+                    <a:lstStyle/>
+                    <a:p>
+                      <a:pPr marL="0" marR="0" lvl="0" indent="0" hangingPunct="0">
+                        <a:lnSpc>
+                          <a:spcPct val="100000"/>
+                        </a:lnSpc>
+                        <a:spcBef>
+                          <a:spcPts val="0"/>
+                        </a:spcBef>
+                        <a:spcAft>
+                          <a:spcPts val="0"/>
+                        </a:spcAft>
+                        <a:buNone/>
+                        <a:tabLst/>
+                      </a:pPr>
+                      <a:r>
+                        <a:rPr lang="en-US" sz="1600" b="0" i="0" u="none" strike="noStrike" kern="1200">
+                          <a:ln>
+                            <a:noFill/>
+                          </a:ln>
+                          <a:latin typeface="Arial" pitchFamily="18"/>
+                          <a:ea typeface="Andale Sans UI" pitchFamily="2"/>
+                          <a:cs typeface="Tahoma" pitchFamily="2"/>
+                        </a:rPr>
+                        <a:t>Oracle Warehouse Builder</a:t>
+                      </a:r>
+                    </a:p>
+                  </a:txBody>
+                  <a:tcPr marL="82953" marR="82953" marT="41476" marB="41476"/>
+                </a:tc>
+                <a:tc>
+                  <a:txBody>
+                    <a:bodyPr/>
+                    <a:lstStyle/>
+                    <a:p>
+                      <a:pPr marL="0" marR="0" lvl="0" indent="0" hangingPunct="0">
+                        <a:lnSpc>
+                          <a:spcPct val="100000"/>
+                        </a:lnSpc>
+                        <a:spcBef>
+                          <a:spcPts val="0"/>
+                        </a:spcBef>
+                        <a:spcAft>
+                          <a:spcPts val="0"/>
+                        </a:spcAft>
+                        <a:buNone/>
+                        <a:tabLst/>
+                      </a:pPr>
+                      <a:r>
+                        <a:rPr lang="en-US" sz="1600" b="0" i="0" u="none" strike="noStrike" kern="1200">
+                          <a:ln>
+                            <a:noFill/>
+                          </a:ln>
+                          <a:latin typeface="Arial" pitchFamily="18"/>
+                          <a:ea typeface="Andale Sans UI" pitchFamily="2"/>
+                          <a:cs typeface="Tahoma" pitchFamily="2"/>
+                        </a:rPr>
+                        <a:t>ORACLE</a:t>
+                      </a:r>
+                    </a:p>
+                  </a:txBody>
+                  <a:tcPr marL="82953" marR="82953" marT="41476" marB="41476"/>
+                </a:tc>
+                <a:extLst>
+                  <a:ext uri="{0D108BD9-81ED-4DB2-BD59-A6C34878D82A}">
+                    <a16:rowId xmlns:a16="http://schemas.microsoft.com/office/drawing/2014/main" val="1960915761"/>
+                  </a:ext>
+                </a:extLst>
+              </a:tr>
+              <a:tr h="652844">
+                <a:tc>
+                  <a:txBody>
+                    <a:bodyPr/>
+                    <a:lstStyle/>
+                    <a:p>
+                      <a:pPr marL="0" marR="0" lvl="0" indent="0" hangingPunct="0">
+                        <a:lnSpc>
+                          <a:spcPct val="100000"/>
+                        </a:lnSpc>
+                        <a:spcBef>
+                          <a:spcPts val="0"/>
+                        </a:spcBef>
+                        <a:spcAft>
+                          <a:spcPts val="0"/>
+                        </a:spcAft>
+                        <a:buNone/>
+                        <a:tabLst/>
+                      </a:pPr>
+                      <a:r>
+                        <a:rPr lang="en-US" sz="1600" b="0" i="0" u="none" strike="noStrike" kern="1200">
+                          <a:ln>
+                            <a:noFill/>
+                          </a:ln>
+                          <a:latin typeface="Arial" pitchFamily="18"/>
+                          <a:ea typeface="Andale Sans UI" pitchFamily="2"/>
+                          <a:cs typeface="Tahoma" pitchFamily="2"/>
+                        </a:rPr>
+                        <a:t>Microsoft SQL Server Integration</a:t>
+                      </a:r>
+                    </a:p>
+                  </a:txBody>
+                  <a:tcPr marL="82953" marR="82953" marT="41476" marB="41476"/>
+                </a:tc>
+                <a:tc>
+                  <a:txBody>
+                    <a:bodyPr/>
+                    <a:lstStyle/>
+                    <a:p>
+                      <a:pPr marL="0" marR="0" lvl="0" indent="0" hangingPunct="0">
+                        <a:lnSpc>
+                          <a:spcPct val="100000"/>
+                        </a:lnSpc>
+                        <a:spcBef>
+                          <a:spcPts val="0"/>
+                        </a:spcBef>
+                        <a:spcAft>
+                          <a:spcPts val="0"/>
+                        </a:spcAft>
+                        <a:buNone/>
+                        <a:tabLst/>
+                      </a:pPr>
+                      <a:r>
+                        <a:rPr lang="en-US" sz="1600" b="0" i="0" u="none" strike="noStrike" kern="1200">
+                          <a:ln>
+                            <a:noFill/>
+                          </a:ln>
+                          <a:latin typeface="Arial" pitchFamily="18"/>
+                          <a:ea typeface="Andale Sans UI" pitchFamily="2"/>
+                          <a:cs typeface="Tahoma" pitchFamily="2"/>
+                        </a:rPr>
+                        <a:t>Microsoft</a:t>
+                      </a:r>
+                    </a:p>
+                  </a:txBody>
+                  <a:tcPr marL="82953" marR="82953" marT="41476" marB="41476"/>
+                </a:tc>
+                <a:extLst>
+                  <a:ext uri="{0D108BD9-81ED-4DB2-BD59-A6C34878D82A}">
+                    <a16:rowId xmlns:a16="http://schemas.microsoft.com/office/drawing/2014/main" val="3308809771"/>
+                  </a:ext>
+                </a:extLst>
+              </a:tr>
+              <a:tr h="655130">
+                <a:tc>
+                  <a:txBody>
+                    <a:bodyPr/>
+                    <a:lstStyle/>
+                    <a:p>
+                      <a:pPr marL="0" marR="0" lvl="0" indent="0" hangingPunct="0">
+                        <a:lnSpc>
+                          <a:spcPct val="100000"/>
+                        </a:lnSpc>
+                        <a:spcBef>
+                          <a:spcPts val="0"/>
+                        </a:spcBef>
+                        <a:spcAft>
+                          <a:spcPts val="0"/>
+                        </a:spcAft>
+                        <a:buNone/>
+                        <a:tabLst/>
+                      </a:pPr>
+                      <a:r>
+                        <a:rPr lang="en-US" sz="1600" b="0" i="0" u="none" strike="noStrike" kern="1200">
+                          <a:ln>
+                            <a:noFill/>
+                          </a:ln>
+                          <a:latin typeface="Arial" pitchFamily="18"/>
+                          <a:ea typeface="Andale Sans UI" pitchFamily="2"/>
+                          <a:cs typeface="Tahoma" pitchFamily="2"/>
+                        </a:rPr>
+                        <a:t>Transformation Manager</a:t>
+                      </a:r>
+                    </a:p>
+                  </a:txBody>
+                  <a:tcPr marL="82953" marR="82953" marT="41476" marB="41476"/>
+                </a:tc>
+                <a:tc>
+                  <a:txBody>
+                    <a:bodyPr/>
+                    <a:lstStyle/>
+                    <a:p>
+                      <a:pPr marL="0" marR="0" lvl="0" indent="0" hangingPunct="0">
+                        <a:lnSpc>
+                          <a:spcPct val="100000"/>
+                        </a:lnSpc>
+                        <a:spcBef>
+                          <a:spcPts val="0"/>
+                        </a:spcBef>
+                        <a:spcAft>
+                          <a:spcPts val="0"/>
+                        </a:spcAft>
+                        <a:buNone/>
+                        <a:tabLst/>
+                      </a:pPr>
+                      <a:r>
+                        <a:rPr lang="en-US" sz="1600" b="0" i="0" u="none" strike="noStrike" kern="1200">
+                          <a:ln>
+                            <a:noFill/>
+                          </a:ln>
+                          <a:latin typeface="Arial" pitchFamily="18"/>
+                          <a:ea typeface="Andale Sans UI" pitchFamily="2"/>
+                          <a:cs typeface="Tahoma" pitchFamily="2"/>
+                        </a:rPr>
+                        <a:t>ETL Solutions</a:t>
+                      </a:r>
+                    </a:p>
+                  </a:txBody>
+                  <a:tcPr marL="82953" marR="82953" marT="41476" marB="41476"/>
+                </a:tc>
+                <a:extLst>
+                  <a:ext uri="{0D108BD9-81ED-4DB2-BD59-A6C34878D82A}">
+                    <a16:rowId xmlns:a16="http://schemas.microsoft.com/office/drawing/2014/main" val="2408853980"/>
+                  </a:ext>
+                </a:extLst>
+              </a:tr>
+            </a:tbl>
+          </a:graphicData>
+        </a:graphic>
+      </p:graphicFrame>
+    </p:spTree>
+  </p:cSld>
+  <p:clrMapOvr>
+    <a:masterClrMapping/>
+  </p:clrMapOvr>
+</p:sld>
+</file>
+
+<file path=ppt/slides/slide17.xml><?xml version="1.0" encoding="utf-8"?>
+<p:sld xmlns:a="http://schemas.openxmlformats.org/drawingml/2006/main" xmlns:r="http://schemas.openxmlformats.org/officeDocument/2006/relationships" xmlns:p="http://schemas.openxmlformats.org/presentationml/2006/main">
+  <p:cSld>
+    <p:spTree>
+      <p:nvGrpSpPr>
+        <p:cNvPr id="1" name=""/>
+        <p:cNvGrpSpPr/>
+        <p:nvPr/>
+      </p:nvGrpSpPr>
+      <p:grpSpPr>
+        <a:xfrm>
+          <a:off x="0" y="0"/>
+          <a:ext cx="0" cy="0"/>
+          <a:chOff x="0" y="0"/>
+          <a:chExt cx="0" cy="0"/>
+        </a:xfrm>
+      </p:grpSpPr>
+      <p:sp>
+        <p:nvSpPr>
+          <p:cNvPr id="2" name="Title 1"/>
+          <p:cNvSpPr>
+            <a:spLocks noGrp="1"/>
+          </p:cNvSpPr>
+          <p:nvPr>
+            <p:ph type="ctrTitle"/>
+          </p:nvPr>
+        </p:nvSpPr>
+        <p:spPr>
+          <a:xfrm>
+            <a:off x="2763983" y="1212210"/>
+            <a:ext cx="5945011" cy="997423"/>
+          </a:xfrm>
+        </p:spPr>
+        <p:txBody>
+          <a:bodyPr>
+            <a:normAutofit fontScale="90000"/>
+          </a:bodyPr>
+          <a:lstStyle/>
+          <a:p>
+            <a:r>
+              <a:rPr lang="en-US" b="1" dirty="0">
+                <a:solidFill>
+                  <a:schemeClr val="tx1"/>
+                </a:solidFill>
+              </a:rPr>
+              <a:t>Dimensional Modeling</a:t>
+            </a:r>
+          </a:p>
+        </p:txBody>
+      </p:sp>
+      <p:pic>
+        <p:nvPicPr>
+          <p:cNvPr id="3" name="Picture 2"/>
+          <p:cNvPicPr>
+            <a:picLocks noChangeAspect="1"/>
+          </p:cNvPicPr>
+          <p:nvPr/>
+        </p:nvPicPr>
+        <p:blipFill>
+          <a:blip r:embed="rId2" cstate="print">
+            <a:extLst>
+              <a:ext uri="{28A0092B-C50C-407E-A947-70E740481C1C}">
+                <a14:useLocalDpi xmlns:a14="http://schemas.microsoft.com/office/drawing/2010/main" val="0"/>
+              </a:ext>
+            </a:extLst>
+          </a:blip>
+          <a:stretch>
+            <a:fillRect/>
+          </a:stretch>
+        </p:blipFill>
+        <p:spPr>
+          <a:xfrm>
+            <a:off x="3456676" y="2622780"/>
+            <a:ext cx="4833028" cy="2601501"/>
+          </a:xfrm>
+          <a:prstGeom prst="rect">
+            <a:avLst/>
+          </a:prstGeom>
+        </p:spPr>
+      </p:pic>
+    </p:spTree>
+    <p:extLst>
+      <p:ext uri="{BB962C8B-B14F-4D97-AF65-F5344CB8AC3E}">
+        <p14:creationId xmlns:p14="http://schemas.microsoft.com/office/powerpoint/2010/main" val="3324009371"/>
+      </p:ext>
+    </p:extLst>
+  </p:cSld>
+  <p:clrMapOvr>
+    <a:masterClrMapping/>
+  </p:clrMapOvr>
+</p:sld>
+</file>
+
+<file path=ppt/slides/slide18.xml><?xml version="1.0" encoding="utf-8"?>
+<p:sld xmlns:a="http://schemas.openxmlformats.org/drawingml/2006/main" xmlns:r="http://schemas.openxmlformats.org/officeDocument/2006/relationships" xmlns:p="http://schemas.openxmlformats.org/presentationml/2006/main">
+  <p:cSld>
+    <p:spTree>
+      <p:nvGrpSpPr>
+        <p:cNvPr id="1" name=""/>
+        <p:cNvGrpSpPr/>
+        <p:nvPr/>
+      </p:nvGrpSpPr>
+      <p:grpSpPr>
+        <a:xfrm>
+          <a:off x="0" y="0"/>
+          <a:ext cx="0" cy="0"/>
+          <a:chOff x="0" y="0"/>
+          <a:chExt cx="0" cy="0"/>
+        </a:xfrm>
+      </p:grpSpPr>
+      <p:sp>
+        <p:nvSpPr>
+          <p:cNvPr id="6" name="TextBox 5"/>
+          <p:cNvSpPr txBox="1"/>
+          <p:nvPr/>
+        </p:nvSpPr>
+        <p:spPr>
+          <a:xfrm>
+            <a:off x="2567354" y="1875692"/>
+            <a:ext cx="6042804" cy="1384995"/>
+          </a:xfrm>
+          <a:prstGeom prst="rect">
+            <a:avLst/>
+          </a:prstGeom>
+          <a:noFill/>
+        </p:spPr>
+        <p:txBody>
+          <a:bodyPr wrap="square" rtlCol="0">
+            <a:spAutoFit/>
+          </a:bodyPr>
+          <a:lstStyle/>
+          <a:p>
+            <a:pPr marL="285750" indent="-285750">
+              <a:buFont typeface="Wingdings" pitchFamily="2" charset="2"/>
+              <a:buChar char="v"/>
+            </a:pPr>
+            <a:r>
+              <a:rPr lang="en-US" sz="2800" dirty="0"/>
+              <a:t>What is Dimensional Modeling?</a:t>
+            </a:r>
+          </a:p>
+          <a:p>
+            <a:pPr marL="285750" indent="-285750">
+              <a:buFont typeface="Wingdings" pitchFamily="2" charset="2"/>
+              <a:buChar char="v"/>
+            </a:pPr>
+            <a:r>
+              <a:rPr lang="en-US" sz="2800" dirty="0"/>
+              <a:t>Facts and Dimension Tables</a:t>
+            </a:r>
+          </a:p>
+          <a:p>
+            <a:pPr marL="285750" indent="-285750">
+              <a:buFont typeface="Wingdings" pitchFamily="2" charset="2"/>
+              <a:buChar char="v"/>
+            </a:pPr>
+            <a:r>
+              <a:rPr lang="en-US" sz="2800" dirty="0"/>
+              <a:t>Schema Design for Modeling</a:t>
+            </a:r>
+          </a:p>
+        </p:txBody>
+      </p:sp>
+    </p:spTree>
+    <p:extLst>
+      <p:ext uri="{BB962C8B-B14F-4D97-AF65-F5344CB8AC3E}">
+        <p14:creationId xmlns:p14="http://schemas.microsoft.com/office/powerpoint/2010/main" val="3942716683"/>
+      </p:ext>
+    </p:extLst>
+  </p:cSld>
+  <p:clrMapOvr>
+    <a:masterClrMapping/>
+  </p:clrMapOvr>
+</p:sld>
+</file>
+
+<file path=ppt/slides/slide19.xml><?xml version="1.0" encoding="utf-8"?>
+<p:sld xmlns:a="http://schemas.openxmlformats.org/drawingml/2006/main" xmlns:r="http://schemas.openxmlformats.org/officeDocument/2006/relationships" xmlns:p="http://schemas.openxmlformats.org/presentationml/2006/main">
+  <p:cSld>
+    <p:spTree>
+      <p:nvGrpSpPr>
+        <p:cNvPr id="1" name=""/>
+        <p:cNvGrpSpPr/>
+        <p:nvPr/>
+      </p:nvGrpSpPr>
+      <p:grpSpPr>
+        <a:xfrm>
+          <a:off x="0" y="0"/>
+          <a:ext cx="0" cy="0"/>
+          <a:chOff x="0" y="0"/>
+          <a:chExt cx="0" cy="0"/>
+        </a:xfrm>
+      </p:grpSpPr>
+      <p:sp>
+        <p:nvSpPr>
+          <p:cNvPr id="4" name="TextBox 3"/>
+          <p:cNvSpPr txBox="1"/>
+          <p:nvPr/>
+        </p:nvSpPr>
+        <p:spPr>
+          <a:xfrm>
+            <a:off x="1285103" y="2290119"/>
+            <a:ext cx="9028671" cy="2677656"/>
+          </a:xfrm>
+          <a:prstGeom prst="rect">
+            <a:avLst/>
+          </a:prstGeom>
+          <a:noFill/>
+        </p:spPr>
+        <p:txBody>
+          <a:bodyPr wrap="square" rtlCol="0">
+            <a:spAutoFit/>
+          </a:bodyPr>
+          <a:lstStyle/>
+          <a:p>
+            <a:pPr marL="457200" indent="-457200">
+              <a:buFont typeface="Wingdings" panose="05000000000000000000" pitchFamily="2" charset="2"/>
+              <a:buChar char="q"/>
+            </a:pPr>
+            <a:r>
+              <a:rPr lang="en-US" sz="2800" b="1" u="sng" dirty="0"/>
+              <a:t>Logical design </a:t>
+            </a:r>
+            <a:r>
+              <a:rPr lang="en-US" sz="2800" dirty="0"/>
+              <a:t>technique used for Data Warehouse</a:t>
+            </a:r>
+          </a:p>
+          <a:p>
+            <a:endParaRPr lang="en-US" sz="2800" dirty="0"/>
+          </a:p>
+          <a:p>
+            <a:pPr marL="457200" indent="-457200">
+              <a:buFont typeface="Wingdings" panose="05000000000000000000" pitchFamily="2" charset="2"/>
+              <a:buChar char="q"/>
+            </a:pPr>
+            <a:r>
+              <a:rPr lang="en-US" sz="2800" dirty="0"/>
+              <a:t>Technique for Databases designed to support </a:t>
+            </a:r>
+            <a:r>
+              <a:rPr lang="en-US" sz="2800" b="1" u="sng" dirty="0"/>
+              <a:t>end user queries </a:t>
+            </a:r>
+            <a:r>
+              <a:rPr lang="en-US" sz="2800" dirty="0"/>
+              <a:t>in Data Warehouse</a:t>
+            </a:r>
+          </a:p>
+          <a:p>
+            <a:pPr marL="457200" indent="-457200">
+              <a:buFont typeface="Wingdings" panose="05000000000000000000" pitchFamily="2" charset="2"/>
+              <a:buChar char="q"/>
+            </a:pPr>
+            <a:endParaRPr lang="en-US" sz="2800" dirty="0"/>
+          </a:p>
+        </p:txBody>
+      </p:sp>
+      <p:sp>
+        <p:nvSpPr>
+          <p:cNvPr id="5" name="TextBox 4"/>
+          <p:cNvSpPr txBox="1"/>
+          <p:nvPr/>
+        </p:nvSpPr>
+        <p:spPr>
+          <a:xfrm>
+            <a:off x="1482811" y="939430"/>
+            <a:ext cx="6853881" cy="707886"/>
+          </a:xfrm>
+          <a:prstGeom prst="rect">
+            <a:avLst/>
+          </a:prstGeom>
+          <a:noFill/>
+        </p:spPr>
+        <p:txBody>
+          <a:bodyPr wrap="square" rtlCol="0">
+            <a:spAutoFit/>
+          </a:bodyPr>
+          <a:lstStyle/>
+          <a:p>
+            <a:r>
+              <a:rPr lang="en-US" sz="4000" b="1" dirty="0"/>
+              <a:t>Dimensional Modeling</a:t>
+            </a:r>
+          </a:p>
+        </p:txBody>
+      </p:sp>
+    </p:spTree>
+    <p:extLst>
+      <p:ext uri="{BB962C8B-B14F-4D97-AF65-F5344CB8AC3E}">
+        <p14:creationId xmlns:p14="http://schemas.microsoft.com/office/powerpoint/2010/main" val="3704230288"/>
       </p:ext>
     </p:extLst>
   </p:cSld>
@@ -3057,10 +7591,9 @@
           <a:lstStyle/>
           <a:p>
             <a:r>
-              <a:rPr lang="en-US" dirty="0" smtClean="0"/>
+              <a:rPr lang="en-US" b="1" dirty="0"/>
               <a:t>Objectives</a:t>
             </a:r>
-            <a:endParaRPr lang="en-US" dirty="0"/>
           </a:p>
         </p:txBody>
       </p:sp>
@@ -3080,27 +7613,41 @@
           <a:lstStyle/>
           <a:p>
             <a:r>
-              <a:rPr lang="en-US" dirty="0" smtClean="0"/>
-              <a:t>What is Business Intelligence?</a:t>
-            </a:r>
-          </a:p>
-          <a:p>
-            <a:r>
-              <a:rPr lang="en-US" dirty="0" smtClean="0"/>
-              <a:t>Need of Business Intelligence</a:t>
-            </a:r>
-          </a:p>
-          <a:p>
-            <a:r>
-              <a:rPr lang="en-US" dirty="0" smtClean="0"/>
-              <a:t>Term used in Business Intelligence</a:t>
-            </a:r>
-          </a:p>
-          <a:p>
-            <a:r>
-              <a:rPr lang="en-US" dirty="0" smtClean="0"/>
+              <a:rPr lang="en-US" dirty="0"/>
+              <a:t>Introduction to Business Intelligence?</a:t>
+            </a:r>
+          </a:p>
+          <a:p>
+            <a:r>
+              <a:rPr lang="en-US" dirty="0"/>
               <a:t>Components of Business Intelligence</a:t>
             </a:r>
+          </a:p>
+          <a:p>
+            <a:r>
+              <a:rPr lang="en-US" dirty="0"/>
+              <a:t>ETL tools</a:t>
+            </a:r>
+          </a:p>
+          <a:p>
+            <a:r>
+              <a:rPr lang="en-US" dirty="0"/>
+              <a:t>Data Warehouse</a:t>
+            </a:r>
+          </a:p>
+          <a:p>
+            <a:r>
+              <a:rPr lang="en-US" dirty="0"/>
+              <a:t>Dimensional modeling</a:t>
+            </a:r>
+          </a:p>
+          <a:p>
+            <a:r>
+              <a:rPr lang="en-US" dirty="0"/>
+              <a:t>OLAP </a:t>
+            </a:r>
+          </a:p>
+          <a:p>
             <a:endParaRPr lang="en-US" dirty="0"/>
           </a:p>
         </p:txBody>
@@ -3109,6 +7656,1539 @@
     <p:extLst>
       <p:ext uri="{BB962C8B-B14F-4D97-AF65-F5344CB8AC3E}">
         <p14:creationId xmlns:p14="http://schemas.microsoft.com/office/powerpoint/2010/main" val="3401646041"/>
+      </p:ext>
+    </p:extLst>
+  </p:cSld>
+  <p:clrMapOvr>
+    <a:masterClrMapping/>
+  </p:clrMapOvr>
+</p:sld>
+</file>
+
+<file path=ppt/slides/slide20.xml><?xml version="1.0" encoding="utf-8"?>
+<p:sld xmlns:a="http://schemas.openxmlformats.org/drawingml/2006/main" xmlns:r="http://schemas.openxmlformats.org/officeDocument/2006/relationships" xmlns:p="http://schemas.openxmlformats.org/presentationml/2006/main">
+  <p:cSld>
+    <p:spTree>
+      <p:nvGrpSpPr>
+        <p:cNvPr id="1" name=""/>
+        <p:cNvGrpSpPr/>
+        <p:nvPr/>
+      </p:nvGrpSpPr>
+      <p:grpSpPr>
+        <a:xfrm>
+          <a:off x="0" y="0"/>
+          <a:ext cx="0" cy="0"/>
+          <a:chOff x="0" y="0"/>
+          <a:chExt cx="0" cy="0"/>
+        </a:xfrm>
+      </p:grpSpPr>
+      <p:sp>
+        <p:nvSpPr>
+          <p:cNvPr id="2" name="Title 1"/>
+          <p:cNvSpPr>
+            <a:spLocks noGrp="1"/>
+          </p:cNvSpPr>
+          <p:nvPr>
+            <p:ph type="title"/>
+          </p:nvPr>
+        </p:nvSpPr>
+        <p:spPr/>
+        <p:txBody>
+          <a:bodyPr>
+            <a:normAutofit/>
+          </a:bodyPr>
+          <a:lstStyle/>
+          <a:p>
+            <a:r>
+              <a:rPr lang="en-US" sz="4000" b="1" dirty="0">
+                <a:solidFill>
+                  <a:schemeClr val="tx1"/>
+                </a:solidFill>
+              </a:rPr>
+              <a:t>Facts and Dimension table</a:t>
+            </a:r>
+          </a:p>
+        </p:txBody>
+      </p:sp>
+      <p:sp>
+        <p:nvSpPr>
+          <p:cNvPr id="3" name="Content Placeholder 2"/>
+          <p:cNvSpPr>
+            <a:spLocks noGrp="1"/>
+          </p:cNvSpPr>
+          <p:nvPr>
+            <p:ph idx="1"/>
+          </p:nvPr>
+        </p:nvSpPr>
+        <p:spPr>
+          <a:xfrm>
+            <a:off x="1201615" y="2506662"/>
+            <a:ext cx="10515600" cy="4351338"/>
+          </a:xfrm>
+        </p:spPr>
+        <p:txBody>
+          <a:bodyPr/>
+          <a:lstStyle/>
+          <a:p>
+            <a:pPr marL="68580" indent="0">
+              <a:buNone/>
+            </a:pPr>
+            <a:r>
+              <a:rPr lang="en-US" dirty="0"/>
+              <a:t>Dimension Model is composed of TWO tables</a:t>
+            </a:r>
+          </a:p>
+          <a:p>
+            <a:pPr lvl="1">
+              <a:buFont typeface="Courier New" panose="02070309020205020404" pitchFamily="49" charset="0"/>
+              <a:buChar char="o"/>
+            </a:pPr>
+            <a:r>
+              <a:rPr lang="en-US" dirty="0"/>
+              <a:t>Fact Table </a:t>
+            </a:r>
+          </a:p>
+          <a:p>
+            <a:pPr lvl="1">
+              <a:buFont typeface="Courier New" panose="02070309020205020404" pitchFamily="49" charset="0"/>
+              <a:buChar char="o"/>
+            </a:pPr>
+            <a:r>
+              <a:rPr lang="en-US" dirty="0"/>
+              <a:t>Dimension Table</a:t>
+            </a:r>
+          </a:p>
+        </p:txBody>
+      </p:sp>
+    </p:spTree>
+    <p:extLst>
+      <p:ext uri="{BB962C8B-B14F-4D97-AF65-F5344CB8AC3E}">
+        <p14:creationId xmlns:p14="http://schemas.microsoft.com/office/powerpoint/2010/main" val="3179074927"/>
+      </p:ext>
+    </p:extLst>
+  </p:cSld>
+  <p:clrMapOvr>
+    <a:masterClrMapping/>
+  </p:clrMapOvr>
+</p:sld>
+</file>
+
+<file path=ppt/slides/slide21.xml><?xml version="1.0" encoding="utf-8"?>
+<p:sld xmlns:a="http://schemas.openxmlformats.org/drawingml/2006/main" xmlns:r="http://schemas.openxmlformats.org/officeDocument/2006/relationships" xmlns:p="http://schemas.openxmlformats.org/presentationml/2006/main">
+  <p:cSld>
+    <p:spTree>
+      <p:nvGrpSpPr>
+        <p:cNvPr id="1" name=""/>
+        <p:cNvGrpSpPr/>
+        <p:nvPr/>
+      </p:nvGrpSpPr>
+      <p:grpSpPr>
+        <a:xfrm>
+          <a:off x="0" y="0"/>
+          <a:ext cx="0" cy="0"/>
+          <a:chOff x="0" y="0"/>
+          <a:chExt cx="0" cy="0"/>
+        </a:xfrm>
+      </p:grpSpPr>
+      <p:sp>
+        <p:nvSpPr>
+          <p:cNvPr id="2" name="Title 1"/>
+          <p:cNvSpPr>
+            <a:spLocks noGrp="1"/>
+          </p:cNvSpPr>
+          <p:nvPr>
+            <p:ph type="title"/>
+          </p:nvPr>
+        </p:nvSpPr>
+        <p:spPr>
+          <a:xfrm>
+            <a:off x="900344" y="711352"/>
+            <a:ext cx="10515600" cy="1325563"/>
+          </a:xfrm>
+        </p:spPr>
+        <p:txBody>
+          <a:bodyPr>
+            <a:normAutofit/>
+          </a:bodyPr>
+          <a:lstStyle/>
+          <a:p>
+            <a:r>
+              <a:rPr lang="en-US" sz="4000" dirty="0">
+                <a:solidFill>
+                  <a:schemeClr val="tx1"/>
+                </a:solidFill>
+              </a:rPr>
+              <a:t>Fact Table</a:t>
+            </a:r>
+          </a:p>
+        </p:txBody>
+      </p:sp>
+      <p:sp>
+        <p:nvSpPr>
+          <p:cNvPr id="3" name="Content Placeholder 2"/>
+          <p:cNvSpPr>
+            <a:spLocks noGrp="1"/>
+          </p:cNvSpPr>
+          <p:nvPr>
+            <p:ph idx="1"/>
+          </p:nvPr>
+        </p:nvSpPr>
+        <p:spPr/>
+        <p:txBody>
+          <a:bodyPr/>
+          <a:lstStyle/>
+          <a:p>
+            <a:pPr marL="68580" indent="0">
+              <a:buNone/>
+            </a:pPr>
+            <a:r>
+              <a:rPr lang="en-US" dirty="0"/>
+              <a:t>Two Columns</a:t>
+            </a:r>
+          </a:p>
+          <a:p>
+            <a:pPr lvl="1"/>
+            <a:r>
+              <a:rPr lang="en-US" dirty="0"/>
+              <a:t>Numeric Facts</a:t>
+            </a:r>
+          </a:p>
+          <a:p>
+            <a:pPr lvl="1"/>
+            <a:r>
+              <a:rPr lang="en-US" dirty="0"/>
+              <a:t>Foreign Keys of Dimension Table</a:t>
+            </a:r>
+          </a:p>
+        </p:txBody>
+      </p:sp>
+      <p:sp>
+        <p:nvSpPr>
+          <p:cNvPr id="4" name="Title 1"/>
+          <p:cNvSpPr txBox="1">
+            <a:spLocks/>
+          </p:cNvSpPr>
+          <p:nvPr/>
+        </p:nvSpPr>
+        <p:spPr>
+          <a:xfrm>
+            <a:off x="838200" y="3613211"/>
+            <a:ext cx="7801708" cy="1068731"/>
+          </a:xfrm>
+          <a:prstGeom prst="rect">
+            <a:avLst/>
+          </a:prstGeom>
+        </p:spPr>
+        <p:txBody>
+          <a:bodyPr vert="horz" lIns="91440" tIns="45720" rIns="91440" bIns="45720" rtlCol="0" anchor="ctr">
+            <a:normAutofit/>
+          </a:bodyPr>
+          <a:lstStyle>
+            <a:lvl1pPr algn="l" defTabSz="914400" rtl="0" eaLnBrk="1" latinLnBrk="0" hangingPunct="1">
+              <a:lnSpc>
+                <a:spcPct val="90000"/>
+              </a:lnSpc>
+              <a:spcBef>
+                <a:spcPct val="0"/>
+              </a:spcBef>
+              <a:buNone/>
+              <a:defRPr sz="4400" kern="1200">
+                <a:solidFill>
+                  <a:schemeClr val="tx1"/>
+                </a:solidFill>
+                <a:latin typeface="+mj-lt"/>
+                <a:ea typeface="+mj-ea"/>
+                <a:cs typeface="+mj-cs"/>
+              </a:defRPr>
+            </a:lvl1pPr>
+          </a:lstStyle>
+          <a:p>
+            <a:r>
+              <a:rPr lang="en-US" sz="4000" dirty="0"/>
+              <a:t>Dimension Table</a:t>
+            </a:r>
+          </a:p>
+        </p:txBody>
+      </p:sp>
+      <p:sp>
+        <p:nvSpPr>
+          <p:cNvPr id="5" name="Content Placeholder 2"/>
+          <p:cNvSpPr txBox="1">
+            <a:spLocks/>
+          </p:cNvSpPr>
+          <p:nvPr/>
+        </p:nvSpPr>
+        <p:spPr>
+          <a:xfrm>
+            <a:off x="1418094" y="4611616"/>
+            <a:ext cx="10515600" cy="4351338"/>
+          </a:xfrm>
+          <a:prstGeom prst="rect">
+            <a:avLst/>
+          </a:prstGeom>
+        </p:spPr>
+        <p:txBody>
+          <a:bodyPr vert="horz" lIns="91440" tIns="45720" rIns="91440" bIns="45720" rtlCol="0">
+            <a:normAutofit/>
+          </a:bodyPr>
+          <a:lstStyle>
+            <a:lvl1pPr marL="228600" indent="-228600" algn="l" defTabSz="914400" rtl="0" eaLnBrk="1" latinLnBrk="0" hangingPunct="1">
+              <a:lnSpc>
+                <a:spcPct val="90000"/>
+              </a:lnSpc>
+              <a:spcBef>
+                <a:spcPts val="1000"/>
+              </a:spcBef>
+              <a:buFont typeface="Arial" panose="020B0604020202020204" pitchFamily="34" charset="0"/>
+              <a:buChar char="•"/>
+              <a:defRPr sz="2800" kern="1200">
+                <a:solidFill>
+                  <a:schemeClr val="tx1"/>
+                </a:solidFill>
+                <a:latin typeface="+mn-lt"/>
+                <a:ea typeface="+mn-ea"/>
+                <a:cs typeface="+mn-cs"/>
+              </a:defRPr>
+            </a:lvl1pPr>
+            <a:lvl2pPr marL="685800" indent="-228600" algn="l" defTabSz="914400" rtl="0" eaLnBrk="1" latinLnBrk="0" hangingPunct="1">
+              <a:lnSpc>
+                <a:spcPct val="90000"/>
+              </a:lnSpc>
+              <a:spcBef>
+                <a:spcPts val="500"/>
+              </a:spcBef>
+              <a:buFont typeface="Arial" panose="020B0604020202020204" pitchFamily="34" charset="0"/>
+              <a:buChar char="•"/>
+              <a:defRPr sz="2400" kern="1200">
+                <a:solidFill>
+                  <a:schemeClr val="tx1"/>
+                </a:solidFill>
+                <a:latin typeface="+mn-lt"/>
+                <a:ea typeface="+mn-ea"/>
+                <a:cs typeface="+mn-cs"/>
+              </a:defRPr>
+            </a:lvl2pPr>
+            <a:lvl3pPr marL="1143000" indent="-228600" algn="l" defTabSz="914400" rtl="0" eaLnBrk="1" latinLnBrk="0" hangingPunct="1">
+              <a:lnSpc>
+                <a:spcPct val="90000"/>
+              </a:lnSpc>
+              <a:spcBef>
+                <a:spcPts val="500"/>
+              </a:spcBef>
+              <a:buFont typeface="Arial" panose="020B0604020202020204" pitchFamily="34" charset="0"/>
+              <a:buChar char="•"/>
+              <a:defRPr sz="2000" kern="1200">
+                <a:solidFill>
+                  <a:schemeClr val="tx1"/>
+                </a:solidFill>
+                <a:latin typeface="+mn-lt"/>
+                <a:ea typeface="+mn-ea"/>
+                <a:cs typeface="+mn-cs"/>
+              </a:defRPr>
+            </a:lvl3pPr>
+            <a:lvl4pPr marL="1600200" indent="-228600" algn="l" defTabSz="914400" rtl="0" eaLnBrk="1" latinLnBrk="0" hangingPunct="1">
+              <a:lnSpc>
+                <a:spcPct val="90000"/>
+              </a:lnSpc>
+              <a:spcBef>
+                <a:spcPts val="500"/>
+              </a:spcBef>
+              <a:buFont typeface="Arial" panose="020B0604020202020204" pitchFamily="34" charset="0"/>
+              <a:buChar char="•"/>
+              <a:defRPr sz="1800" kern="1200">
+                <a:solidFill>
+                  <a:schemeClr val="tx1"/>
+                </a:solidFill>
+                <a:latin typeface="+mn-lt"/>
+                <a:ea typeface="+mn-ea"/>
+                <a:cs typeface="+mn-cs"/>
+              </a:defRPr>
+            </a:lvl4pPr>
+            <a:lvl5pPr marL="2057400" indent="-228600" algn="l" defTabSz="914400" rtl="0" eaLnBrk="1" latinLnBrk="0" hangingPunct="1">
+              <a:lnSpc>
+                <a:spcPct val="90000"/>
+              </a:lnSpc>
+              <a:spcBef>
+                <a:spcPts val="500"/>
+              </a:spcBef>
+              <a:buFont typeface="Arial" panose="020B0604020202020204" pitchFamily="34" charset="0"/>
+              <a:buChar char="•"/>
+              <a:defRPr sz="1800" kern="1200">
+                <a:solidFill>
+                  <a:schemeClr val="tx1"/>
+                </a:solidFill>
+                <a:latin typeface="+mn-lt"/>
+                <a:ea typeface="+mn-ea"/>
+                <a:cs typeface="+mn-cs"/>
+              </a:defRPr>
+            </a:lvl5pPr>
+            <a:lvl6pPr marL="2514600" indent="-228600" algn="l" defTabSz="914400" rtl="0" eaLnBrk="1" latinLnBrk="0" hangingPunct="1">
+              <a:lnSpc>
+                <a:spcPct val="90000"/>
+              </a:lnSpc>
+              <a:spcBef>
+                <a:spcPts val="500"/>
+              </a:spcBef>
+              <a:buFont typeface="Arial" panose="020B0604020202020204" pitchFamily="34" charset="0"/>
+              <a:buChar char="•"/>
+              <a:defRPr sz="1800" kern="1200">
+                <a:solidFill>
+                  <a:schemeClr val="tx1"/>
+                </a:solidFill>
+                <a:latin typeface="+mn-lt"/>
+                <a:ea typeface="+mn-ea"/>
+                <a:cs typeface="+mn-cs"/>
+              </a:defRPr>
+            </a:lvl6pPr>
+            <a:lvl7pPr marL="2971800" indent="-228600" algn="l" defTabSz="914400" rtl="0" eaLnBrk="1" latinLnBrk="0" hangingPunct="1">
+              <a:lnSpc>
+                <a:spcPct val="90000"/>
+              </a:lnSpc>
+              <a:spcBef>
+                <a:spcPts val="500"/>
+              </a:spcBef>
+              <a:buFont typeface="Arial" panose="020B0604020202020204" pitchFamily="34" charset="0"/>
+              <a:buChar char="•"/>
+              <a:defRPr sz="1800" kern="1200">
+                <a:solidFill>
+                  <a:schemeClr val="tx1"/>
+                </a:solidFill>
+                <a:latin typeface="+mn-lt"/>
+                <a:ea typeface="+mn-ea"/>
+                <a:cs typeface="+mn-cs"/>
+              </a:defRPr>
+            </a:lvl7pPr>
+            <a:lvl8pPr marL="3429000" indent="-228600" algn="l" defTabSz="914400" rtl="0" eaLnBrk="1" latinLnBrk="0" hangingPunct="1">
+              <a:lnSpc>
+                <a:spcPct val="90000"/>
+              </a:lnSpc>
+              <a:spcBef>
+                <a:spcPts val="500"/>
+              </a:spcBef>
+              <a:buFont typeface="Arial" panose="020B0604020202020204" pitchFamily="34" charset="0"/>
+              <a:buChar char="•"/>
+              <a:defRPr sz="1800" kern="1200">
+                <a:solidFill>
+                  <a:schemeClr val="tx1"/>
+                </a:solidFill>
+                <a:latin typeface="+mn-lt"/>
+                <a:ea typeface="+mn-ea"/>
+                <a:cs typeface="+mn-cs"/>
+              </a:defRPr>
+            </a:lvl8pPr>
+            <a:lvl9pPr marL="3886200" indent="-228600" algn="l" defTabSz="914400" rtl="0" eaLnBrk="1" latinLnBrk="0" hangingPunct="1">
+              <a:lnSpc>
+                <a:spcPct val="90000"/>
+              </a:lnSpc>
+              <a:spcBef>
+                <a:spcPts val="500"/>
+              </a:spcBef>
+              <a:buFont typeface="Arial" panose="020B0604020202020204" pitchFamily="34" charset="0"/>
+              <a:buChar char="•"/>
+              <a:defRPr sz="1800" kern="1200">
+                <a:solidFill>
+                  <a:schemeClr val="tx1"/>
+                </a:solidFill>
+                <a:latin typeface="+mn-lt"/>
+                <a:ea typeface="+mn-ea"/>
+                <a:cs typeface="+mn-cs"/>
+              </a:defRPr>
+            </a:lvl9pPr>
+          </a:lstStyle>
+          <a:p>
+            <a:r>
+              <a:rPr lang="en-US" sz="2400" dirty="0"/>
+              <a:t>Contains the attributes that describe fact records</a:t>
+            </a:r>
+          </a:p>
+        </p:txBody>
+      </p:sp>
+    </p:spTree>
+    <p:extLst>
+      <p:ext uri="{BB962C8B-B14F-4D97-AF65-F5344CB8AC3E}">
+        <p14:creationId xmlns:p14="http://schemas.microsoft.com/office/powerpoint/2010/main" val="922021470"/>
+      </p:ext>
+    </p:extLst>
+  </p:cSld>
+  <p:clrMapOvr>
+    <a:masterClrMapping/>
+  </p:clrMapOvr>
+</p:sld>
+</file>
+
+<file path=ppt/slides/slide22.xml><?xml version="1.0" encoding="utf-8"?>
+<p:sld xmlns:a="http://schemas.openxmlformats.org/drawingml/2006/main" xmlns:r="http://schemas.openxmlformats.org/officeDocument/2006/relationships" xmlns:p="http://schemas.openxmlformats.org/presentationml/2006/main">
+  <p:cSld>
+    <p:spTree>
+      <p:nvGrpSpPr>
+        <p:cNvPr id="1" name=""/>
+        <p:cNvGrpSpPr/>
+        <p:nvPr/>
+      </p:nvGrpSpPr>
+      <p:grpSpPr>
+        <a:xfrm>
+          <a:off x="0" y="0"/>
+          <a:ext cx="0" cy="0"/>
+          <a:chOff x="0" y="0"/>
+          <a:chExt cx="0" cy="0"/>
+        </a:xfrm>
+      </p:grpSpPr>
+      <p:pic>
+        <p:nvPicPr>
+          <p:cNvPr id="5" name="Picture 4"/>
+          <p:cNvPicPr>
+            <a:picLocks noChangeAspect="1"/>
+          </p:cNvPicPr>
+          <p:nvPr/>
+        </p:nvPicPr>
+        <p:blipFill>
+          <a:blip r:embed="rId2"/>
+          <a:stretch>
+            <a:fillRect/>
+          </a:stretch>
+        </p:blipFill>
+        <p:spPr>
+          <a:xfrm>
+            <a:off x="853566" y="321354"/>
+            <a:ext cx="9828385" cy="6067724"/>
+          </a:xfrm>
+          <a:prstGeom prst="rect">
+            <a:avLst/>
+          </a:prstGeom>
+        </p:spPr>
+      </p:pic>
+    </p:spTree>
+    <p:extLst>
+      <p:ext uri="{BB962C8B-B14F-4D97-AF65-F5344CB8AC3E}">
+        <p14:creationId xmlns:p14="http://schemas.microsoft.com/office/powerpoint/2010/main" val="54617796"/>
+      </p:ext>
+    </p:extLst>
+  </p:cSld>
+  <p:clrMapOvr>
+    <a:masterClrMapping/>
+  </p:clrMapOvr>
+</p:sld>
+</file>
+
+<file path=ppt/slides/slide23.xml><?xml version="1.0" encoding="utf-8"?>
+<p:sld xmlns:a="http://schemas.openxmlformats.org/drawingml/2006/main" xmlns:r="http://schemas.openxmlformats.org/officeDocument/2006/relationships" xmlns:p="http://schemas.openxmlformats.org/presentationml/2006/main">
+  <p:cSld>
+    <p:spTree>
+      <p:nvGrpSpPr>
+        <p:cNvPr id="1" name=""/>
+        <p:cNvGrpSpPr/>
+        <p:nvPr/>
+      </p:nvGrpSpPr>
+      <p:grpSpPr>
+        <a:xfrm>
+          <a:off x="0" y="0"/>
+          <a:ext cx="0" cy="0"/>
+          <a:chOff x="0" y="0"/>
+          <a:chExt cx="0" cy="0"/>
+        </a:xfrm>
+      </p:grpSpPr>
+      <p:sp>
+        <p:nvSpPr>
+          <p:cNvPr id="2" name="Title 1"/>
+          <p:cNvSpPr>
+            <a:spLocks noGrp="1"/>
+          </p:cNvSpPr>
+          <p:nvPr>
+            <p:ph type="title"/>
+          </p:nvPr>
+        </p:nvSpPr>
+        <p:spPr>
+          <a:xfrm>
+            <a:off x="879231" y="655712"/>
+            <a:ext cx="9366325" cy="1143000"/>
+          </a:xfrm>
+        </p:spPr>
+        <p:txBody>
+          <a:bodyPr>
+            <a:normAutofit/>
+          </a:bodyPr>
+          <a:lstStyle/>
+          <a:p>
+            <a:r>
+              <a:rPr lang="en-US" sz="4000" b="1" dirty="0">
+                <a:solidFill>
+                  <a:schemeClr val="tx1"/>
+                </a:solidFill>
+              </a:rPr>
+              <a:t>Schema Design :</a:t>
+            </a:r>
+          </a:p>
+        </p:txBody>
+      </p:sp>
+      <p:sp>
+        <p:nvSpPr>
+          <p:cNvPr id="3" name="Content Placeholder 2"/>
+          <p:cNvSpPr>
+            <a:spLocks noGrp="1"/>
+          </p:cNvSpPr>
+          <p:nvPr>
+            <p:ph idx="1"/>
+          </p:nvPr>
+        </p:nvSpPr>
+        <p:spPr>
+          <a:xfrm>
+            <a:off x="967153" y="2060086"/>
+            <a:ext cx="10515600" cy="1386498"/>
+          </a:xfrm>
+        </p:spPr>
+        <p:txBody>
+          <a:bodyPr/>
+          <a:lstStyle/>
+          <a:p>
+            <a:r>
+              <a:rPr lang="en-US" sz="2800" dirty="0"/>
+              <a:t>Star Schema </a:t>
+            </a:r>
+            <a:r>
+              <a:rPr lang="en-US" dirty="0"/>
+              <a:t>: </a:t>
+            </a:r>
+          </a:p>
+          <a:p>
+            <a:pPr lvl="1"/>
+            <a:r>
+              <a:rPr lang="en-US" sz="2400" dirty="0"/>
+              <a:t>Central fact table surrounded by dimension tables</a:t>
+            </a:r>
+          </a:p>
+        </p:txBody>
+      </p:sp>
+      <p:sp>
+        <p:nvSpPr>
+          <p:cNvPr id="6" name="TextBox 5"/>
+          <p:cNvSpPr txBox="1"/>
+          <p:nvPr/>
+        </p:nvSpPr>
+        <p:spPr>
+          <a:xfrm>
+            <a:off x="879231" y="3552092"/>
+            <a:ext cx="6412523" cy="892552"/>
+          </a:xfrm>
+          <a:prstGeom prst="rect">
+            <a:avLst/>
+          </a:prstGeom>
+          <a:noFill/>
+        </p:spPr>
+        <p:txBody>
+          <a:bodyPr wrap="square" rtlCol="0">
+            <a:spAutoFit/>
+          </a:bodyPr>
+          <a:lstStyle/>
+          <a:p>
+            <a:pPr marL="285750" indent="-285750">
+              <a:buFont typeface="Arial" pitchFamily="34" charset="0"/>
+              <a:buChar char="•"/>
+            </a:pPr>
+            <a:r>
+              <a:rPr lang="en-US" sz="2800" dirty="0"/>
+              <a:t>Snowflake Schema :</a:t>
+            </a:r>
+          </a:p>
+          <a:p>
+            <a:pPr marL="742950" lvl="1" indent="-285750">
+              <a:buFont typeface="Arial" pitchFamily="34" charset="0"/>
+              <a:buChar char="•"/>
+            </a:pPr>
+            <a:r>
+              <a:rPr lang="en-US" sz="2400" dirty="0"/>
+              <a:t>Represents dimensional hierarchy  </a:t>
+            </a:r>
+          </a:p>
+        </p:txBody>
+      </p:sp>
+    </p:spTree>
+    <p:extLst>
+      <p:ext uri="{BB962C8B-B14F-4D97-AF65-F5344CB8AC3E}">
+        <p14:creationId xmlns:p14="http://schemas.microsoft.com/office/powerpoint/2010/main" val="3157993368"/>
+      </p:ext>
+    </p:extLst>
+  </p:cSld>
+  <p:clrMapOvr>
+    <a:masterClrMapping/>
+  </p:clrMapOvr>
+</p:sld>
+</file>
+
+<file path=ppt/slides/slide24.xml><?xml version="1.0" encoding="utf-8"?>
+<p:sld xmlns:a="http://schemas.openxmlformats.org/drawingml/2006/main" xmlns:r="http://schemas.openxmlformats.org/officeDocument/2006/relationships" xmlns:p="http://schemas.openxmlformats.org/presentationml/2006/main">
+  <p:cSld>
+    <p:spTree>
+      <p:nvGrpSpPr>
+        <p:cNvPr id="1" name=""/>
+        <p:cNvGrpSpPr/>
+        <p:nvPr/>
+      </p:nvGrpSpPr>
+      <p:grpSpPr>
+        <a:xfrm>
+          <a:off x="0" y="0"/>
+          <a:ext cx="0" cy="0"/>
+          <a:chOff x="0" y="0"/>
+          <a:chExt cx="0" cy="0"/>
+        </a:xfrm>
+      </p:grpSpPr>
+      <p:sp>
+        <p:nvSpPr>
+          <p:cNvPr id="6" name="TextBox 5"/>
+          <p:cNvSpPr txBox="1"/>
+          <p:nvPr/>
+        </p:nvSpPr>
+        <p:spPr>
+          <a:xfrm>
+            <a:off x="1008185" y="4407876"/>
+            <a:ext cx="4407876" cy="584775"/>
+          </a:xfrm>
+          <a:prstGeom prst="rect">
+            <a:avLst/>
+          </a:prstGeom>
+          <a:noFill/>
+        </p:spPr>
+        <p:txBody>
+          <a:bodyPr wrap="square" rtlCol="0">
+            <a:spAutoFit/>
+          </a:bodyPr>
+          <a:lstStyle/>
+          <a:p>
+            <a:r>
+              <a:rPr lang="en-US" sz="3200" b="1" dirty="0"/>
+              <a:t>Star Schema</a:t>
+            </a:r>
+          </a:p>
+        </p:txBody>
+      </p:sp>
+      <p:sp>
+        <p:nvSpPr>
+          <p:cNvPr id="7" name="TextBox 6"/>
+          <p:cNvSpPr txBox="1"/>
+          <p:nvPr/>
+        </p:nvSpPr>
+        <p:spPr>
+          <a:xfrm>
+            <a:off x="7537938" y="4396154"/>
+            <a:ext cx="3505200" cy="523220"/>
+          </a:xfrm>
+          <a:prstGeom prst="rect">
+            <a:avLst/>
+          </a:prstGeom>
+          <a:noFill/>
+        </p:spPr>
+        <p:txBody>
+          <a:bodyPr wrap="square" rtlCol="0">
+            <a:spAutoFit/>
+          </a:bodyPr>
+          <a:lstStyle/>
+          <a:p>
+            <a:r>
+              <a:rPr lang="en-US" sz="2800" b="1" dirty="0"/>
+              <a:t>Snowflake Schema</a:t>
+            </a:r>
+          </a:p>
+        </p:txBody>
+      </p:sp>
+      <p:pic>
+        <p:nvPicPr>
+          <p:cNvPr id="1026" name="Picture 2"/>
+          <p:cNvPicPr>
+            <a:picLocks noChangeAspect="1" noChangeArrowheads="1"/>
+          </p:cNvPicPr>
+          <p:nvPr/>
+        </p:nvPicPr>
+        <p:blipFill>
+          <a:blip r:embed="rId2">
+            <a:extLst>
+              <a:ext uri="{28A0092B-C50C-407E-A947-70E740481C1C}">
+                <a14:useLocalDpi xmlns:a14="http://schemas.microsoft.com/office/drawing/2010/main" val="0"/>
+              </a:ext>
+            </a:extLst>
+          </a:blip>
+          <a:srcRect/>
+          <a:stretch>
+            <a:fillRect/>
+          </a:stretch>
+        </p:blipFill>
+        <p:spPr bwMode="auto">
+          <a:xfrm>
+            <a:off x="5815747" y="1148128"/>
+            <a:ext cx="5953125" cy="3248025"/>
+          </a:xfrm>
+          <a:prstGeom prst="rect">
+            <a:avLst/>
+          </a:prstGeom>
+          <a:noFill/>
+          <a:ln>
+            <a:noFill/>
+          </a:ln>
+          <a:effectLst/>
+          <a:extLst>
+            <a:ext uri="{909E8E84-426E-40DD-AFC4-6F175D3DCCD1}">
+              <a14:hiddenFill xmlns:a14="http://schemas.microsoft.com/office/drawing/2010/main">
+                <a:solidFill>
+                  <a:schemeClr val="accent1"/>
+                </a:solidFill>
+              </a14:hiddenFill>
+            </a:ext>
+            <a:ext uri="{91240B29-F687-4F45-9708-019B960494DF}">
+              <a14:hiddenLine xmlns:a14="http://schemas.microsoft.com/office/drawing/2010/main" w="9525">
+                <a:solidFill>
+                  <a:schemeClr val="tx1"/>
+                </a:solidFill>
+                <a:miter lim="800000"/>
+                <a:headEnd/>
+                <a:tailEnd/>
+              </a14:hiddenLine>
+            </a:ext>
+            <a:ext uri="{AF507438-7753-43E0-B8FC-AC1667EBCBE1}">
+              <a14:hiddenEffects xmlns:a14="http://schemas.microsoft.com/office/drawing/2010/main">
+                <a:effectLst>
+                  <a:outerShdw dist="35921" dir="2700000" algn="ctr" rotWithShape="0">
+                    <a:schemeClr val="bg2"/>
+                  </a:outerShdw>
+                </a:effectLst>
+              </a14:hiddenEffects>
+            </a:ext>
+          </a:extLst>
+        </p:spPr>
+      </p:pic>
+      <p:pic>
+        <p:nvPicPr>
+          <p:cNvPr id="1027" name="Picture 3"/>
+          <p:cNvPicPr>
+            <a:picLocks noChangeAspect="1" noChangeArrowheads="1"/>
+          </p:cNvPicPr>
+          <p:nvPr/>
+        </p:nvPicPr>
+        <p:blipFill>
+          <a:blip r:embed="rId3">
+            <a:extLst>
+              <a:ext uri="{28A0092B-C50C-407E-A947-70E740481C1C}">
+                <a14:useLocalDpi xmlns:a14="http://schemas.microsoft.com/office/drawing/2010/main" val="0"/>
+              </a:ext>
+            </a:extLst>
+          </a:blip>
+          <a:srcRect/>
+          <a:stretch>
+            <a:fillRect/>
+          </a:stretch>
+        </p:blipFill>
+        <p:spPr bwMode="auto">
+          <a:xfrm>
+            <a:off x="0" y="1289539"/>
+            <a:ext cx="5715688" cy="2836984"/>
+          </a:xfrm>
+          <a:prstGeom prst="rect">
+            <a:avLst/>
+          </a:prstGeom>
+          <a:noFill/>
+          <a:ln>
+            <a:noFill/>
+          </a:ln>
+          <a:effectLst/>
+          <a:extLst>
+            <a:ext uri="{909E8E84-426E-40DD-AFC4-6F175D3DCCD1}">
+              <a14:hiddenFill xmlns:a14="http://schemas.microsoft.com/office/drawing/2010/main">
+                <a:solidFill>
+                  <a:schemeClr val="accent1"/>
+                </a:solidFill>
+              </a14:hiddenFill>
+            </a:ext>
+            <a:ext uri="{91240B29-F687-4F45-9708-019B960494DF}">
+              <a14:hiddenLine xmlns:a14="http://schemas.microsoft.com/office/drawing/2010/main" w="9525">
+                <a:solidFill>
+                  <a:schemeClr val="tx1"/>
+                </a:solidFill>
+                <a:miter lim="800000"/>
+                <a:headEnd/>
+                <a:tailEnd/>
+              </a14:hiddenLine>
+            </a:ext>
+            <a:ext uri="{AF507438-7753-43E0-B8FC-AC1667EBCBE1}">
+              <a14:hiddenEffects xmlns:a14="http://schemas.microsoft.com/office/drawing/2010/main">
+                <a:effectLst>
+                  <a:outerShdw dist="35921" dir="2700000" algn="ctr" rotWithShape="0">
+                    <a:schemeClr val="bg2"/>
+                  </a:outerShdw>
+                </a:effectLst>
+              </a14:hiddenEffects>
+            </a:ext>
+          </a:extLst>
+        </p:spPr>
+      </p:pic>
+    </p:spTree>
+    <p:extLst>
+      <p:ext uri="{BB962C8B-B14F-4D97-AF65-F5344CB8AC3E}">
+        <p14:creationId xmlns:p14="http://schemas.microsoft.com/office/powerpoint/2010/main" val="2818767146"/>
+      </p:ext>
+    </p:extLst>
+  </p:cSld>
+  <p:clrMapOvr>
+    <a:masterClrMapping/>
+  </p:clrMapOvr>
+  <p:timing>
+    <p:tnLst>
+      <p:par>
+        <p:cTn id="1" dur="indefinite" restart="never" nodeType="tmRoot">
+          <p:childTnLst>
+            <p:seq concurrent="1" nextAc="seek">
+              <p:cTn id="2" dur="indefinite" nodeType="mainSeq">
+                <p:childTnLst>
+                  <p:par>
+                    <p:cTn id="3" fill="hold">
+                      <p:stCondLst>
+                        <p:cond delay="indefinite"/>
+                      </p:stCondLst>
+                      <p:childTnLst>
+                        <p:par>
+                          <p:cTn id="4" fill="hold">
+                            <p:stCondLst>
+                              <p:cond delay="0"/>
+                            </p:stCondLst>
+                            <p:childTnLst>
+                              <p:par>
+                                <p:cTn id="5" presetID="10" presetClass="entr" presetSubtype="0" fill="hold" grpId="0" nodeType="clickEffect">
+                                  <p:stCondLst>
+                                    <p:cond delay="0"/>
+                                  </p:stCondLst>
+                                  <p:childTnLst>
+                                    <p:set>
+                                      <p:cBhvr>
+                                        <p:cTn id="6" dur="1" fill="hold">
+                                          <p:stCondLst>
+                                            <p:cond delay="0"/>
+                                          </p:stCondLst>
+                                        </p:cTn>
+                                        <p:tgtEl>
+                                          <p:spTgt spid="6"/>
+                                        </p:tgtEl>
+                                        <p:attrNameLst>
+                                          <p:attrName>style.visibility</p:attrName>
+                                        </p:attrNameLst>
+                                      </p:cBhvr>
+                                      <p:to>
+                                        <p:strVal val="visible"/>
+                                      </p:to>
+                                    </p:set>
+                                    <p:animEffect transition="in" filter="fade">
+                                      <p:cBhvr>
+                                        <p:cTn id="7" dur="500"/>
+                                        <p:tgtEl>
+                                          <p:spTgt spid="6"/>
+                                        </p:tgtEl>
+                                      </p:cBhvr>
+                                    </p:animEffect>
+                                  </p:childTnLst>
+                                </p:cTn>
+                              </p:par>
+                              <p:par>
+                                <p:cTn id="8" presetID="10" presetClass="entr" presetSubtype="0" fill="hold" grpId="0" nodeType="withEffect">
+                                  <p:stCondLst>
+                                    <p:cond delay="0"/>
+                                  </p:stCondLst>
+                                  <p:childTnLst>
+                                    <p:set>
+                                      <p:cBhvr>
+                                        <p:cTn id="9" dur="1" fill="hold">
+                                          <p:stCondLst>
+                                            <p:cond delay="0"/>
+                                          </p:stCondLst>
+                                        </p:cTn>
+                                        <p:tgtEl>
+                                          <p:spTgt spid="7"/>
+                                        </p:tgtEl>
+                                        <p:attrNameLst>
+                                          <p:attrName>style.visibility</p:attrName>
+                                        </p:attrNameLst>
+                                      </p:cBhvr>
+                                      <p:to>
+                                        <p:strVal val="visible"/>
+                                      </p:to>
+                                    </p:set>
+                                    <p:animEffect transition="in" filter="fade">
+                                      <p:cBhvr>
+                                        <p:cTn id="10" dur="500"/>
+                                        <p:tgtEl>
+                                          <p:spTgt spid="7"/>
+                                        </p:tgtEl>
+                                      </p:cBhvr>
+                                    </p:animEffect>
+                                  </p:childTnLst>
+                                </p:cTn>
+                              </p:par>
+                            </p:childTnLst>
+                          </p:cTn>
+                        </p:par>
+                      </p:childTnLst>
+                    </p:cTn>
+                  </p:par>
+                </p:childTnLst>
+              </p:cTn>
+              <p:prevCondLst>
+                <p:cond evt="onPrev" delay="0">
+                  <p:tgtEl>
+                    <p:sldTgt/>
+                  </p:tgtEl>
+                </p:cond>
+              </p:prevCondLst>
+              <p:nextCondLst>
+                <p:cond evt="onNext" delay="0">
+                  <p:tgtEl>
+                    <p:sldTgt/>
+                  </p:tgtEl>
+                </p:cond>
+              </p:nextCondLst>
+            </p:seq>
+          </p:childTnLst>
+        </p:cTn>
+      </p:par>
+    </p:tnLst>
+    <p:bldLst>
+      <p:bldP spid="6" grpId="0"/>
+      <p:bldP spid="7" grpId="0"/>
+    </p:bldLst>
+  </p:timing>
+</p:sld>
+</file>
+
+<file path=ppt/slides/slide25.xml><?xml version="1.0" encoding="utf-8"?>
+<p:sld xmlns:a="http://schemas.openxmlformats.org/drawingml/2006/main" xmlns:r="http://schemas.openxmlformats.org/officeDocument/2006/relationships" xmlns:p="http://schemas.openxmlformats.org/presentationml/2006/main">
+  <p:cSld>
+    <p:spTree>
+      <p:nvGrpSpPr>
+        <p:cNvPr id="1" name=""/>
+        <p:cNvGrpSpPr/>
+        <p:nvPr/>
+      </p:nvGrpSpPr>
+      <p:grpSpPr>
+        <a:xfrm>
+          <a:off x="0" y="0"/>
+          <a:ext cx="0" cy="0"/>
+          <a:chOff x="0" y="0"/>
+          <a:chExt cx="0" cy="0"/>
+        </a:xfrm>
+      </p:grpSpPr>
+      <p:sp>
+        <p:nvSpPr>
+          <p:cNvPr id="2" name="Title 1"/>
+          <p:cNvSpPr>
+            <a:spLocks noGrp="1"/>
+          </p:cNvSpPr>
+          <p:nvPr>
+            <p:ph type="title"/>
+          </p:nvPr>
+        </p:nvSpPr>
+        <p:spPr>
+          <a:xfrm>
+            <a:off x="898951" y="316523"/>
+            <a:ext cx="9366325" cy="1143000"/>
+          </a:xfrm>
+        </p:spPr>
+        <p:txBody>
+          <a:bodyPr/>
+          <a:lstStyle/>
+          <a:p>
+            <a:r>
+              <a:rPr lang="en-US" dirty="0">
+                <a:solidFill>
+                  <a:schemeClr val="tx1"/>
+                </a:solidFill>
+              </a:rPr>
+              <a:t>Fact Constellation (Galaxy Schema)</a:t>
+            </a:r>
+          </a:p>
+        </p:txBody>
+      </p:sp>
+      <p:sp>
+        <p:nvSpPr>
+          <p:cNvPr id="3" name="Content Placeholder 2"/>
+          <p:cNvSpPr>
+            <a:spLocks noGrp="1"/>
+          </p:cNvSpPr>
+          <p:nvPr>
+            <p:ph idx="1"/>
+          </p:nvPr>
+        </p:nvSpPr>
+        <p:spPr>
+          <a:xfrm>
+            <a:off x="1039631" y="1549929"/>
+            <a:ext cx="9036423" cy="3508977"/>
+          </a:xfrm>
+        </p:spPr>
+        <p:txBody>
+          <a:bodyPr/>
+          <a:lstStyle/>
+          <a:p>
+            <a:r>
+              <a:rPr lang="en-US" dirty="0"/>
+              <a:t>Multiple fact tables share dimension tables</a:t>
+            </a:r>
+          </a:p>
+        </p:txBody>
+      </p:sp>
+      <p:pic>
+        <p:nvPicPr>
+          <p:cNvPr id="2050" name="Picture 2"/>
+          <p:cNvPicPr>
+            <a:picLocks noChangeAspect="1" noChangeArrowheads="1"/>
+          </p:cNvPicPr>
+          <p:nvPr/>
+        </p:nvPicPr>
+        <p:blipFill>
+          <a:blip r:embed="rId2">
+            <a:extLst>
+              <a:ext uri="{28A0092B-C50C-407E-A947-70E740481C1C}">
+                <a14:useLocalDpi xmlns:a14="http://schemas.microsoft.com/office/drawing/2010/main" val="0"/>
+              </a:ext>
+            </a:extLst>
+          </a:blip>
+          <a:srcRect/>
+          <a:stretch>
+            <a:fillRect/>
+          </a:stretch>
+        </p:blipFill>
+        <p:spPr bwMode="auto">
+          <a:xfrm>
+            <a:off x="2950919" y="2113085"/>
+            <a:ext cx="6371469" cy="4475285"/>
+          </a:xfrm>
+          <a:prstGeom prst="rect">
+            <a:avLst/>
+          </a:prstGeom>
+          <a:noFill/>
+          <a:ln>
+            <a:noFill/>
+          </a:ln>
+          <a:effectLst/>
+          <a:extLst>
+            <a:ext uri="{909E8E84-426E-40DD-AFC4-6F175D3DCCD1}">
+              <a14:hiddenFill xmlns:a14="http://schemas.microsoft.com/office/drawing/2010/main">
+                <a:solidFill>
+                  <a:schemeClr val="accent1"/>
+                </a:solidFill>
+              </a14:hiddenFill>
+            </a:ext>
+            <a:ext uri="{91240B29-F687-4F45-9708-019B960494DF}">
+              <a14:hiddenLine xmlns:a14="http://schemas.microsoft.com/office/drawing/2010/main" w="9525">
+                <a:solidFill>
+                  <a:schemeClr val="tx1"/>
+                </a:solidFill>
+                <a:miter lim="800000"/>
+                <a:headEnd/>
+                <a:tailEnd/>
+              </a14:hiddenLine>
+            </a:ext>
+            <a:ext uri="{AF507438-7753-43E0-B8FC-AC1667EBCBE1}">
+              <a14:hiddenEffects xmlns:a14="http://schemas.microsoft.com/office/drawing/2010/main">
+                <a:effectLst>
+                  <a:outerShdw dist="35921" dir="2700000" algn="ctr" rotWithShape="0">
+                    <a:schemeClr val="bg2"/>
+                  </a:outerShdw>
+                </a:effectLst>
+              </a14:hiddenEffects>
+            </a:ext>
+          </a:extLst>
+        </p:spPr>
+      </p:pic>
+    </p:spTree>
+    <p:extLst>
+      <p:ext uri="{BB962C8B-B14F-4D97-AF65-F5344CB8AC3E}">
+        <p14:creationId xmlns:p14="http://schemas.microsoft.com/office/powerpoint/2010/main" val="665878015"/>
+      </p:ext>
+    </p:extLst>
+  </p:cSld>
+  <p:clrMapOvr>
+    <a:masterClrMapping/>
+  </p:clrMapOvr>
+</p:sld>
+</file>
+
+<file path=ppt/slides/slide26.xml><?xml version="1.0" encoding="utf-8"?>
+<p:sld xmlns:a="http://schemas.openxmlformats.org/drawingml/2006/main" xmlns:r="http://schemas.openxmlformats.org/officeDocument/2006/relationships" xmlns:p="http://schemas.openxmlformats.org/presentationml/2006/main">
+  <p:cSld>
+    <p:spTree>
+      <p:nvGrpSpPr>
+        <p:cNvPr id="1" name=""/>
+        <p:cNvGrpSpPr/>
+        <p:nvPr/>
+      </p:nvGrpSpPr>
+      <p:grpSpPr>
+        <a:xfrm>
+          <a:off x="0" y="0"/>
+          <a:ext cx="0" cy="0"/>
+          <a:chOff x="0" y="0"/>
+          <a:chExt cx="0" cy="0"/>
+        </a:xfrm>
+      </p:grpSpPr>
+      <p:sp>
+        <p:nvSpPr>
+          <p:cNvPr id="2" name="Title 1"/>
+          <p:cNvSpPr>
+            <a:spLocks noGrp="1"/>
+          </p:cNvSpPr>
+          <p:nvPr>
+            <p:ph type="title"/>
+          </p:nvPr>
+        </p:nvSpPr>
+        <p:spPr/>
+        <p:txBody>
+          <a:bodyPr/>
+          <a:lstStyle/>
+          <a:p>
+            <a:r>
+              <a:rPr lang="en-IN" b="1" dirty="0"/>
+              <a:t>OLAP(Online Analytical Processing)</a:t>
+            </a:r>
+          </a:p>
+        </p:txBody>
+      </p:sp>
+      <p:sp>
+        <p:nvSpPr>
+          <p:cNvPr id="3" name="Content Placeholder 2"/>
+          <p:cNvSpPr>
+            <a:spLocks noGrp="1"/>
+          </p:cNvSpPr>
+          <p:nvPr>
+            <p:ph idx="1"/>
+          </p:nvPr>
+        </p:nvSpPr>
+        <p:spPr/>
+        <p:txBody>
+          <a:bodyPr/>
+          <a:lstStyle/>
+          <a:p>
+            <a:r>
+              <a:rPr lang="en-IN" dirty="0"/>
+              <a:t>OLAP (online analytical processing) is computer processing that enables a user to easily and selectively extract and view data from different points of view.</a:t>
+            </a:r>
+          </a:p>
+          <a:p>
+            <a:r>
+              <a:rPr lang="en-IN" dirty="0"/>
+              <a:t>OLAP allows users to analyze database information from multiple database systems at one time.</a:t>
+            </a:r>
+          </a:p>
+          <a:p>
+            <a:r>
+              <a:rPr lang="en-IN" dirty="0"/>
+              <a:t>OLAP data is stored in </a:t>
+            </a:r>
+            <a:r>
+              <a:rPr lang="en-IN" b="1" dirty="0"/>
+              <a:t>multidimensional</a:t>
+            </a:r>
+            <a:r>
+              <a:rPr lang="en-IN" dirty="0"/>
+              <a:t> databases.</a:t>
+            </a:r>
+          </a:p>
+          <a:p>
+            <a:r>
+              <a:rPr lang="en-IN" dirty="0"/>
+              <a:t>OLAP processing is often used for data mining. </a:t>
+            </a:r>
+          </a:p>
+        </p:txBody>
+      </p:sp>
+    </p:spTree>
+    <p:extLst>
+      <p:ext uri="{BB962C8B-B14F-4D97-AF65-F5344CB8AC3E}">
+        <p14:creationId xmlns:p14="http://schemas.microsoft.com/office/powerpoint/2010/main" val="1438990097"/>
+      </p:ext>
+    </p:extLst>
+  </p:cSld>
+  <p:clrMapOvr>
+    <a:masterClrMapping/>
+  </p:clrMapOvr>
+</p:sld>
+</file>
+
+<file path=ppt/slides/slide27.xml><?xml version="1.0" encoding="utf-8"?>
+<p:sld xmlns:a="http://schemas.openxmlformats.org/drawingml/2006/main" xmlns:r="http://schemas.openxmlformats.org/officeDocument/2006/relationships" xmlns:p="http://schemas.openxmlformats.org/presentationml/2006/main">
+  <p:cSld>
+    <p:spTree>
+      <p:nvGrpSpPr>
+        <p:cNvPr id="1" name=""/>
+        <p:cNvGrpSpPr/>
+        <p:nvPr/>
+      </p:nvGrpSpPr>
+      <p:grpSpPr>
+        <a:xfrm>
+          <a:off x="0" y="0"/>
+          <a:ext cx="0" cy="0"/>
+          <a:chOff x="0" y="0"/>
+          <a:chExt cx="0" cy="0"/>
+        </a:xfrm>
+      </p:grpSpPr>
+      <p:sp>
+        <p:nvSpPr>
+          <p:cNvPr id="2" name="Title 1"/>
+          <p:cNvSpPr>
+            <a:spLocks noGrp="1"/>
+          </p:cNvSpPr>
+          <p:nvPr>
+            <p:ph type="title"/>
+          </p:nvPr>
+        </p:nvSpPr>
+        <p:spPr/>
+        <p:txBody>
+          <a:bodyPr/>
+          <a:lstStyle/>
+          <a:p>
+            <a:r>
+              <a:rPr lang="en-IN" b="1" dirty="0"/>
+              <a:t>OLAP Cubes</a:t>
+            </a:r>
+          </a:p>
+        </p:txBody>
+      </p:sp>
+      <p:sp>
+        <p:nvSpPr>
+          <p:cNvPr id="3" name="Content Placeholder 2"/>
+          <p:cNvSpPr>
+            <a:spLocks noGrp="1"/>
+          </p:cNvSpPr>
+          <p:nvPr>
+            <p:ph idx="1"/>
+          </p:nvPr>
+        </p:nvSpPr>
+        <p:spPr/>
+        <p:txBody>
+          <a:bodyPr/>
+          <a:lstStyle/>
+          <a:p>
+            <a:r>
+              <a:rPr lang="en-IN" dirty="0"/>
+              <a:t>An OLAP Cube is a data structure that allows fast analysis of data.</a:t>
+            </a:r>
+          </a:p>
+          <a:p>
+            <a:r>
+              <a:rPr lang="en-IN" dirty="0"/>
+              <a:t>The arrangement of data into cubes overcomes a limitation of relational databases. </a:t>
+            </a:r>
+          </a:p>
+          <a:p>
+            <a:r>
+              <a:rPr lang="en-IN" dirty="0"/>
+              <a:t>It consists of numeric facts called measures which are categorized by dimensions. </a:t>
+            </a:r>
+          </a:p>
+          <a:p>
+            <a:r>
+              <a:rPr lang="en-IN" dirty="0"/>
+              <a:t> A multidimensional cube can combine data from disparate data sources and store the information in a fashion that is logical for business users.</a:t>
+            </a:r>
+          </a:p>
+        </p:txBody>
+      </p:sp>
+    </p:spTree>
+    <p:extLst>
+      <p:ext uri="{BB962C8B-B14F-4D97-AF65-F5344CB8AC3E}">
+        <p14:creationId xmlns:p14="http://schemas.microsoft.com/office/powerpoint/2010/main" val="160646721"/>
+      </p:ext>
+    </p:extLst>
+  </p:cSld>
+  <p:clrMapOvr>
+    <a:masterClrMapping/>
+  </p:clrMapOvr>
+</p:sld>
+</file>
+
+<file path=ppt/slides/slide28.xml><?xml version="1.0" encoding="utf-8"?>
+<p:sld xmlns:a="http://schemas.openxmlformats.org/drawingml/2006/main" xmlns:r="http://schemas.openxmlformats.org/officeDocument/2006/relationships" xmlns:p="http://schemas.openxmlformats.org/presentationml/2006/main">
+  <p:cSld>
+    <p:spTree>
+      <p:nvGrpSpPr>
+        <p:cNvPr id="1" name=""/>
+        <p:cNvGrpSpPr/>
+        <p:nvPr/>
+      </p:nvGrpSpPr>
+      <p:grpSpPr>
+        <a:xfrm>
+          <a:off x="0" y="0"/>
+          <a:ext cx="0" cy="0"/>
+          <a:chOff x="0" y="0"/>
+          <a:chExt cx="0" cy="0"/>
+        </a:xfrm>
+      </p:grpSpPr>
+      <p:sp>
+        <p:nvSpPr>
+          <p:cNvPr id="2" name="Title 1"/>
+          <p:cNvSpPr>
+            <a:spLocks noGrp="1"/>
+          </p:cNvSpPr>
+          <p:nvPr>
+            <p:ph type="title"/>
+          </p:nvPr>
+        </p:nvSpPr>
+        <p:spPr/>
+        <p:txBody>
+          <a:bodyPr/>
+          <a:lstStyle/>
+          <a:p>
+            <a:r>
+              <a:rPr lang="en-IN" b="1" dirty="0"/>
+              <a:t>History of OLAP</a:t>
+            </a:r>
+          </a:p>
+        </p:txBody>
+      </p:sp>
+      <p:sp>
+        <p:nvSpPr>
+          <p:cNvPr id="3" name="Content Placeholder 2"/>
+          <p:cNvSpPr>
+            <a:spLocks noGrp="1"/>
+          </p:cNvSpPr>
+          <p:nvPr>
+            <p:ph idx="1"/>
+          </p:nvPr>
+        </p:nvSpPr>
+        <p:spPr/>
+        <p:txBody>
+          <a:bodyPr/>
+          <a:lstStyle/>
+          <a:p>
+            <a:r>
+              <a:rPr lang="en-IN" dirty="0"/>
+              <a:t>The term OLAP was created as a slight modification of the traditional database term OLTP (Online Transaction Processing).</a:t>
+            </a:r>
+          </a:p>
+          <a:p>
+            <a:r>
+              <a:rPr lang="en-IN" dirty="0"/>
+              <a:t>Databases configured for OLAP employ a multidimensional data model, allowing for complex analytical and ad-hoc queries with a rapid execution time. </a:t>
+            </a:r>
+          </a:p>
+          <a:p>
+            <a:r>
+              <a:rPr lang="en-IN" dirty="0"/>
+              <a:t>They borrow aspects of navigational databases and hierarchical databases that are speedier than their relational kind.</a:t>
+            </a:r>
+          </a:p>
+        </p:txBody>
+      </p:sp>
+    </p:spTree>
+    <p:extLst>
+      <p:ext uri="{BB962C8B-B14F-4D97-AF65-F5344CB8AC3E}">
+        <p14:creationId xmlns:p14="http://schemas.microsoft.com/office/powerpoint/2010/main" val="2189080270"/>
+      </p:ext>
+    </p:extLst>
+  </p:cSld>
+  <p:clrMapOvr>
+    <a:masterClrMapping/>
+  </p:clrMapOvr>
+</p:sld>
+</file>
+
+<file path=ppt/slides/slide29.xml><?xml version="1.0" encoding="utf-8"?>
+<p:sld xmlns:a="http://schemas.openxmlformats.org/drawingml/2006/main" xmlns:r="http://schemas.openxmlformats.org/officeDocument/2006/relationships" xmlns:p="http://schemas.openxmlformats.org/presentationml/2006/main">
+  <p:cSld>
+    <p:spTree>
+      <p:nvGrpSpPr>
+        <p:cNvPr id="1" name=""/>
+        <p:cNvGrpSpPr/>
+        <p:nvPr/>
+      </p:nvGrpSpPr>
+      <p:grpSpPr>
+        <a:xfrm>
+          <a:off x="0" y="0"/>
+          <a:ext cx="0" cy="0"/>
+          <a:chOff x="0" y="0"/>
+          <a:chExt cx="0" cy="0"/>
+        </a:xfrm>
+      </p:grpSpPr>
+      <p:sp>
+        <p:nvSpPr>
+          <p:cNvPr id="2" name="Title 1"/>
+          <p:cNvSpPr>
+            <a:spLocks noGrp="1"/>
+          </p:cNvSpPr>
+          <p:nvPr>
+            <p:ph type="title"/>
+          </p:nvPr>
+        </p:nvSpPr>
+        <p:spPr/>
+        <p:txBody>
+          <a:bodyPr/>
+          <a:lstStyle/>
+          <a:p>
+            <a:r>
+              <a:rPr lang="en-IN" b="1" dirty="0"/>
+              <a:t>Types of OLAP :</a:t>
+            </a:r>
+          </a:p>
+        </p:txBody>
+      </p:sp>
+      <p:sp>
+        <p:nvSpPr>
+          <p:cNvPr id="3" name="Content Placeholder 2"/>
+          <p:cNvSpPr>
+            <a:spLocks noGrp="1"/>
+          </p:cNvSpPr>
+          <p:nvPr>
+            <p:ph idx="1"/>
+          </p:nvPr>
+        </p:nvSpPr>
+        <p:spPr/>
+        <p:txBody>
+          <a:bodyPr>
+            <a:normAutofit lnSpcReduction="10000"/>
+          </a:bodyPr>
+          <a:lstStyle/>
+          <a:p>
+            <a:r>
+              <a:rPr lang="en-IN" b="1" dirty="0"/>
+              <a:t>Relational OLAP(ROLAP): </a:t>
+            </a:r>
+            <a:r>
+              <a:rPr lang="en-IN" dirty="0"/>
+              <a:t>Extended RDBMS with multidimensional data mapping to standard relational operation. </a:t>
+            </a:r>
+          </a:p>
+          <a:p>
+            <a:r>
+              <a:rPr lang="en-IN" b="1" dirty="0"/>
+              <a:t>Multidimensional OLAP(MOLAP): </a:t>
+            </a:r>
+            <a:r>
+              <a:rPr lang="en-IN" dirty="0"/>
+              <a:t>Implemented operation in multidimensional data. </a:t>
+            </a:r>
+          </a:p>
+          <a:p>
+            <a:r>
+              <a:rPr lang="en-IN" b="1" dirty="0"/>
+              <a:t>Hybrid </a:t>
+            </a:r>
+            <a:r>
+              <a:rPr lang="en-IN" b="1" dirty="0" err="1"/>
+              <a:t>OnlineAnalytical</a:t>
+            </a:r>
+            <a:r>
+              <a:rPr lang="en-IN" b="1" dirty="0"/>
+              <a:t> Processing (HOLAP) </a:t>
+            </a:r>
+            <a:r>
+              <a:rPr lang="en-IN" dirty="0"/>
+              <a:t>is a hybrid approach to the solution where the aggregated totals are stored in a multidimensional database while </a:t>
+            </a:r>
+            <a:r>
+              <a:rPr lang="en-IN" dirty="0" err="1"/>
+              <a:t>thedetail</a:t>
+            </a:r>
+            <a:r>
+              <a:rPr lang="en-IN" dirty="0"/>
+              <a:t> data is stored in the relational database. This is the balance between the data efficiency of the ROLAP model and the performance of the MOLAP model.</a:t>
+            </a:r>
+          </a:p>
+        </p:txBody>
+      </p:sp>
+    </p:spTree>
+    <p:extLst>
+      <p:ext uri="{BB962C8B-B14F-4D97-AF65-F5344CB8AC3E}">
+        <p14:creationId xmlns:p14="http://schemas.microsoft.com/office/powerpoint/2010/main" val="365942631"/>
       </p:ext>
     </p:extLst>
   </p:cSld>
@@ -3151,10 +9231,9 @@
           <a:lstStyle/>
           <a:p>
             <a:r>
-              <a:rPr lang="en-US" dirty="0" smtClean="0"/>
+              <a:rPr lang="en-US" b="1" dirty="0"/>
               <a:t>What is Business Intelligence</a:t>
             </a:r>
-            <a:endParaRPr lang="en-US" dirty="0"/>
           </a:p>
         </p:txBody>
       </p:sp>
@@ -3174,21 +9253,13 @@
           <a:lstStyle/>
           <a:p>
             <a:r>
-              <a:rPr lang="en-US" dirty="0" smtClean="0"/>
-              <a:t>The term was coined by </a:t>
-            </a:r>
-            <a:r>
               <a:rPr lang="en-US" dirty="0"/>
-              <a:t>G</a:t>
-            </a:r>
-            <a:r>
-              <a:rPr lang="en-US" dirty="0" smtClean="0"/>
-              <a:t>artner group in 1993</a:t>
-            </a:r>
-          </a:p>
-          <a:p>
-            <a:r>
-              <a:rPr lang="en-US" dirty="0" smtClean="0"/>
+              <a:t>The term was coined by Gartner group in 1993</a:t>
+            </a:r>
+          </a:p>
+          <a:p>
+            <a:r>
+              <a:rPr lang="en-US" dirty="0"/>
               <a:t>It is an important component in today’s business information system environment</a:t>
             </a:r>
           </a:p>
@@ -3199,39 +9270,23 @@
             </a:r>
             <a:r>
               <a:rPr lang="en-US" dirty="0"/>
-              <a:t>is the process of getting useful </a:t>
-            </a:r>
-            <a:r>
-              <a:rPr lang="en-US" dirty="0" smtClean="0"/>
-              <a:t>information from </a:t>
-            </a:r>
+              <a:t>is the process of getting useful information from data. </a:t>
+            </a:r>
+          </a:p>
+          <a:p>
             <a:r>
               <a:rPr lang="en-US" dirty="0"/>
-              <a:t>data.</a:t>
-            </a:r>
-            <a:r>
-              <a:rPr lang="en-US" dirty="0" smtClean="0"/>
-              <a:t> </a:t>
-            </a:r>
-          </a:p>
-          <a:p>
-            <a:r>
-              <a:rPr lang="en-US" dirty="0" smtClean="0"/>
               <a:t>Turns data into Knowledge and Knowledge into business gain.</a:t>
             </a:r>
           </a:p>
           <a:p>
             <a:r>
               <a:rPr lang="en-US" dirty="0"/>
-              <a:t>C</a:t>
-            </a:r>
-            <a:r>
-              <a:rPr lang="en-US" dirty="0" smtClean="0"/>
-              <a:t>ollects and stores data into meaningful information in order to achieve better and timelier business decision.</a:t>
-            </a:r>
-          </a:p>
-          <a:p>
-            <a:endParaRPr lang="en-US" dirty="0" smtClean="0"/>
+              <a:t>Collects and stores data into meaningful information in order to achieve better and timelier business decision.</a:t>
+            </a:r>
+          </a:p>
+          <a:p>
+            <a:endParaRPr lang="en-US" dirty="0"/>
           </a:p>
           <a:p>
             <a:endParaRPr lang="en-US" dirty="0"/>
@@ -3242,6 +9297,91 @@
     <p:extLst>
       <p:ext uri="{BB962C8B-B14F-4D97-AF65-F5344CB8AC3E}">
         <p14:creationId xmlns:p14="http://schemas.microsoft.com/office/powerpoint/2010/main" val="541548579"/>
+      </p:ext>
+    </p:extLst>
+  </p:cSld>
+  <p:clrMapOvr>
+    <a:masterClrMapping/>
+  </p:clrMapOvr>
+</p:sld>
+</file>
+
+<file path=ppt/slides/slide30.xml><?xml version="1.0" encoding="utf-8"?>
+<p:sld xmlns:a="http://schemas.openxmlformats.org/drawingml/2006/main" xmlns:r="http://schemas.openxmlformats.org/officeDocument/2006/relationships" xmlns:p="http://schemas.openxmlformats.org/presentationml/2006/main">
+  <p:cSld>
+    <p:spTree>
+      <p:nvGrpSpPr>
+        <p:cNvPr id="1" name=""/>
+        <p:cNvGrpSpPr/>
+        <p:nvPr/>
+      </p:nvGrpSpPr>
+      <p:grpSpPr>
+        <a:xfrm>
+          <a:off x="0" y="0"/>
+          <a:ext cx="0" cy="0"/>
+          <a:chOff x="0" y="0"/>
+          <a:chExt cx="0" cy="0"/>
+        </a:xfrm>
+      </p:grpSpPr>
+      <p:sp>
+        <p:nvSpPr>
+          <p:cNvPr id="2" name="Title 1"/>
+          <p:cNvSpPr>
+            <a:spLocks noGrp="1"/>
+          </p:cNvSpPr>
+          <p:nvPr>
+            <p:ph type="title"/>
+          </p:nvPr>
+        </p:nvSpPr>
+        <p:spPr/>
+        <p:txBody>
+          <a:bodyPr/>
+          <a:lstStyle/>
+          <a:p>
+            <a:r>
+              <a:rPr lang="en-IN" b="1" dirty="0"/>
+              <a:t>Conclusion:</a:t>
+            </a:r>
+          </a:p>
+        </p:txBody>
+      </p:sp>
+      <p:sp>
+        <p:nvSpPr>
+          <p:cNvPr id="3" name="Content Placeholder 2"/>
+          <p:cNvSpPr>
+            <a:spLocks noGrp="1"/>
+          </p:cNvSpPr>
+          <p:nvPr>
+            <p:ph idx="1"/>
+          </p:nvPr>
+        </p:nvSpPr>
+        <p:spPr/>
+        <p:txBody>
+          <a:bodyPr/>
+          <a:lstStyle/>
+          <a:p>
+            <a:r>
+              <a:rPr lang="en-IN" dirty="0"/>
+              <a:t>Business Intelligence solutions make it possible for groups within organizations to gain actionable insight from business data, and to leverage these insights to meet critical goals</a:t>
+            </a:r>
+            <a:r>
+              <a:rPr lang="en-IN"/>
+              <a:t>. </a:t>
+            </a:r>
+            <a:endParaRPr lang="en-IN" dirty="0"/>
+          </a:p>
+          <a:p>
+            <a:r>
+              <a:rPr lang="en-IN" dirty="0"/>
+              <a:t>Business intelligence solutions offer business focused analysis at a scale, complexity, and speed that is not achievable with basic operational systems reporting or spreadsheet analysis, thereby delivering significant value.</a:t>
+            </a:r>
+          </a:p>
+        </p:txBody>
+      </p:sp>
+    </p:spTree>
+    <p:extLst>
+      <p:ext uri="{BB962C8B-B14F-4D97-AF65-F5344CB8AC3E}">
+        <p14:creationId xmlns:p14="http://schemas.microsoft.com/office/powerpoint/2010/main" val="234118134"/>
       </p:ext>
     </p:extLst>
   </p:cSld>
@@ -3268,137 +9408,39 @@
           <a:chExt cx="0" cy="0"/>
         </a:xfrm>
       </p:grpSpPr>
-      <p:sp>
-        <p:nvSpPr>
-          <p:cNvPr id="2" name="Title 1"/>
-          <p:cNvSpPr>
-            <a:spLocks noGrp="1"/>
-          </p:cNvSpPr>
-          <p:nvPr>
-            <p:ph type="title"/>
-          </p:nvPr>
-        </p:nvSpPr>
-        <p:spPr/>
-        <p:txBody>
-          <a:bodyPr/>
-          <a:lstStyle/>
-          <a:p>
-            <a:r>
-              <a:rPr lang="en-US" dirty="0" smtClean="0"/>
-              <a:t>Need of BI</a:t>
-            </a:r>
-            <a:endParaRPr lang="en-US" dirty="0"/>
-          </a:p>
-        </p:txBody>
-      </p:sp>
-      <p:sp>
-        <p:nvSpPr>
-          <p:cNvPr id="3" name="Content Placeholder 2"/>
-          <p:cNvSpPr>
-            <a:spLocks noGrp="1"/>
-          </p:cNvSpPr>
+      <p:pic>
+        <p:nvPicPr>
+          <p:cNvPr id="4" name="Content Placeholder 3"/>
+          <p:cNvPicPr>
+            <a:picLocks noGrp="1" noChangeAspect="1"/>
+          </p:cNvPicPr>
           <p:nvPr>
             <p:ph idx="1"/>
           </p:nvPr>
-        </p:nvSpPr>
-        <p:spPr/>
-        <p:txBody>
-          <a:bodyPr/>
-          <a:lstStyle/>
-          <a:p>
-            <a:r>
-              <a:rPr lang="en-US" dirty="0"/>
-              <a:t>BI is important in helping organizations to stay ahead of </a:t>
-            </a:r>
-            <a:r>
-              <a:rPr lang="en-US" dirty="0" smtClean="0"/>
-              <a:t>the competition </a:t>
-            </a:r>
-            <a:r>
-              <a:rPr lang="en-US" dirty="0"/>
-              <a:t>by providing the means for quicker, more </a:t>
-            </a:r>
-            <a:r>
-              <a:rPr lang="en-US" dirty="0" err="1" smtClean="0"/>
-              <a:t>accurate,and</a:t>
-            </a:r>
-            <a:r>
-              <a:rPr lang="en-US" dirty="0" smtClean="0"/>
-              <a:t> </a:t>
-            </a:r>
-            <a:r>
-              <a:rPr lang="en-US" dirty="0"/>
-              <a:t>more informed decision making</a:t>
-            </a:r>
-            <a:r>
-              <a:rPr lang="en-US" dirty="0" smtClean="0"/>
-              <a:t>.</a:t>
-            </a:r>
-          </a:p>
-          <a:p>
-            <a:r>
-              <a:rPr lang="en-US" dirty="0" smtClean="0"/>
-              <a:t>BI helps us to get the result of such questions:</a:t>
-            </a:r>
-          </a:p>
-          <a:p>
-            <a:pPr lvl="1">
-              <a:buFont typeface="Wingdings" panose="05000000000000000000" pitchFamily="2" charset="2"/>
-              <a:buChar char="ü"/>
-            </a:pPr>
-            <a:r>
-              <a:rPr lang="en-US" dirty="0" smtClean="0"/>
-              <a:t>What are my customers and what product are they buying?</a:t>
-            </a:r>
-          </a:p>
-          <a:p>
-            <a:pPr lvl="1">
-              <a:buFont typeface="Wingdings" panose="05000000000000000000" pitchFamily="2" charset="2"/>
-              <a:buChar char="ü"/>
-            </a:pPr>
-            <a:r>
-              <a:rPr lang="en-US" dirty="0" smtClean="0"/>
-              <a:t>What product promotions have biggest impact on revenue?</a:t>
-            </a:r>
-          </a:p>
-          <a:p>
-            <a:pPr lvl="1">
-              <a:buFont typeface="Wingdings" panose="05000000000000000000" pitchFamily="2" charset="2"/>
-              <a:buChar char="ü"/>
-            </a:pPr>
-            <a:r>
-              <a:rPr lang="en-US" dirty="0" smtClean="0"/>
-              <a:t>What are our lowest/highest margin customers?</a:t>
-            </a:r>
-          </a:p>
-          <a:p>
-            <a:pPr lvl="1">
-              <a:buFont typeface="Wingdings" panose="05000000000000000000" pitchFamily="2" charset="2"/>
-              <a:buChar char="ü"/>
-            </a:pPr>
-            <a:r>
-              <a:rPr lang="en-US" dirty="0" smtClean="0"/>
-              <a:t>Which customers are most likely to go the competitions?</a:t>
-            </a:r>
-          </a:p>
-          <a:p>
-            <a:pPr marL="0" indent="0">
-              <a:buNone/>
-            </a:pPr>
-            <a:endParaRPr lang="en-US" dirty="0" smtClean="0"/>
-          </a:p>
-          <a:p>
-            <a:pPr marL="0" indent="0">
-              <a:buNone/>
-            </a:pPr>
-            <a:endParaRPr lang="en-US" dirty="0" smtClean="0"/>
-          </a:p>
-        </p:txBody>
-      </p:sp>
+        </p:nvPicPr>
+        <p:blipFill>
+          <a:blip r:embed="rId2">
+            <a:extLst>
+              <a:ext uri="{28A0092B-C50C-407E-A947-70E740481C1C}">
+                <a14:useLocalDpi xmlns:a14="http://schemas.microsoft.com/office/drawing/2010/main" val="0"/>
+              </a:ext>
+            </a:extLst>
+          </a:blip>
+          <a:stretch>
+            <a:fillRect/>
+          </a:stretch>
+        </p:blipFill>
+        <p:spPr>
+          <a:xfrm>
+            <a:off x="1079500" y="304800"/>
+            <a:ext cx="9537700" cy="6388099"/>
+          </a:xfrm>
+        </p:spPr>
+      </p:pic>
     </p:spTree>
     <p:extLst>
       <p:ext uri="{BB962C8B-B14F-4D97-AF65-F5344CB8AC3E}">
-        <p14:creationId xmlns:p14="http://schemas.microsoft.com/office/powerpoint/2010/main" val="738655062"/>
+        <p14:creationId xmlns:p14="http://schemas.microsoft.com/office/powerpoint/2010/main" val="2036559110"/>
       </p:ext>
     </p:extLst>
   </p:cSld>
@@ -3441,18 +9483,9 @@
           <a:lstStyle/>
           <a:p>
             <a:r>
-              <a:rPr lang="en-US" dirty="0" smtClean="0"/>
-              <a:t>Why </a:t>
-            </a:r>
-            <a:r>
-              <a:rPr lang="en-US" dirty="0"/>
-              <a:t>B</a:t>
-            </a:r>
-            <a:r>
-              <a:rPr lang="en-US" dirty="0" smtClean="0"/>
-              <a:t>usiness Intelligence ?</a:t>
-            </a:r>
-            <a:endParaRPr lang="en-US" dirty="0"/>
+              <a:rPr lang="en-US" b="1" dirty="0"/>
+              <a:t>Need of BI</a:t>
+            </a:r>
           </a:p>
         </p:txBody>
       </p:sp>
@@ -3471,56 +9504,75 @@
           <a:bodyPr/>
           <a:lstStyle/>
           <a:p>
-            <a:pPr>
-              <a:lnSpc>
-                <a:spcPct val="150000"/>
-              </a:lnSpc>
+            <a:r>
+              <a:rPr lang="en-US" dirty="0"/>
+              <a:t>BI is important in helping organizations to stay ahead of the competition by providing the means for quicker, more </a:t>
+            </a:r>
+            <a:r>
+              <a:rPr lang="en-US" dirty="0" err="1"/>
+              <a:t>accurate,and</a:t>
+            </a:r>
+            <a:r>
+              <a:rPr lang="en-US" dirty="0"/>
+              <a:t> more informed decision making.</a:t>
+            </a:r>
+          </a:p>
+          <a:p>
+            <a:r>
+              <a:rPr lang="en-US" dirty="0"/>
+              <a:t>BI helps us to get the result of such questions:</a:t>
+            </a:r>
+          </a:p>
+          <a:p>
+            <a:pPr lvl="1">
+              <a:buFont typeface="Wingdings" panose="05000000000000000000" pitchFamily="2" charset="2"/>
+              <a:buChar char="ü"/>
             </a:pPr>
             <a:r>
-              <a:rPr lang="en-US" dirty="0" smtClean="0"/>
-              <a:t>Data analysis is a huge and crucial part of Business </a:t>
-            </a:r>
-            <a:r>
               <a:rPr lang="en-US" dirty="0"/>
-              <a:t>I</a:t>
-            </a:r>
-            <a:r>
-              <a:rPr lang="en-US" dirty="0" smtClean="0"/>
-              <a:t>ntelligence.</a:t>
-            </a:r>
-          </a:p>
-          <a:p>
-            <a:pPr>
-              <a:lnSpc>
-                <a:spcPct val="100000"/>
-              </a:lnSpc>
+              <a:t>What are my customers and what product are they buying?</a:t>
+            </a:r>
+          </a:p>
+          <a:p>
+            <a:pPr lvl="1">
+              <a:buFont typeface="Wingdings" panose="05000000000000000000" pitchFamily="2" charset="2"/>
+              <a:buChar char="ü"/>
             </a:pPr>
             <a:r>
-              <a:rPr lang="en-US" dirty="0" smtClean="0"/>
-              <a:t>Many organization need to know the overall performance and the way its business is functioning.</a:t>
-            </a:r>
-          </a:p>
-          <a:p>
-            <a:pPr>
-              <a:lnSpc>
-                <a:spcPct val="150000"/>
-              </a:lnSpc>
+              <a:rPr lang="en-US" dirty="0"/>
+              <a:t>What product promotions have biggest impact on revenue?</a:t>
+            </a:r>
+          </a:p>
+          <a:p>
+            <a:pPr lvl="1">
+              <a:buFont typeface="Wingdings" panose="05000000000000000000" pitchFamily="2" charset="2"/>
+              <a:buChar char="ü"/>
             </a:pPr>
             <a:r>
-              <a:rPr lang="en-US" dirty="0" smtClean="0"/>
-              <a:t>BI is used to gather present and past data.</a:t>
-            </a:r>
-          </a:p>
-          <a:p>
-            <a:pPr>
-              <a:lnSpc>
-                <a:spcPct val="100000"/>
-              </a:lnSpc>
+              <a:rPr lang="en-US" dirty="0"/>
+              <a:t>What are our lowest/highest margin customers?</a:t>
+            </a:r>
+          </a:p>
+          <a:p>
+            <a:pPr lvl="1">
+              <a:buFont typeface="Wingdings" panose="05000000000000000000" pitchFamily="2" charset="2"/>
+              <a:buChar char="ü"/>
             </a:pPr>
             <a:r>
-              <a:rPr lang="en-US" dirty="0" smtClean="0"/>
-              <a:t>Modern BI systems are capable of managing large amount of unstructured data.</a:t>
-            </a:r>
+              <a:rPr lang="en-US" dirty="0"/>
+              <a:t>Which customers are most likely to go the competitions?</a:t>
+            </a:r>
+          </a:p>
+          <a:p>
+            <a:pPr marL="0" indent="0">
+              <a:buNone/>
+            </a:pPr>
+            <a:endParaRPr lang="en-US" dirty="0"/>
+          </a:p>
+          <a:p>
+            <a:pPr marL="0" indent="0">
+              <a:buNone/>
+            </a:pPr>
             <a:endParaRPr lang="en-US" dirty="0"/>
           </a:p>
         </p:txBody>
@@ -3528,7 +9580,7 @@
     </p:spTree>
     <p:extLst>
       <p:ext uri="{BB962C8B-B14F-4D97-AF65-F5344CB8AC3E}">
-        <p14:creationId xmlns:p14="http://schemas.microsoft.com/office/powerpoint/2010/main" val="604794956"/>
+        <p14:creationId xmlns:p14="http://schemas.microsoft.com/office/powerpoint/2010/main" val="738655062"/>
       </p:ext>
     </p:extLst>
   </p:cSld>
@@ -3571,10 +9623,122 @@
           <a:lstStyle/>
           <a:p>
             <a:r>
-              <a:rPr lang="en-US" dirty="0" smtClean="0"/>
+              <a:rPr lang="en-US" b="1" dirty="0"/>
+              <a:t>Why Business Intelligence ?</a:t>
+            </a:r>
+          </a:p>
+        </p:txBody>
+      </p:sp>
+      <p:sp>
+        <p:nvSpPr>
+          <p:cNvPr id="3" name="Content Placeholder 2"/>
+          <p:cNvSpPr>
+            <a:spLocks noGrp="1"/>
+          </p:cNvSpPr>
+          <p:nvPr>
+            <p:ph idx="1"/>
+          </p:nvPr>
+        </p:nvSpPr>
+        <p:spPr/>
+        <p:txBody>
+          <a:bodyPr/>
+          <a:lstStyle/>
+          <a:p>
+            <a:pPr>
+              <a:lnSpc>
+                <a:spcPct val="150000"/>
+              </a:lnSpc>
+            </a:pPr>
+            <a:r>
+              <a:rPr lang="en-US" dirty="0"/>
+              <a:t>Data analysis is a huge and crucial part of Business Intelligence.</a:t>
+            </a:r>
+          </a:p>
+          <a:p>
+            <a:pPr>
+              <a:lnSpc>
+                <a:spcPct val="100000"/>
+              </a:lnSpc>
+            </a:pPr>
+            <a:r>
+              <a:rPr lang="en-US" dirty="0"/>
+              <a:t>Many organization need to know the overall performance and the way its business is functioning.</a:t>
+            </a:r>
+          </a:p>
+          <a:p>
+            <a:pPr>
+              <a:lnSpc>
+                <a:spcPct val="150000"/>
+              </a:lnSpc>
+            </a:pPr>
+            <a:r>
+              <a:rPr lang="en-US" dirty="0"/>
+              <a:t>BI is used to gather present and past data.</a:t>
+            </a:r>
+          </a:p>
+          <a:p>
+            <a:pPr>
+              <a:lnSpc>
+                <a:spcPct val="100000"/>
+              </a:lnSpc>
+            </a:pPr>
+            <a:r>
+              <a:rPr lang="en-US" dirty="0"/>
+              <a:t>Modern BI systems are capable of managing large amount of unstructured data.</a:t>
+            </a:r>
+          </a:p>
+        </p:txBody>
+      </p:sp>
+    </p:spTree>
+    <p:extLst>
+      <p:ext uri="{BB962C8B-B14F-4D97-AF65-F5344CB8AC3E}">
+        <p14:creationId xmlns:p14="http://schemas.microsoft.com/office/powerpoint/2010/main" val="604794956"/>
+      </p:ext>
+    </p:extLst>
+  </p:cSld>
+  <p:clrMapOvr>
+    <a:masterClrMapping/>
+  </p:clrMapOvr>
+</p:sld>
+</file>
+
+<file path=ppt/slides/slide7.xml><?xml version="1.0" encoding="utf-8"?>
+<p:sld xmlns:a="http://schemas.openxmlformats.org/drawingml/2006/main" xmlns:r="http://schemas.openxmlformats.org/officeDocument/2006/relationships" xmlns:p="http://schemas.openxmlformats.org/presentationml/2006/main">
+  <p:cSld>
+    <p:spTree>
+      <p:nvGrpSpPr>
+        <p:cNvPr id="1" name=""/>
+        <p:cNvGrpSpPr/>
+        <p:nvPr/>
+      </p:nvGrpSpPr>
+      <p:grpSpPr>
+        <a:xfrm>
+          <a:off x="0" y="0"/>
+          <a:ext cx="0" cy="0"/>
+          <a:chOff x="0" y="0"/>
+          <a:chExt cx="0" cy="0"/>
+        </a:xfrm>
+      </p:grpSpPr>
+      <p:sp>
+        <p:nvSpPr>
+          <p:cNvPr id="2" name="Title 1"/>
+          <p:cNvSpPr>
+            <a:spLocks noGrp="1"/>
+          </p:cNvSpPr>
+          <p:nvPr>
+            <p:ph type="title"/>
+          </p:nvPr>
+        </p:nvSpPr>
+        <p:spPr/>
+        <p:txBody>
+          <a:bodyPr/>
+          <a:lstStyle/>
+          <a:p>
+            <a:pPr algn="ctr"/>
+            <a:r>
+              <a:rPr lang="en-US" b="1" dirty="0"/>
               <a:t>Components of BI</a:t>
             </a:r>
-            <a:endParaRPr lang="en-US" dirty="0"/>
           </a:p>
         </p:txBody>
       </p:sp>
@@ -3602,7 +9766,7 @@
         </p:blipFill>
         <p:spPr>
           <a:xfrm>
-            <a:off x="971237" y="1690687"/>
+            <a:off x="2457137" y="1690688"/>
             <a:ext cx="7711444" cy="4494907"/>
           </a:xfrm>
         </p:spPr>
@@ -3620,10 +9784,503 @@
 </p:sld>
 </file>
 
+<file path=ppt/slides/slide8.xml><?xml version="1.0" encoding="utf-8"?>
+<p:sld xmlns:a="http://schemas.openxmlformats.org/drawingml/2006/main" xmlns:r="http://schemas.openxmlformats.org/officeDocument/2006/relationships" xmlns:p="http://schemas.openxmlformats.org/presentationml/2006/main">
+  <p:cSld>
+    <p:spTree>
+      <p:nvGrpSpPr>
+        <p:cNvPr id="1" name=""/>
+        <p:cNvGrpSpPr/>
+        <p:nvPr/>
+      </p:nvGrpSpPr>
+      <p:grpSpPr>
+        <a:xfrm>
+          <a:off x="0" y="0"/>
+          <a:ext cx="0" cy="0"/>
+          <a:chOff x="0" y="0"/>
+          <a:chExt cx="0" cy="0"/>
+        </a:xfrm>
+      </p:grpSpPr>
+      <p:sp>
+        <p:nvSpPr>
+          <p:cNvPr id="2" name="TextBox 1">
+            <a:extLst>
+              <a:ext uri="{FF2B5EF4-FFF2-40B4-BE49-F238E27FC236}">
+                <a16:creationId xmlns:a16="http://schemas.microsoft.com/office/drawing/2014/main" id="{BE4A4BA9-BF05-4A83-93DA-7BDD449B10F6}"/>
+              </a:ext>
+            </a:extLst>
+          </p:cNvPr>
+          <p:cNvSpPr txBox="1"/>
+          <p:nvPr/>
+        </p:nvSpPr>
+        <p:spPr>
+          <a:xfrm>
+            <a:off x="3809618" y="2775977"/>
+            <a:ext cx="164951" cy="885227"/>
+          </a:xfrm>
+          <a:prstGeom prst="rect">
+            <a:avLst/>
+          </a:prstGeom>
+          <a:noFill/>
+          <a:ln>
+            <a:noFill/>
+          </a:ln>
+        </p:spPr>
+        <p:txBody>
+          <a:bodyPr wrap="none" lIns="81646" tIns="40823" rIns="81646" bIns="40823" compatLnSpc="0">
+            <a:spAutoFit/>
+          </a:bodyPr>
+          <a:lstStyle/>
+          <a:p>
+            <a:pPr hangingPunct="0">
+              <a:defRPr sz="3000">
+                <a:latin typeface="Times New Roman" pitchFamily="18"/>
+              </a:defRPr>
+            </a:pPr>
+            <a:endParaRPr lang="en-US" sz="2722">
+              <a:latin typeface="Times New Roman" pitchFamily="18"/>
+              <a:ea typeface="Andale Sans UI" pitchFamily="2"/>
+              <a:cs typeface="Tahoma" pitchFamily="2"/>
+            </a:endParaRPr>
+          </a:p>
+          <a:p>
+            <a:pPr hangingPunct="0">
+              <a:defRPr sz="3000">
+                <a:latin typeface="Times New Roman" pitchFamily="18"/>
+              </a:defRPr>
+            </a:pPr>
+            <a:endParaRPr lang="en-US" sz="2722">
+              <a:latin typeface="Times New Roman" pitchFamily="18"/>
+              <a:ea typeface="Andale Sans UI" pitchFamily="2"/>
+              <a:cs typeface="Tahoma" pitchFamily="2"/>
+            </a:endParaRPr>
+          </a:p>
+        </p:txBody>
+      </p:sp>
+      <p:sp>
+        <p:nvSpPr>
+          <p:cNvPr id="3" name="TextBox 2">
+            <a:extLst>
+              <a:ext uri="{FF2B5EF4-FFF2-40B4-BE49-F238E27FC236}">
+                <a16:creationId xmlns:a16="http://schemas.microsoft.com/office/drawing/2014/main" id="{0CE9684B-BB4D-4759-8441-1A5549BF4A9A}"/>
+              </a:ext>
+            </a:extLst>
+          </p:cNvPr>
+          <p:cNvSpPr txBox="1"/>
+          <p:nvPr/>
+        </p:nvSpPr>
+        <p:spPr>
+          <a:xfrm>
+            <a:off x="5115961" y="2471272"/>
+            <a:ext cx="1885422" cy="885099"/>
+          </a:xfrm>
+          <a:prstGeom prst="rect">
+            <a:avLst/>
+          </a:prstGeom>
+          <a:noFill/>
+          <a:ln>
+            <a:noFill/>
+          </a:ln>
+        </p:spPr>
+        <p:txBody>
+          <a:bodyPr wrap="none" lIns="81646" tIns="40823" rIns="81646" bIns="40823" compatLnSpc="0">
+            <a:spAutoFit/>
+          </a:bodyPr>
+          <a:lstStyle/>
+          <a:p>
+            <a:pPr hangingPunct="0">
+              <a:defRPr sz="6000" b="1" u="none">
+                <a:latin typeface="Times New Roman" pitchFamily="18"/>
+              </a:defRPr>
+            </a:pPr>
+            <a:r>
+              <a:rPr lang="en-US" sz="5443" b="1">
+                <a:latin typeface="Times New Roman" pitchFamily="18"/>
+                <a:ea typeface="Andale Sans UI" pitchFamily="2"/>
+                <a:cs typeface="Tahoma" pitchFamily="2"/>
+              </a:rPr>
+              <a:t>E T L</a:t>
+            </a:r>
+          </a:p>
+        </p:txBody>
+      </p:sp>
+      <p:sp>
+        <p:nvSpPr>
+          <p:cNvPr id="4" name="TextBox 3">
+            <a:extLst>
+              <a:ext uri="{FF2B5EF4-FFF2-40B4-BE49-F238E27FC236}">
+                <a16:creationId xmlns:a16="http://schemas.microsoft.com/office/drawing/2014/main" id="{87AF581B-5949-444B-8090-A9D6E412C641}"/>
+              </a:ext>
+            </a:extLst>
+          </p:cNvPr>
+          <p:cNvSpPr txBox="1"/>
+          <p:nvPr/>
+        </p:nvSpPr>
+        <p:spPr>
+          <a:xfrm>
+            <a:off x="2829862" y="3755734"/>
+            <a:ext cx="1618811" cy="483835"/>
+          </a:xfrm>
+          <a:prstGeom prst="rect">
+            <a:avLst/>
+          </a:prstGeom>
+          <a:noFill/>
+          <a:ln>
+            <a:noFill/>
+          </a:ln>
+        </p:spPr>
+        <p:txBody>
+          <a:bodyPr wrap="none" lIns="81646" tIns="40823" rIns="81646" bIns="40823" compatLnSpc="0">
+            <a:spAutoFit/>
+          </a:bodyPr>
+          <a:lstStyle/>
+          <a:p>
+            <a:pPr hangingPunct="0">
+              <a:defRPr sz="3000">
+                <a:latin typeface="Times New Roman" pitchFamily="18"/>
+              </a:defRPr>
+            </a:pPr>
+            <a:r>
+              <a:rPr lang="en-US" sz="2722">
+                <a:latin typeface="Times New Roman" pitchFamily="18"/>
+                <a:ea typeface="Andale Sans UI" pitchFamily="2"/>
+                <a:cs typeface="Tahoma" pitchFamily="2"/>
+              </a:rPr>
+              <a:t>Extraction</a:t>
+            </a:r>
+          </a:p>
+        </p:txBody>
+      </p:sp>
+      <p:sp>
+        <p:nvSpPr>
+          <p:cNvPr id="5" name="TextBox 4">
+            <a:extLst>
+              <a:ext uri="{FF2B5EF4-FFF2-40B4-BE49-F238E27FC236}">
+                <a16:creationId xmlns:a16="http://schemas.microsoft.com/office/drawing/2014/main" id="{887D583E-56CE-481A-999C-6BA24A9E6C43}"/>
+              </a:ext>
+            </a:extLst>
+          </p:cNvPr>
+          <p:cNvSpPr txBox="1"/>
+          <p:nvPr/>
+        </p:nvSpPr>
+        <p:spPr>
+          <a:xfrm>
+            <a:off x="4952668" y="3726668"/>
+            <a:ext cx="2324004" cy="483835"/>
+          </a:xfrm>
+          <a:prstGeom prst="rect">
+            <a:avLst/>
+          </a:prstGeom>
+          <a:noFill/>
+          <a:ln>
+            <a:noFill/>
+          </a:ln>
+        </p:spPr>
+        <p:txBody>
+          <a:bodyPr wrap="none" lIns="81646" tIns="40823" rIns="81646" bIns="40823" compatLnSpc="0">
+            <a:spAutoFit/>
+          </a:bodyPr>
+          <a:lstStyle/>
+          <a:p>
+            <a:pPr hangingPunct="0">
+              <a:defRPr sz="3000">
+                <a:latin typeface="Times New Roman" pitchFamily="18"/>
+              </a:defRPr>
+            </a:pPr>
+            <a:r>
+              <a:rPr lang="en-US" sz="2722">
+                <a:latin typeface="Times New Roman" pitchFamily="18"/>
+                <a:ea typeface="Andale Sans UI" pitchFamily="2"/>
+                <a:cs typeface="Tahoma" pitchFamily="2"/>
+              </a:rPr>
+              <a:t>Transformation</a:t>
+            </a:r>
+          </a:p>
+        </p:txBody>
+      </p:sp>
+      <p:sp>
+        <p:nvSpPr>
+          <p:cNvPr id="6" name="TextBox 5">
+            <a:extLst>
+              <a:ext uri="{FF2B5EF4-FFF2-40B4-BE49-F238E27FC236}">
+                <a16:creationId xmlns:a16="http://schemas.microsoft.com/office/drawing/2014/main" id="{9BB54ED4-EC58-43E6-B6F1-36BCA618EA6B}"/>
+              </a:ext>
+            </a:extLst>
+          </p:cNvPr>
+          <p:cNvSpPr txBox="1"/>
+          <p:nvPr/>
+        </p:nvSpPr>
+        <p:spPr>
+          <a:xfrm>
+            <a:off x="7728645" y="3755734"/>
+            <a:ext cx="1328154" cy="483835"/>
+          </a:xfrm>
+          <a:prstGeom prst="rect">
+            <a:avLst/>
+          </a:prstGeom>
+          <a:noFill/>
+          <a:ln>
+            <a:noFill/>
+          </a:ln>
+        </p:spPr>
+        <p:txBody>
+          <a:bodyPr wrap="none" lIns="81646" tIns="40823" rIns="81646" bIns="40823" compatLnSpc="0">
+            <a:spAutoFit/>
+          </a:bodyPr>
+          <a:lstStyle/>
+          <a:p>
+            <a:pPr hangingPunct="0">
+              <a:defRPr sz="3000">
+                <a:latin typeface="Times New Roman" pitchFamily="18"/>
+              </a:defRPr>
+            </a:pPr>
+            <a:r>
+              <a:rPr lang="en-US" sz="2722">
+                <a:latin typeface="Times New Roman" pitchFamily="18"/>
+                <a:ea typeface="Andale Sans UI" pitchFamily="2"/>
+                <a:cs typeface="Tahoma" pitchFamily="2"/>
+              </a:rPr>
+              <a:t>Loading</a:t>
+            </a:r>
+          </a:p>
+        </p:txBody>
+      </p:sp>
+    </p:spTree>
+  </p:cSld>
+  <p:clrMapOvr>
+    <a:masterClrMapping/>
+  </p:clrMapOvr>
+</p:sld>
+</file>
+
+<file path=ppt/slides/slide9.xml><?xml version="1.0" encoding="utf-8"?>
+<p:sld xmlns:a="http://schemas.openxmlformats.org/drawingml/2006/main" xmlns:r="http://schemas.openxmlformats.org/officeDocument/2006/relationships" xmlns:p="http://schemas.openxmlformats.org/presentationml/2006/main">
+  <p:cSld>
+    <p:spTree>
+      <p:nvGrpSpPr>
+        <p:cNvPr id="1" name=""/>
+        <p:cNvGrpSpPr/>
+        <p:nvPr/>
+      </p:nvGrpSpPr>
+      <p:grpSpPr>
+        <a:xfrm>
+          <a:off x="0" y="0"/>
+          <a:ext cx="0" cy="0"/>
+          <a:chOff x="0" y="0"/>
+          <a:chExt cx="0" cy="0"/>
+        </a:xfrm>
+      </p:grpSpPr>
+      <p:sp>
+        <p:nvSpPr>
+          <p:cNvPr id="2" name="TextBox 1">
+            <a:extLst>
+              <a:ext uri="{FF2B5EF4-FFF2-40B4-BE49-F238E27FC236}">
+                <a16:creationId xmlns:a16="http://schemas.microsoft.com/office/drawing/2014/main" id="{AEE01E62-C9E4-4BB9-B35E-49FD10B33F9B}"/>
+              </a:ext>
+            </a:extLst>
+          </p:cNvPr>
+          <p:cNvSpPr txBox="1"/>
+          <p:nvPr/>
+        </p:nvSpPr>
+        <p:spPr>
+          <a:xfrm>
+            <a:off x="647844" y="1832015"/>
+            <a:ext cx="2060790" cy="510509"/>
+          </a:xfrm>
+          <a:prstGeom prst="rect">
+            <a:avLst/>
+          </a:prstGeom>
+          <a:noFill/>
+          <a:ln>
+            <a:noFill/>
+          </a:ln>
+        </p:spPr>
+        <p:txBody>
+          <a:bodyPr wrap="none" lIns="81646" tIns="40823" rIns="81646" bIns="40823" compatLnSpc="0">
+            <a:spAutoFit/>
+          </a:bodyPr>
+          <a:lstStyle/>
+          <a:p>
+            <a:pPr hangingPunct="0">
+              <a:defRPr sz="3200" b="1" u="sng">
+                <a:uFillTx/>
+              </a:defRPr>
+            </a:pPr>
+            <a:r>
+              <a:rPr lang="en-US" sz="2903" b="1" u="sng" dirty="0">
+                <a:latin typeface="Arial" pitchFamily="18"/>
+                <a:ea typeface="Andale Sans UI" pitchFamily="2"/>
+                <a:cs typeface="Tahoma" pitchFamily="2"/>
+              </a:rPr>
+              <a:t>WHY ETL?</a:t>
+            </a:r>
+          </a:p>
+        </p:txBody>
+      </p:sp>
+      <p:sp>
+        <p:nvSpPr>
+          <p:cNvPr id="3" name="TextBox 2">
+            <a:extLst>
+              <a:ext uri="{FF2B5EF4-FFF2-40B4-BE49-F238E27FC236}">
+                <a16:creationId xmlns:a16="http://schemas.microsoft.com/office/drawing/2014/main" id="{E45594D2-50D7-41A1-A5F3-90EB7BAA9286}"/>
+              </a:ext>
+            </a:extLst>
+          </p:cNvPr>
+          <p:cNvSpPr txBox="1"/>
+          <p:nvPr/>
+        </p:nvSpPr>
+        <p:spPr>
+          <a:xfrm>
+            <a:off x="576818" y="2753121"/>
+            <a:ext cx="11274146" cy="2663984"/>
+          </a:xfrm>
+          <a:prstGeom prst="rect">
+            <a:avLst/>
+          </a:prstGeom>
+          <a:noFill/>
+          <a:ln>
+            <a:noFill/>
+          </a:ln>
+        </p:spPr>
+        <p:txBody>
+          <a:bodyPr wrap="none" lIns="81646" tIns="40823" rIns="81646" bIns="40823" compatLnSpc="0">
+            <a:spAutoFit/>
+          </a:bodyPr>
+          <a:lstStyle/>
+          <a:p>
+            <a:pPr hangingPunct="0">
+              <a:buSzPct val="45000"/>
+              <a:buFont typeface="OpenSymbol"/>
+              <a:buChar char="➢"/>
+            </a:pPr>
+            <a:r>
+              <a:rPr lang="en-US" sz="2268" dirty="0">
+                <a:latin typeface="Arial" pitchFamily="18"/>
+                <a:ea typeface="Andale Sans UI" pitchFamily="2"/>
+                <a:cs typeface="Tahoma" pitchFamily="2"/>
+              </a:rPr>
+              <a:t>Companies need a way to analyze their data for critical business decisions.</a:t>
+            </a:r>
+          </a:p>
+          <a:p>
+            <a:pPr hangingPunct="0">
+              <a:buSzPct val="45000"/>
+              <a:buFont typeface="OpenSymbol"/>
+              <a:buChar char="➢"/>
+            </a:pPr>
+            <a:endParaRPr lang="en-US" sz="2268" dirty="0">
+              <a:latin typeface="Arial" pitchFamily="18"/>
+              <a:ea typeface="Andale Sans UI" pitchFamily="2"/>
+              <a:cs typeface="Tahoma" pitchFamily="2"/>
+            </a:endParaRPr>
+          </a:p>
+          <a:p>
+            <a:pPr hangingPunct="0">
+              <a:buSzPct val="45000"/>
+              <a:buFont typeface="OpenSymbol"/>
+              <a:buChar char="➢"/>
+            </a:pPr>
+            <a:r>
+              <a:rPr lang="en-US" sz="2268" dirty="0">
+                <a:latin typeface="Arial" pitchFamily="18"/>
+                <a:ea typeface="Andale Sans UI" pitchFamily="2"/>
+                <a:cs typeface="Tahoma" pitchFamily="2"/>
+              </a:rPr>
+              <a:t>Transactional Data directly can’t answer complex business questions.</a:t>
+            </a:r>
+          </a:p>
+          <a:p>
+            <a:pPr hangingPunct="0">
+              <a:buSzPct val="45000"/>
+              <a:buFont typeface="OpenSymbol"/>
+              <a:buChar char="➢"/>
+            </a:pPr>
+            <a:endParaRPr lang="en-US" sz="2268" dirty="0">
+              <a:latin typeface="Arial" pitchFamily="18"/>
+              <a:ea typeface="Andale Sans UI" pitchFamily="2"/>
+              <a:cs typeface="Tahoma" pitchFamily="2"/>
+            </a:endParaRPr>
+          </a:p>
+          <a:p>
+            <a:pPr hangingPunct="0">
+              <a:buSzPct val="45000"/>
+              <a:buFont typeface="OpenSymbol"/>
+              <a:buChar char="➢"/>
+            </a:pPr>
+            <a:r>
+              <a:rPr lang="en-US" sz="2268" dirty="0">
+                <a:latin typeface="Arial" pitchFamily="18"/>
+                <a:ea typeface="Andale Sans UI" pitchFamily="2"/>
+                <a:cs typeface="Tahoma" pitchFamily="2"/>
+              </a:rPr>
+              <a:t>A data warehouse provide a common data </a:t>
+            </a:r>
+            <a:r>
+              <a:rPr lang="en-US" sz="2268" dirty="0" err="1">
+                <a:latin typeface="Arial" pitchFamily="18"/>
+                <a:ea typeface="Andale Sans UI" pitchFamily="2"/>
+                <a:cs typeface="Tahoma" pitchFamily="2"/>
+              </a:rPr>
+              <a:t>data</a:t>
+            </a:r>
+            <a:r>
+              <a:rPr lang="en-US" sz="2268" dirty="0">
+                <a:latin typeface="Arial" pitchFamily="18"/>
+                <a:ea typeface="Andale Sans UI" pitchFamily="2"/>
+                <a:cs typeface="Tahoma" pitchFamily="2"/>
+              </a:rPr>
+              <a:t> repository.</a:t>
+            </a:r>
+          </a:p>
+          <a:p>
+            <a:pPr hangingPunct="0">
+              <a:buSzPct val="45000"/>
+              <a:buFont typeface="OpenSymbol"/>
+              <a:buChar char="➢"/>
+            </a:pPr>
+            <a:endParaRPr lang="en-US" sz="2268" dirty="0">
+              <a:latin typeface="Arial" pitchFamily="18"/>
+              <a:ea typeface="Andale Sans UI" pitchFamily="2"/>
+              <a:cs typeface="Tahoma" pitchFamily="2"/>
+            </a:endParaRPr>
+          </a:p>
+          <a:p>
+            <a:pPr hangingPunct="0">
+              <a:buSzPct val="45000"/>
+              <a:buFont typeface="OpenSymbol"/>
+              <a:buChar char="➢"/>
+            </a:pPr>
+            <a:r>
+              <a:rPr lang="en-US" sz="2268" dirty="0">
+                <a:latin typeface="Arial" pitchFamily="18"/>
+                <a:ea typeface="Andale Sans UI" pitchFamily="2"/>
+                <a:cs typeface="Tahoma" pitchFamily="2"/>
+              </a:rPr>
+              <a:t>ETL provide a method of moving the data from various source into a data warehouse.</a:t>
+            </a:r>
+          </a:p>
+          <a:p>
+            <a:pPr hangingPunct="0"/>
+            <a:endParaRPr lang="en-US" sz="1633" dirty="0">
+              <a:latin typeface="Arial" pitchFamily="18"/>
+              <a:ea typeface="Andale Sans UI" pitchFamily="2"/>
+              <a:cs typeface="Tahoma" pitchFamily="2"/>
+            </a:endParaRPr>
+          </a:p>
+        </p:txBody>
+      </p:sp>
+    </p:spTree>
+  </p:cSld>
+  <p:clrMapOvr>
+    <a:masterClrMapping/>
+  </p:clrMapOvr>
+</p:sld>
+</file>
+
 <file path=ppt/theme/theme1.xml><?xml version="1.0" encoding="utf-8"?>
-<a:theme xmlns:a="http://schemas.openxmlformats.org/drawingml/2006/main" name="Office Theme">
+<a:theme xmlns:a="http://schemas.openxmlformats.org/drawingml/2006/main" name="Gallery">
   <a:themeElements>
-    <a:clrScheme name="Office">
+    <a:clrScheme name="Gallery">
       <a:dk1>
         <a:sysClr val="windowText" lastClr="000000"/>
       </a:dk1>
@@ -3631,44 +10288,44 @@
         <a:sysClr val="window" lastClr="FFFFFF"/>
       </a:lt1>
       <a:dk2>
-        <a:srgbClr val="44546A"/>
+        <a:srgbClr val="454545"/>
       </a:dk2>
       <a:lt2>
-        <a:srgbClr val="E7E6E6"/>
+        <a:srgbClr val="DFDBD5"/>
       </a:lt2>
       <a:accent1>
-        <a:srgbClr val="5B9BD5"/>
+        <a:srgbClr val="B71E42"/>
       </a:accent1>
       <a:accent2>
-        <a:srgbClr val="ED7D31"/>
+        <a:srgbClr val="DE478E"/>
       </a:accent2>
       <a:accent3>
-        <a:srgbClr val="A5A5A5"/>
+        <a:srgbClr val="BC72F0"/>
       </a:accent3>
       <a:accent4>
-        <a:srgbClr val="FFC000"/>
+        <a:srgbClr val="795FAF"/>
       </a:accent4>
       <a:accent5>
-        <a:srgbClr val="4472C4"/>
+        <a:srgbClr val="586EA6"/>
       </a:accent5>
       <a:accent6>
-        <a:srgbClr val="70AD47"/>
+        <a:srgbClr val="6892A0"/>
       </a:accent6>
       <a:hlink>
-        <a:srgbClr val="0563C1"/>
+        <a:srgbClr val="FA2B5C"/>
       </a:hlink>
       <a:folHlink>
-        <a:srgbClr val="954F72"/>
+        <a:srgbClr val="BC658E"/>
       </a:folHlink>
     </a:clrScheme>
-    <a:fontScheme name="Office">
+    <a:fontScheme name="Gallery">
       <a:majorFont>
-        <a:latin typeface="Calibri Light" panose="020F0302020204030204"/>
+        <a:latin typeface="Gill Sans MT" panose="020B0502020104020203"/>
         <a:ea typeface=""/>
         <a:cs typeface=""/>
-        <a:font script="Jpan" typeface="ＭＳ Ｐゴシック"/>
+        <a:font script="Jpan" typeface="游ゴシック Light"/>
         <a:font script="Hang" typeface="맑은 고딕"/>
-        <a:font script="Hans" typeface="宋体"/>
+        <a:font script="Hans" typeface="等线 Light"/>
         <a:font script="Hant" typeface="新細明體"/>
         <a:font script="Arab" typeface="Times New Roman"/>
         <a:font script="Hebr" typeface="Times New Roman"/>
@@ -3698,12 +10355,12 @@
         <a:font script="Geor" typeface="Sylfaen"/>
       </a:majorFont>
       <a:minorFont>
-        <a:latin typeface="Calibri" panose="020F0502020204030204"/>
+        <a:latin typeface="Gill Sans MT" panose="020B0502020104020203"/>
         <a:ea typeface=""/>
         <a:cs typeface=""/>
-        <a:font script="Jpan" typeface="ＭＳ Ｐゴシック"/>
+        <a:font script="Jpan" typeface="游ゴシック"/>
         <a:font script="Hang" typeface="맑은 고딕"/>
-        <a:font script="Hans" typeface="宋体"/>
+        <a:font script="Hans" typeface="等线"/>
         <a:font script="Hant" typeface="新細明體"/>
         <a:font script="Arab" typeface="Arial"/>
         <a:font script="Hebr" typeface="Arial"/>
@@ -3731,6 +10388,293 @@
         <a:font script="Viet" typeface="Arial"/>
         <a:font script="Uigh" typeface="Microsoft Uighur"/>
         <a:font script="Geor" typeface="Sylfaen"/>
+      </a:minorFont>
+    </a:fontScheme>
+    <a:fmtScheme name="Gallery">
+      <a:fillStyleLst>
+        <a:solidFill>
+          <a:schemeClr val="phClr"/>
+        </a:solidFill>
+        <a:gradFill rotWithShape="1">
+          <a:gsLst>
+            <a:gs pos="0">
+              <a:schemeClr val="phClr">
+                <a:tint val="54000"/>
+                <a:alpha val="100000"/>
+                <a:satMod val="105000"/>
+                <a:lumMod val="110000"/>
+              </a:schemeClr>
+            </a:gs>
+            <a:gs pos="100000">
+              <a:schemeClr val="phClr">
+                <a:tint val="78000"/>
+                <a:alpha val="92000"/>
+                <a:satMod val="109000"/>
+                <a:lumMod val="100000"/>
+              </a:schemeClr>
+            </a:gs>
+          </a:gsLst>
+          <a:lin ang="5400000" scaled="0"/>
+        </a:gradFill>
+        <a:gradFill rotWithShape="1">
+          <a:gsLst>
+            <a:gs pos="0">
+              <a:schemeClr val="phClr">
+                <a:tint val="98000"/>
+                <a:satMod val="110000"/>
+                <a:lumMod val="104000"/>
+              </a:schemeClr>
+            </a:gs>
+            <a:gs pos="69000">
+              <a:schemeClr val="phClr">
+                <a:shade val="88000"/>
+                <a:satMod val="130000"/>
+                <a:lumMod val="92000"/>
+              </a:schemeClr>
+            </a:gs>
+            <a:gs pos="100000">
+              <a:schemeClr val="phClr">
+                <a:shade val="78000"/>
+                <a:satMod val="130000"/>
+                <a:lumMod val="92000"/>
+              </a:schemeClr>
+            </a:gs>
+          </a:gsLst>
+          <a:lin ang="5400000" scaled="0"/>
+        </a:gradFill>
+      </a:fillStyleLst>
+      <a:lnStyleLst>
+        <a:ln w="9525" cap="flat" cmpd="sng" algn="ctr">
+          <a:solidFill>
+            <a:schemeClr val="phClr"/>
+          </a:solidFill>
+          <a:prstDash val="solid"/>
+        </a:ln>
+        <a:ln w="15875" cap="flat" cmpd="sng" algn="ctr">
+          <a:solidFill>
+            <a:schemeClr val="phClr"/>
+          </a:solidFill>
+          <a:prstDash val="solid"/>
+        </a:ln>
+        <a:ln w="22225" cap="flat" cmpd="sng" algn="ctr">
+          <a:solidFill>
+            <a:schemeClr val="phClr"/>
+          </a:solidFill>
+          <a:prstDash val="solid"/>
+        </a:ln>
+      </a:lnStyleLst>
+      <a:effectStyleLst>
+        <a:effectStyle>
+          <a:effectLst/>
+        </a:effectStyle>
+        <a:effectStyle>
+          <a:effectLst/>
+        </a:effectStyle>
+        <a:effectStyle>
+          <a:effectLst>
+            <a:outerShdw blurRad="50800" dist="50800" dir="5400000" sx="96000" sy="96000" rotWithShape="0">
+              <a:srgbClr val="000000">
+                <a:alpha val="48000"/>
+              </a:srgbClr>
+            </a:outerShdw>
+          </a:effectLst>
+          <a:scene3d>
+            <a:camera prst="orthographicFront">
+              <a:rot lat="0" lon="0" rev="0"/>
+            </a:camera>
+            <a:lightRig rig="balanced" dir="t">
+              <a:rot lat="0" lon="0" rev="1080000"/>
+            </a:lightRig>
+          </a:scene3d>
+          <a:sp3d>
+            <a:bevelT w="38100" h="12700" prst="softRound"/>
+          </a:sp3d>
+        </a:effectStyle>
+      </a:effectStyleLst>
+      <a:bgFillStyleLst>
+        <a:solidFill>
+          <a:schemeClr val="phClr"/>
+        </a:solidFill>
+        <a:solidFill>
+          <a:schemeClr val="phClr"/>
+        </a:solidFill>
+        <a:gradFill rotWithShape="1">
+          <a:gsLst>
+            <a:gs pos="0">
+              <a:schemeClr val="phClr">
+                <a:tint val="94000"/>
+                <a:satMod val="80000"/>
+                <a:lumMod val="106000"/>
+              </a:schemeClr>
+            </a:gs>
+            <a:gs pos="100000">
+              <a:schemeClr val="phClr">
+                <a:shade val="80000"/>
+              </a:schemeClr>
+            </a:gs>
+          </a:gsLst>
+          <a:path path="circle">
+            <a:fillToRect l="50000" t="50000" r="50000" b="50000"/>
+          </a:path>
+        </a:gradFill>
+      </a:bgFillStyleLst>
+    </a:fmtScheme>
+  </a:themeElements>
+  <a:objectDefaults/>
+  <a:extraClrSchemeLst/>
+  <a:extLst>
+    <a:ext uri="{05A4C25C-085E-4340-85A3-A5531E510DB2}">
+      <thm15:themeFamily xmlns:thm15="http://schemas.microsoft.com/office/thememl/2012/main" name="Gallery" id="{BBFCD31E-59A1-489D-B089-A3EAD7CAE12E}" vid="{F5E91637-A7B6-4E27-B710-77DA7014EE1E}"/>
+    </a:ext>
+  </a:extLst>
+</a:theme>
+</file>
+
+<file path=ppt/theme/theme2.xml><?xml version="1.0" encoding="utf-8"?>
+<a:theme xmlns:a="http://schemas.openxmlformats.org/drawingml/2006/main" name="Office Theme">
+  <a:themeElements>
+    <a:clrScheme name="Office">
+      <a:dk1>
+        <a:sysClr val="windowText" lastClr="000000"/>
+      </a:dk1>
+      <a:lt1>
+        <a:sysClr val="window" lastClr="FFFFFF"/>
+      </a:lt1>
+      <a:dk2>
+        <a:srgbClr val="44546A"/>
+      </a:dk2>
+      <a:lt2>
+        <a:srgbClr val="E7E6E6"/>
+      </a:lt2>
+      <a:accent1>
+        <a:srgbClr val="4472C4"/>
+      </a:accent1>
+      <a:accent2>
+        <a:srgbClr val="ED7D31"/>
+      </a:accent2>
+      <a:accent3>
+        <a:srgbClr val="A5A5A5"/>
+      </a:accent3>
+      <a:accent4>
+        <a:srgbClr val="FFC000"/>
+      </a:accent4>
+      <a:accent5>
+        <a:srgbClr val="5B9BD5"/>
+      </a:accent5>
+      <a:accent6>
+        <a:srgbClr val="70AD47"/>
+      </a:accent6>
+      <a:hlink>
+        <a:srgbClr val="0563C1"/>
+      </a:hlink>
+      <a:folHlink>
+        <a:srgbClr val="954F72"/>
+      </a:folHlink>
+    </a:clrScheme>
+    <a:fontScheme name="Office">
+      <a:majorFont>
+        <a:latin typeface="Calibri Light" panose="020F0302020204030204"/>
+        <a:ea typeface=""/>
+        <a:cs typeface=""/>
+        <a:font script="Jpan" typeface="游ゴシック Light"/>
+        <a:font script="Hang" typeface="맑은 고딕"/>
+        <a:font script="Hans" typeface="等线 Light"/>
+        <a:font script="Hant" typeface="新細明體"/>
+        <a:font script="Arab" typeface="Times New Roman"/>
+        <a:font script="Hebr" typeface="Times New Roman"/>
+        <a:font script="Thai" typeface="Angsana New"/>
+        <a:font script="Ethi" typeface="Nyala"/>
+        <a:font script="Beng" typeface="Vrinda"/>
+        <a:font script="Gujr" typeface="Shruti"/>
+        <a:font script="Khmr" typeface="MoolBoran"/>
+        <a:font script="Knda" typeface="Tunga"/>
+        <a:font script="Guru" typeface="Raavi"/>
+        <a:font script="Cans" typeface="Euphemia"/>
+        <a:font script="Cher" typeface="Plantagenet Cherokee"/>
+        <a:font script="Yiii" typeface="Microsoft Yi Baiti"/>
+        <a:font script="Tibt" typeface="Microsoft Himalaya"/>
+        <a:font script="Thaa" typeface="MV Boli"/>
+        <a:font script="Deva" typeface="Mangal"/>
+        <a:font script="Telu" typeface="Gautami"/>
+        <a:font script="Taml" typeface="Latha"/>
+        <a:font script="Syrc" typeface="Estrangelo Edessa"/>
+        <a:font script="Orya" typeface="Kalinga"/>
+        <a:font script="Mlym" typeface="Kartika"/>
+        <a:font script="Laoo" typeface="DokChampa"/>
+        <a:font script="Sinh" typeface="Iskoola Pota"/>
+        <a:font script="Mong" typeface="Mongolian Baiti"/>
+        <a:font script="Viet" typeface="Times New Roman"/>
+        <a:font script="Uigh" typeface="Microsoft Uighur"/>
+        <a:font script="Geor" typeface="Sylfaen"/>
+        <a:font script="Armn" typeface="Arial"/>
+        <a:font script="Bugi" typeface="Leelawadee UI"/>
+        <a:font script="Bopo" typeface="Microsoft JhengHei"/>
+        <a:font script="Java" typeface="Javanese Text"/>
+        <a:font script="Lisu" typeface="Segoe UI"/>
+        <a:font script="Mymr" typeface="Myanmar Text"/>
+        <a:font script="Nkoo" typeface="Ebrima"/>
+        <a:font script="Olck" typeface="Nirmala UI"/>
+        <a:font script="Osma" typeface="Ebrima"/>
+        <a:font script="Phag" typeface="Phagspa"/>
+        <a:font script="Syrn" typeface="Estrangelo Edessa"/>
+        <a:font script="Syrj" typeface="Estrangelo Edessa"/>
+        <a:font script="Syre" typeface="Estrangelo Edessa"/>
+        <a:font script="Sora" typeface="Nirmala UI"/>
+        <a:font script="Tale" typeface="Microsoft Tai Le"/>
+        <a:font script="Talu" typeface="Microsoft New Tai Lue"/>
+        <a:font script="Tfng" typeface="Ebrima"/>
+      </a:majorFont>
+      <a:minorFont>
+        <a:latin typeface="Calibri" panose="020F0502020204030204"/>
+        <a:ea typeface=""/>
+        <a:cs typeface=""/>
+        <a:font script="Jpan" typeface="游ゴシック"/>
+        <a:font script="Hang" typeface="맑은 고딕"/>
+        <a:font script="Hans" typeface="等线"/>
+        <a:font script="Hant" typeface="新細明體"/>
+        <a:font script="Arab" typeface="Arial"/>
+        <a:font script="Hebr" typeface="Arial"/>
+        <a:font script="Thai" typeface="Cordia New"/>
+        <a:font script="Ethi" typeface="Nyala"/>
+        <a:font script="Beng" typeface="Vrinda"/>
+        <a:font script="Gujr" typeface="Shruti"/>
+        <a:font script="Khmr" typeface="DaunPenh"/>
+        <a:font script="Knda" typeface="Tunga"/>
+        <a:font script="Guru" typeface="Raavi"/>
+        <a:font script="Cans" typeface="Euphemia"/>
+        <a:font script="Cher" typeface="Plantagenet Cherokee"/>
+        <a:font script="Yiii" typeface="Microsoft Yi Baiti"/>
+        <a:font script="Tibt" typeface="Microsoft Himalaya"/>
+        <a:font script="Thaa" typeface="MV Boli"/>
+        <a:font script="Deva" typeface="Mangal"/>
+        <a:font script="Telu" typeface="Gautami"/>
+        <a:font script="Taml" typeface="Latha"/>
+        <a:font script="Syrc" typeface="Estrangelo Edessa"/>
+        <a:font script="Orya" typeface="Kalinga"/>
+        <a:font script="Mlym" typeface="Kartika"/>
+        <a:font script="Laoo" typeface="DokChampa"/>
+        <a:font script="Sinh" typeface="Iskoola Pota"/>
+        <a:font script="Mong" typeface="Mongolian Baiti"/>
+        <a:font script="Viet" typeface="Arial"/>
+        <a:font script="Uigh" typeface="Microsoft Uighur"/>
+        <a:font script="Geor" typeface="Sylfaen"/>
+        <a:font script="Armn" typeface="Arial"/>
+        <a:font script="Bugi" typeface="Leelawadee UI"/>
+        <a:font script="Bopo" typeface="Microsoft JhengHei"/>
+        <a:font script="Java" typeface="Javanese Text"/>
+        <a:font script="Lisu" typeface="Segoe UI"/>
+        <a:font script="Mymr" typeface="Myanmar Text"/>
+        <a:font script="Nkoo" typeface="Ebrima"/>
+        <a:font script="Olck" typeface="Nirmala UI"/>
+        <a:font script="Osma" typeface="Ebrima"/>
+        <a:font script="Phag" typeface="Phagspa"/>
+        <a:font script="Syrn" typeface="Estrangelo Edessa"/>
+        <a:font script="Syrj" typeface="Estrangelo Edessa"/>
+        <a:font script="Syre" typeface="Estrangelo Edessa"/>
+        <a:font script="Sora" typeface="Nirmala UI"/>
+        <a:font script="Tale" typeface="Microsoft Tai Le"/>
+        <a:font script="Talu" typeface="Microsoft New Tai Lue"/>
+        <a:font script="Tfng" typeface="Ebrima"/>
       </a:minorFont>
     </a:fontScheme>
     <a:fmtScheme name="Office">
